--- a/презентация 2.pptx
+++ b/презентация 2.pptx
@@ -7,13 +7,11 @@
   <p:sldIdLst>
     <p:sldId id="256" r:id="rId2"/>
     <p:sldId id="257" r:id="rId3"/>
-    <p:sldId id="258" r:id="rId4"/>
-    <p:sldId id="264" r:id="rId5"/>
-    <p:sldId id="263" r:id="rId6"/>
-    <p:sldId id="259" r:id="rId7"/>
-    <p:sldId id="260" r:id="rId8"/>
-    <p:sldId id="261" r:id="rId9"/>
-    <p:sldId id="262" r:id="rId10"/>
+    <p:sldId id="259" r:id="rId4"/>
+    <p:sldId id="258" r:id="rId5"/>
+    <p:sldId id="264" r:id="rId6"/>
+    <p:sldId id="263" r:id="rId7"/>
+    <p:sldId id="262" r:id="rId8"/>
   </p:sldIdLst>
   <p:sldSz cx="12192000" cy="6858000"/>
   <p:notesSz cx="6858000" cy="9144000"/>
@@ -7816,6 +7814,13 @@
   <p:clrMapOvr>
     <a:masterClrMapping/>
   </p:clrMapOvr>
+  <p:timing>
+    <p:tnLst>
+      <p:par>
+        <p:cTn id="1" dur="indefinite" restart="never" nodeType="tmRoot"/>
+      </p:par>
+    </p:tnLst>
+  </p:timing>
 </p:sld>
 </file>
 
@@ -7863,11 +7868,7 @@
             </a:r>
             <a:r>
               <a:rPr lang="ru-RU" dirty="0" smtClean="0"/>
-              <a:t>та </a:t>
-            </a:r>
-            <a:r>
-              <a:rPr lang="ru-RU" dirty="0" smtClean="0"/>
-              <a:t>тема </a:t>
+              <a:t>та тема </a:t>
             </a:r>
             <a:r>
               <a:rPr lang="ru-RU" dirty="0"/>
@@ -7883,23 +7884,7 @@
             </a:r>
             <a:r>
               <a:rPr lang="ru-RU" dirty="0" smtClean="0"/>
-              <a:t>броуновского </a:t>
-            </a:r>
-            <a:r>
-              <a:rPr lang="ru-RU" dirty="0" smtClean="0"/>
-              <a:t>движения частиц в современном мире очень популярны. Так </a:t>
-            </a:r>
-            <a:r>
-              <a:rPr lang="ru-RU" dirty="0" smtClean="0"/>
-              <a:t>как во многих играх есть модели газов. </a:t>
-            </a:r>
-            <a:r>
-              <a:rPr lang="ru-RU" dirty="0" smtClean="0"/>
-              <a:t>При моделировании Броуновского движения я смогу более детально познакомить вас с данным физическим процессом. Использование </a:t>
-            </a:r>
-            <a:r>
-              <a:rPr lang="ru-RU" dirty="0" smtClean="0"/>
-              <a:t>открытых библиотек позволит наиболее детально смоделировать модель Броуновского движения. </a:t>
+              <a:t>броуновского движения частиц в современном мире очень популярны. Так как во многих играх есть модели газов. При моделировании Броуновского движения я смогу более детально познакомить вас с данным физическим процессом. Использование открытых библиотек позволит наиболее детально смоделировать модель Броуновского движения. </a:t>
             </a:r>
           </a:p>
           <a:p>
@@ -7965,11 +7950,7 @@
           <a:p>
             <a:r>
               <a:rPr lang="ru-RU" dirty="0" smtClean="0"/>
-              <a:t>2.Изучить основные библиотеки для численного решения </a:t>
-            </a:r>
-            <a:r>
-              <a:rPr lang="ru-RU" dirty="0" smtClean="0"/>
-              <a:t>уравнений</a:t>
+              <a:t>2.Изучить основные библиотеки для численного решения уравнений</a:t>
             </a:r>
           </a:p>
           <a:p>
@@ -7991,6 +7972,13 @@
   <p:clrMapOvr>
     <a:masterClrMapping/>
   </p:clrMapOvr>
+  <p:timing>
+    <p:tnLst>
+      <p:par>
+        <p:cTn id="1" dur="indefinite" restart="never" nodeType="tmRoot"/>
+      </p:par>
+    </p:tnLst>
+  </p:timing>
 </p:sld>
 </file>
 
@@ -8019,8 +8007,8 @@
         </p:nvSpPr>
         <p:spPr>
           <a:xfrm>
-            <a:off x="1334530" y="1396476"/>
-            <a:ext cx="8138984" cy="3293209"/>
+            <a:off x="1368798" y="1426340"/>
+            <a:ext cx="10920738" cy="4832092"/>
           </a:xfrm>
           <a:prstGeom prst="rect">
             <a:avLst/>
@@ -8033,70 +8021,229 @@
           <a:lstStyle/>
           <a:p>
             <a:r>
-              <a:rPr lang="ru-RU" sz="2400" dirty="0" smtClean="0"/>
-              <a:t>Движение частиц в пространстве </a:t>
-            </a:r>
-            <a:r>
-              <a:rPr lang="ru-RU" sz="2400" dirty="0"/>
-              <a:t>описывается </a:t>
-            </a:r>
-            <a:r>
-              <a:rPr lang="ru-RU" sz="2400" dirty="0" err="1"/>
-              <a:t>дифференсальными</a:t>
-            </a:r>
-            <a:r>
-              <a:rPr lang="ru-RU" sz="2400" dirty="0"/>
+              <a:rPr lang="ru-RU" sz="2800" dirty="0" smtClean="0"/>
+              <a:t>Для решения поставленной задачи необходимо определить следующие начальные условия: </a:t>
+            </a:r>
+          </a:p>
+          <a:p>
+            <a:r>
+              <a:rPr lang="ru-RU" sz="2800" dirty="0" err="1"/>
+              <a:t>radius</a:t>
+            </a:r>
+            <a:r>
+              <a:rPr lang="ru-RU" sz="2800" dirty="0"/>
+              <a:t> = 0.5 </a:t>
+            </a:r>
+            <a:r>
+              <a:rPr lang="ru-RU" sz="2800" dirty="0" smtClean="0"/>
               <a:t> </a:t>
             </a:r>
             <a:r>
-              <a:rPr lang="ru-RU" sz="2400" dirty="0" smtClean="0"/>
-              <a:t>уравнениями:</a:t>
-            </a:r>
-            <a:endParaRPr lang="ru-RU" sz="2400" dirty="0" smtClean="0"/>
-          </a:p>
-          <a:p>
-            <a:r>
-              <a:rPr lang="da-DK" sz="3200" dirty="0"/>
-              <a:t>dxdt = v_x</a:t>
-            </a:r>
-          </a:p>
-          <a:p>
-            <a:r>
-              <a:rPr lang="da-DK" sz="3200" dirty="0"/>
-              <a:t>dv_xdt = 0</a:t>
-            </a:r>
-          </a:p>
-          <a:p>
-            <a:r>
-              <a:rPr lang="da-DK" sz="3200" dirty="0"/>
+              <a:rPr lang="ru-RU" sz="2800" dirty="0"/>
+              <a:t>Радиус шариков</a:t>
+            </a:r>
+          </a:p>
+          <a:p>
+            <a:r>
+              <a:rPr lang="ru-RU" sz="2800" dirty="0" err="1"/>
+              <a:t>mass</a:t>
+            </a:r>
+            <a:r>
+              <a:rPr lang="ru-RU" sz="2800" dirty="0"/>
+              <a:t> = 0.5 </a:t>
+            </a:r>
+            <a:r>
+              <a:rPr lang="ru-RU" sz="2800" dirty="0" smtClean="0"/>
+              <a:t> </a:t>
+            </a:r>
+            <a:r>
+              <a:rPr lang="ru-RU" sz="2800" dirty="0"/>
+              <a:t>Масса шариков</a:t>
+            </a:r>
+          </a:p>
+          <a:p>
+            <a:r>
+              <a:rPr lang="ru-RU" sz="2800" dirty="0" err="1" smtClean="0"/>
+              <a:t>Lx</a:t>
+            </a:r>
+            <a:r>
+              <a:rPr lang="ru-RU" sz="2800" dirty="0" smtClean="0"/>
+              <a:t> </a:t>
+            </a:r>
+            <a:r>
+              <a:rPr lang="ru-RU" sz="2800" dirty="0"/>
+              <a:t>= </a:t>
+            </a:r>
+            <a:r>
+              <a:rPr lang="ru-RU" sz="2800" dirty="0" smtClean="0"/>
+              <a:t>10 </a:t>
+            </a:r>
+            <a:r>
+              <a:rPr lang="ru-RU" sz="2800" dirty="0"/>
+              <a:t>Границы стенок </a:t>
+            </a:r>
+            <a:r>
+              <a:rPr lang="ru-RU" sz="2800" dirty="0" smtClean="0"/>
+              <a:t>коробки</a:t>
+            </a:r>
+            <a:endParaRPr lang="ru-RU" sz="2800" dirty="0"/>
+          </a:p>
+          <a:p>
+            <a:r>
+              <a:rPr lang="ru-RU" sz="2800" dirty="0" err="1"/>
+              <a:t>Ly</a:t>
+            </a:r>
+            <a:r>
+              <a:rPr lang="ru-RU" sz="2800" dirty="0"/>
+              <a:t> = </a:t>
+            </a:r>
+            <a:r>
+              <a:rPr lang="ru-RU" sz="2800" dirty="0" smtClean="0"/>
+              <a:t>10 </a:t>
+            </a:r>
+            <a:r>
+              <a:rPr lang="ru-RU" sz="2800" dirty="0"/>
+              <a:t>Границы стенок </a:t>
+            </a:r>
+            <a:r>
+              <a:rPr lang="ru-RU" sz="2800" dirty="0" smtClean="0"/>
+              <a:t>коробки</a:t>
+            </a:r>
+            <a:r>
+              <a:rPr lang="ru-RU" sz="2800" dirty="0"/>
               <a:t/>
             </a:r>
             <a:br>
-              <a:rPr lang="da-DK" sz="3200" dirty="0"/>
+              <a:rPr lang="ru-RU" sz="2800" dirty="0"/>
             </a:br>
             <a:r>
-              <a:rPr lang="da-DK" sz="3200" dirty="0"/>
-              <a:t>dydt = v_y</a:t>
-            </a:r>
-          </a:p>
-          <a:p>
-            <a:r>
-              <a:rPr lang="da-DK" sz="3200" dirty="0"/>
-              <a:t>dv_ydt = 0</a:t>
-            </a:r>
+              <a:rPr lang="ru-RU" sz="2800" dirty="0"/>
+              <a:t>K = </a:t>
+            </a:r>
+            <a:r>
+              <a:rPr lang="ru-RU" sz="2800" dirty="0" smtClean="0"/>
+              <a:t>1 </a:t>
+            </a:r>
+            <a:r>
+              <a:rPr lang="ru-RU" sz="2800" dirty="0"/>
+              <a:t>Коэффициент столкновений между шариками</a:t>
+            </a:r>
+          </a:p>
+          <a:p>
+            <a:r>
+              <a:rPr lang="ru-RU" sz="2800" dirty="0"/>
+              <a:t>K1 = </a:t>
+            </a:r>
+            <a:r>
+              <a:rPr lang="ru-RU" sz="2800" dirty="0" smtClean="0"/>
+              <a:t>1 </a:t>
+            </a:r>
+            <a:r>
+              <a:rPr lang="ru-RU" sz="2800" dirty="0"/>
+              <a:t>Коэффициент столкновений со </a:t>
+            </a:r>
+            <a:r>
+              <a:rPr lang="ru-RU" sz="2800" dirty="0" smtClean="0"/>
+              <a:t>стенками</a:t>
+            </a:r>
+            <a:r>
+              <a:rPr lang="ru-RU" sz="2800" dirty="0"/>
+              <a:t/>
+            </a:r>
+            <a:br>
+              <a:rPr lang="ru-RU" sz="2800" dirty="0"/>
+            </a:br>
+            <a:r>
+              <a:rPr lang="ru-RU" sz="2800" dirty="0"/>
+              <a:t>T = </a:t>
+            </a:r>
+            <a:r>
+              <a:rPr lang="ru-RU" sz="2800" dirty="0" smtClean="0"/>
+              <a:t>200 </a:t>
+            </a:r>
+            <a:r>
+              <a:rPr lang="ru-RU" sz="2800" dirty="0"/>
+              <a:t>Общее время анимации</a:t>
+            </a:r>
+          </a:p>
+          <a:p>
+            <a:r>
+              <a:rPr lang="ru-RU" sz="2800" dirty="0"/>
+              <a:t>n = </a:t>
+            </a:r>
+            <a:r>
+              <a:rPr lang="ru-RU" sz="2800" dirty="0" smtClean="0"/>
+              <a:t>1000 кадры</a:t>
+            </a:r>
+            <a:endParaRPr lang="ru-RU" sz="2800" dirty="0"/>
+          </a:p>
+          <a:p>
+            <a:r>
+              <a:rPr lang="ru-RU" sz="2800" dirty="0" smtClean="0"/>
+              <a:t>N </a:t>
+            </a:r>
+            <a:r>
+              <a:rPr lang="ru-RU" sz="2800" dirty="0"/>
+              <a:t>= 8 </a:t>
+            </a:r>
+            <a:r>
+              <a:rPr lang="ru-RU" sz="2800" dirty="0" smtClean="0"/>
+              <a:t>Количество </a:t>
+            </a:r>
+            <a:r>
+              <a:rPr lang="ru-RU" sz="2800" dirty="0" err="1"/>
+              <a:t>чатсиц</a:t>
+            </a:r>
+            <a:endParaRPr lang="ru-RU" sz="2800" dirty="0"/>
+          </a:p>
+        </p:txBody>
+      </p:sp>
+      <p:sp>
+        <p:nvSpPr>
+          <p:cNvPr id="3" name="Прямоугольник 2"/>
+          <p:cNvSpPr/>
+          <p:nvPr/>
+        </p:nvSpPr>
+        <p:spPr>
+          <a:xfrm>
+            <a:off x="3147116" y="490204"/>
+            <a:ext cx="4641014" cy="646331"/>
+          </a:xfrm>
+          <a:prstGeom prst="rect">
+            <a:avLst/>
+          </a:prstGeom>
+        </p:spPr>
+        <p:txBody>
+          <a:bodyPr wrap="none">
+            <a:spAutoFit/>
+          </a:bodyPr>
+          <a:lstStyle/>
+          <a:p>
+            <a:r>
+              <a:rPr lang="ru-RU" sz="3600" dirty="0" smtClean="0"/>
+              <a:t>Начальные условия</a:t>
+            </a:r>
+            <a:endParaRPr lang="ru-RU" sz="3600" dirty="0"/>
           </a:p>
         </p:txBody>
       </p:sp>
     </p:spTree>
     <p:extLst>
       <p:ext uri="{BB962C8B-B14F-4D97-AF65-F5344CB8AC3E}">
-        <p14:creationId xmlns:p14="http://schemas.microsoft.com/office/powerpoint/2010/main" val="626156011"/>
+        <p14:creationId xmlns:p14="http://schemas.microsoft.com/office/powerpoint/2010/main" val="495604377"/>
       </p:ext>
     </p:extLst>
   </p:cSld>
   <p:clrMapOvr>
     <a:masterClrMapping/>
   </p:clrMapOvr>
+  <p:timing>
+    <p:tnLst>
+      <p:par>
+        <p:cTn id="1" dur="indefinite" restart="never" nodeType="tmRoot"/>
+      </p:par>
+    </p:tnLst>
+  </p:timing>
 </p:sld>
 </file>
 
@@ -8125,8 +8272,8 @@
         </p:nvSpPr>
         <p:spPr>
           <a:xfrm>
-            <a:off x="1024128" y="1799856"/>
-            <a:ext cx="8485632" cy="4093428"/>
+            <a:off x="1334530" y="1396476"/>
+            <a:ext cx="8138984" cy="3293209"/>
           </a:xfrm>
           <a:prstGeom prst="rect">
             <a:avLst/>
@@ -8139,264 +8286,76 @@
           <a:lstStyle/>
           <a:p>
             <a:r>
-              <a:rPr lang="ru-RU" sz="2000" dirty="0" smtClean="0"/>
-              <a:t>        # </a:t>
-            </a:r>
-            <a:r>
-              <a:rPr lang="ru-RU" sz="2000" dirty="0"/>
-              <a:t>Пересчет  </a:t>
-            </a:r>
-            <a:r>
-              <a:rPr lang="en-US" sz="2000" dirty="0"/>
-              <a:t>x-</a:t>
-            </a:r>
-            <a:r>
-              <a:rPr lang="ru-RU" sz="2000" dirty="0"/>
-              <a:t>компоненты скорости первой частицы</a:t>
-            </a:r>
-          </a:p>
-          <a:p>
-            <a:r>
-              <a:rPr lang="ru-RU" sz="2000" dirty="0"/>
-              <a:t>        </a:t>
-            </a:r>
-            <a:r>
-              <a:rPr lang="en-US" sz="2000" dirty="0"/>
-              <a:t>VX1 = v1 * </a:t>
-            </a:r>
-            <a:r>
-              <a:rPr lang="en-US" sz="2000" dirty="0" err="1"/>
-              <a:t>np.cos</a:t>
-            </a:r>
-            <a:r>
-              <a:rPr lang="en-US" sz="2000" dirty="0"/>
-              <a:t>(theta1 - phi) * (mass1 - K * mass2) \</a:t>
-            </a:r>
-          </a:p>
-          <a:p>
-            <a:r>
-              <a:rPr lang="en-US" sz="2000" dirty="0"/>
-              <a:t>        * </a:t>
-            </a:r>
-            <a:r>
-              <a:rPr lang="en-US" sz="2000" dirty="0" err="1"/>
-              <a:t>np.cos</a:t>
-            </a:r>
-            <a:r>
-              <a:rPr lang="en-US" sz="2000" dirty="0"/>
-              <a:t>(phi) / (mass1 + mass2)\</a:t>
-            </a:r>
-          </a:p>
-          <a:p>
-            <a:r>
-              <a:rPr lang="en-US" sz="2000" dirty="0"/>
-              <a:t>        + ((1 + K) * mass2 * v2 * </a:t>
-            </a:r>
-            <a:r>
-              <a:rPr lang="en-US" sz="2000" dirty="0" err="1"/>
-              <a:t>np.cos</a:t>
-            </a:r>
-            <a:r>
-              <a:rPr lang="en-US" sz="2000" dirty="0"/>
-              <a:t>(theta2 - phi))\</a:t>
-            </a:r>
-          </a:p>
-          <a:p>
-            <a:r>
-              <a:rPr lang="en-US" sz="2000" dirty="0"/>
-              <a:t>        * </a:t>
-            </a:r>
-            <a:r>
-              <a:rPr lang="en-US" sz="2000" dirty="0" err="1"/>
-              <a:t>np.cos</a:t>
-            </a:r>
-            <a:r>
-              <a:rPr lang="en-US" sz="2000" dirty="0"/>
-              <a:t>(phi) / (mass1 + mass2)\</a:t>
-            </a:r>
-          </a:p>
-          <a:p>
-            <a:r>
-              <a:rPr lang="en-US" sz="2000" dirty="0"/>
-              <a:t>        + K * v1 * </a:t>
-            </a:r>
-            <a:r>
-              <a:rPr lang="en-US" sz="2000" dirty="0" err="1"/>
-              <a:t>np.sin</a:t>
-            </a:r>
-            <a:r>
-              <a:rPr lang="en-US" sz="2000" dirty="0"/>
-              <a:t>(theta1 - phi) * </a:t>
-            </a:r>
-            <a:r>
-              <a:rPr lang="en-US" sz="2000" dirty="0" err="1"/>
-              <a:t>np.cos</a:t>
-            </a:r>
-            <a:r>
-              <a:rPr lang="en-US" sz="2000" dirty="0"/>
-              <a:t>(phi + </a:t>
-            </a:r>
-            <a:r>
-              <a:rPr lang="en-US" sz="2000" dirty="0" err="1"/>
-              <a:t>np.pi</a:t>
-            </a:r>
-            <a:r>
-              <a:rPr lang="en-US" sz="2000" dirty="0"/>
-              <a:t> / 2)</a:t>
-            </a:r>
-          </a:p>
-          <a:p>
-            <a:endParaRPr lang="en-US" sz="2000" dirty="0"/>
-          </a:p>
-          <a:p>
-            <a:r>
-              <a:rPr lang="en-US" sz="2000" dirty="0"/>
-              <a:t>        # </a:t>
-            </a:r>
-            <a:r>
-              <a:rPr lang="ru-RU" sz="2000" dirty="0"/>
-              <a:t>Пересчет </a:t>
-            </a:r>
-            <a:r>
-              <a:rPr lang="en-US" sz="2000" dirty="0"/>
-              <a:t>y-</a:t>
-            </a:r>
-            <a:r>
-              <a:rPr lang="ru-RU" sz="2000" dirty="0"/>
-              <a:t>компоненты скорости первой частицы</a:t>
-            </a:r>
-          </a:p>
-          <a:p>
-            <a:r>
-              <a:rPr lang="ru-RU" sz="2000" dirty="0"/>
-              <a:t>        </a:t>
-            </a:r>
-            <a:r>
-              <a:rPr lang="en-US" sz="2000" dirty="0"/>
-              <a:t>VY1 = v1 * </a:t>
-            </a:r>
-            <a:r>
-              <a:rPr lang="en-US" sz="2000" dirty="0" err="1"/>
-              <a:t>np.cos</a:t>
-            </a:r>
-            <a:r>
-              <a:rPr lang="en-US" sz="2000" dirty="0"/>
-              <a:t>(theta1 - phi) * (mass1 - K * mass2) \</a:t>
-            </a:r>
-          </a:p>
-          <a:p>
-            <a:r>
-              <a:rPr lang="en-US" sz="2000" dirty="0"/>
-              <a:t>        * </a:t>
-            </a:r>
-            <a:r>
-              <a:rPr lang="en-US" sz="2000" dirty="0" err="1"/>
-              <a:t>np.sin</a:t>
-            </a:r>
-            <a:r>
-              <a:rPr lang="en-US" sz="2000" dirty="0"/>
-              <a:t>(phi) / (mass1 + mass2) \</a:t>
-            </a:r>
-          </a:p>
-          <a:p>
-            <a:r>
-              <a:rPr lang="en-US" sz="2000" dirty="0"/>
-              <a:t>        + ((1 + K) * mass2 * v2 * </a:t>
-            </a:r>
-            <a:r>
-              <a:rPr lang="en-US" sz="2000" dirty="0" err="1"/>
-              <a:t>np.cos</a:t>
-            </a:r>
-            <a:r>
-              <a:rPr lang="en-US" sz="2000" dirty="0"/>
-              <a:t>(theta2 - phi)) \</a:t>
-            </a:r>
-          </a:p>
-          <a:p>
-            <a:r>
-              <a:rPr lang="en-US" sz="2000" dirty="0"/>
-              <a:t>        * </a:t>
-            </a:r>
-            <a:r>
-              <a:rPr lang="en-US" sz="2000" dirty="0" err="1"/>
-              <a:t>np.sin</a:t>
-            </a:r>
-            <a:r>
-              <a:rPr lang="en-US" sz="2000" dirty="0"/>
-              <a:t>(phi) / (mass1 + mass2) \</a:t>
-            </a:r>
-          </a:p>
-          <a:p>
-            <a:r>
-              <a:rPr lang="en-US" sz="2000" dirty="0"/>
-              <a:t>        + K * v1 * </a:t>
-            </a:r>
-            <a:r>
-              <a:rPr lang="en-US" sz="2000" dirty="0" err="1"/>
-              <a:t>np.sin</a:t>
-            </a:r>
-            <a:r>
-              <a:rPr lang="en-US" sz="2000" dirty="0"/>
-              <a:t>(theta1 - phi) * </a:t>
-            </a:r>
-            <a:r>
-              <a:rPr lang="en-US" sz="2000" dirty="0" err="1"/>
-              <a:t>np.sin</a:t>
-            </a:r>
-            <a:r>
-              <a:rPr lang="en-US" sz="2000" dirty="0"/>
-              <a:t>(phi + </a:t>
-            </a:r>
-            <a:r>
-              <a:rPr lang="en-US" sz="2000" dirty="0" err="1"/>
-              <a:t>np.pi</a:t>
-            </a:r>
-            <a:r>
-              <a:rPr lang="en-US" sz="2000" dirty="0"/>
-              <a:t> / 2)</a:t>
-            </a:r>
-          </a:p>
-        </p:txBody>
-      </p:sp>
-      <p:sp>
-        <p:nvSpPr>
-          <p:cNvPr id="3" name="Прямоугольник 2"/>
-          <p:cNvSpPr/>
-          <p:nvPr/>
-        </p:nvSpPr>
-        <p:spPr>
-          <a:xfrm>
-            <a:off x="4303776" y="580656"/>
-            <a:ext cx="6096000" cy="646331"/>
-          </a:xfrm>
-          <a:prstGeom prst="rect">
-            <a:avLst/>
-          </a:prstGeom>
-        </p:spPr>
-        <p:txBody>
-          <a:bodyPr>
-            <a:spAutoFit/>
-          </a:bodyPr>
-          <a:lstStyle/>
-          <a:p>
-            <a:r>
-              <a:rPr lang="ru-RU" sz="3600" dirty="0" smtClean="0"/>
-              <a:t>Формулы</a:t>
-            </a:r>
-            <a:endParaRPr lang="en-US" sz="3600" dirty="0"/>
+              <a:rPr lang="ru-RU" sz="2400" dirty="0" smtClean="0"/>
+              <a:t>Движение частиц в пространстве </a:t>
+            </a:r>
+            <a:r>
+              <a:rPr lang="ru-RU" sz="2400" dirty="0"/>
+              <a:t>описывается </a:t>
+            </a:r>
+            <a:r>
+              <a:rPr lang="ru-RU" sz="2400" dirty="0" err="1"/>
+              <a:t>дифференсальными</a:t>
+            </a:r>
+            <a:r>
+              <a:rPr lang="ru-RU" sz="2400" dirty="0"/>
+              <a:t> </a:t>
+            </a:r>
+            <a:r>
+              <a:rPr lang="ru-RU" sz="2400" dirty="0" smtClean="0"/>
+              <a:t>уравнениями:</a:t>
+            </a:r>
+          </a:p>
+          <a:p>
+            <a:r>
+              <a:rPr lang="da-DK" sz="3200" dirty="0"/>
+              <a:t>dxdt = v_x</a:t>
+            </a:r>
+          </a:p>
+          <a:p>
+            <a:r>
+              <a:rPr lang="da-DK" sz="3200" dirty="0"/>
+              <a:t>dv_xdt = 0</a:t>
+            </a:r>
+          </a:p>
+          <a:p>
+            <a:r>
+              <a:rPr lang="da-DK" sz="3200" dirty="0"/>
+              <a:t/>
+            </a:r>
+            <a:br>
+              <a:rPr lang="da-DK" sz="3200" dirty="0"/>
+            </a:br>
+            <a:r>
+              <a:rPr lang="da-DK" sz="3200" dirty="0"/>
+              <a:t>dydt = v_y</a:t>
+            </a:r>
+          </a:p>
+          <a:p>
+            <a:r>
+              <a:rPr lang="da-DK" sz="3200" dirty="0"/>
+              <a:t>dv_ydt = 0</a:t>
+            </a:r>
           </a:p>
         </p:txBody>
       </p:sp>
     </p:spTree>
     <p:extLst>
       <p:ext uri="{BB962C8B-B14F-4D97-AF65-F5344CB8AC3E}">
-        <p14:creationId xmlns:p14="http://schemas.microsoft.com/office/powerpoint/2010/main" val="3260803692"/>
+        <p14:creationId xmlns:p14="http://schemas.microsoft.com/office/powerpoint/2010/main" val="626156011"/>
       </p:ext>
     </p:extLst>
   </p:cSld>
   <p:clrMapOvr>
     <a:masterClrMapping/>
   </p:clrMapOvr>
+  <p:timing>
+    <p:tnLst>
+      <p:par>
+        <p:cTn id="1" dur="indefinite" restart="never" nodeType="tmRoot"/>
+      </p:par>
+    </p:tnLst>
+  </p:timing>
 </p:sld>
 </file>
 
@@ -8425,8 +8384,8 @@
         </p:nvSpPr>
         <p:spPr>
           <a:xfrm>
-            <a:off x="1255776" y="1322761"/>
-            <a:ext cx="10460736" cy="4370427"/>
+            <a:off x="1024128" y="1799856"/>
+            <a:ext cx="8485632" cy="4093428"/>
           </a:xfrm>
           <a:prstGeom prst="rect">
             <a:avLst/>
@@ -8438,16 +8397,120 @@
           </a:bodyPr>
           <a:lstStyle/>
           <a:p>
-            <a:endParaRPr lang="en-US" dirty="0" smtClean="0"/>
-          </a:p>
-          <a:p>
-            <a:r>
-              <a:rPr lang="en-US" sz="2000" dirty="0" smtClean="0"/>
+            <a:r>
+              <a:rPr lang="ru-RU" sz="2000" dirty="0" smtClean="0"/>
+              <a:t>        # </a:t>
+            </a:r>
+            <a:r>
+              <a:rPr lang="ru-RU" sz="2000" dirty="0"/>
+              <a:t>Пересчет  </a:t>
+            </a:r>
+            <a:r>
+              <a:rPr lang="en-US" sz="2000" dirty="0"/>
+              <a:t>x-</a:t>
+            </a:r>
+            <a:r>
+              <a:rPr lang="ru-RU" sz="2000" dirty="0"/>
+              <a:t>компоненты скорости первой частицы</a:t>
+            </a:r>
+          </a:p>
+          <a:p>
+            <a:r>
+              <a:rPr lang="ru-RU" sz="2000" dirty="0"/>
               <a:t>        </a:t>
             </a:r>
             <a:r>
               <a:rPr lang="en-US" sz="2000" dirty="0"/>
-              <a:t># </a:t>
+              <a:t>VX1 = v1 * </a:t>
+            </a:r>
+            <a:r>
+              <a:rPr lang="en-US" sz="2000" dirty="0" err="1"/>
+              <a:t>np.cos</a:t>
+            </a:r>
+            <a:r>
+              <a:rPr lang="en-US" sz="2000" dirty="0"/>
+              <a:t>(theta1 - phi) * (mass1 - K * mass2) \</a:t>
+            </a:r>
+          </a:p>
+          <a:p>
+            <a:r>
+              <a:rPr lang="en-US" sz="2000" dirty="0"/>
+              <a:t>        * </a:t>
+            </a:r>
+            <a:r>
+              <a:rPr lang="en-US" sz="2000" dirty="0" err="1"/>
+              <a:t>np.cos</a:t>
+            </a:r>
+            <a:r>
+              <a:rPr lang="en-US" sz="2000" dirty="0"/>
+              <a:t>(phi) / (mass1 + mass2)\</a:t>
+            </a:r>
+          </a:p>
+          <a:p>
+            <a:r>
+              <a:rPr lang="en-US" sz="2000" dirty="0"/>
+              <a:t>        + ((1 + K) * mass2 * v2 * </a:t>
+            </a:r>
+            <a:r>
+              <a:rPr lang="en-US" sz="2000" dirty="0" err="1"/>
+              <a:t>np.cos</a:t>
+            </a:r>
+            <a:r>
+              <a:rPr lang="en-US" sz="2000" dirty="0"/>
+              <a:t>(theta2 - phi))\</a:t>
+            </a:r>
+          </a:p>
+          <a:p>
+            <a:r>
+              <a:rPr lang="en-US" sz="2000" dirty="0"/>
+              <a:t>        * </a:t>
+            </a:r>
+            <a:r>
+              <a:rPr lang="en-US" sz="2000" dirty="0" err="1"/>
+              <a:t>np.cos</a:t>
+            </a:r>
+            <a:r>
+              <a:rPr lang="en-US" sz="2000" dirty="0"/>
+              <a:t>(phi) / (mass1 + mass2)\</a:t>
+            </a:r>
+          </a:p>
+          <a:p>
+            <a:r>
+              <a:rPr lang="en-US" sz="2000" dirty="0"/>
+              <a:t>        + K * v1 * </a:t>
+            </a:r>
+            <a:r>
+              <a:rPr lang="en-US" sz="2000" dirty="0" err="1"/>
+              <a:t>np.sin</a:t>
+            </a:r>
+            <a:r>
+              <a:rPr lang="en-US" sz="2000" dirty="0"/>
+              <a:t>(theta1 - phi) * </a:t>
+            </a:r>
+            <a:r>
+              <a:rPr lang="en-US" sz="2000" dirty="0" err="1"/>
+              <a:t>np.cos</a:t>
+            </a:r>
+            <a:r>
+              <a:rPr lang="en-US" sz="2000" dirty="0"/>
+              <a:t>(phi + </a:t>
+            </a:r>
+            <a:r>
+              <a:rPr lang="en-US" sz="2000" dirty="0" err="1"/>
+              <a:t>np.pi</a:t>
+            </a:r>
+            <a:r>
+              <a:rPr lang="en-US" sz="2000" dirty="0"/>
+              <a:t> / 2)</a:t>
+            </a:r>
+          </a:p>
+          <a:p>
+            <a:endParaRPr lang="en-US" sz="2000" dirty="0"/>
+          </a:p>
+          <a:p>
+            <a:r>
+              <a:rPr lang="en-US" sz="2000" dirty="0"/>
+              <a:t>        # </a:t>
             </a:r>
             <a:r>
               <a:rPr lang="ru-RU" sz="2000" dirty="0"/>
@@ -8455,11 +8518,11 @@
             </a:r>
             <a:r>
               <a:rPr lang="en-US" sz="2000" dirty="0"/>
-              <a:t>x-</a:t>
+              <a:t>y-</a:t>
             </a:r>
             <a:r>
               <a:rPr lang="ru-RU" sz="2000" dirty="0"/>
-              <a:t>компоненты скорости второй частицы</a:t>
+              <a:t>компоненты скорости первой частицы</a:t>
             </a:r>
           </a:p>
           <a:p>
@@ -8469,7 +8532,7 @@
             </a:r>
             <a:r>
               <a:rPr lang="en-US" sz="2000" dirty="0"/>
-              <a:t>VX2 = v2 * </a:t>
+              <a:t>VY1 = v1 * </a:t>
             </a:r>
             <a:r>
               <a:rPr lang="en-US" sz="2000" dirty="0" err="1"/>
@@ -8477,7 +8540,7 @@
             </a:r>
             <a:r>
               <a:rPr lang="en-US" sz="2000" dirty="0"/>
-              <a:t>(theta2 - phi) * (mass2 - K * mass1) \</a:t>
+              <a:t>(theta1 - phi) * (mass1 - K * mass2) \</a:t>
             </a:r>
           </a:p>
           <a:p>
@@ -8487,17 +8550,17 @@
             </a:r>
             <a:r>
               <a:rPr lang="en-US" sz="2000" dirty="0" err="1"/>
-              <a:t>np.cos</a:t>
+              <a:t>np.sin</a:t>
             </a:r>
             <a:r>
               <a:rPr lang="en-US" sz="2000" dirty="0"/>
-              <a:t>(phi) / (mass1 + mass2)\</a:t>
+              <a:t>(phi) / (mass1 + mass2) \</a:t>
             </a:r>
           </a:p>
           <a:p>
             <a:r>
               <a:rPr lang="en-US" sz="2000" dirty="0"/>
-              <a:t>        + ((1 + K) * mass1 * v1 * </a:t>
+              <a:t>        + ((1 + K) * mass2 * v2 * </a:t>
             </a:r>
             <a:r>
               <a:rPr lang="en-US" sz="2000" dirty="0" err="1"/>
@@ -8505,7 +8568,7 @@
             </a:r>
             <a:r>
               <a:rPr lang="en-US" sz="2000" dirty="0"/>
-              <a:t>(theta1 - phi)) \</a:t>
+              <a:t>(theta2 - phi)) \</a:t>
             </a:r>
           </a:p>
           <a:p>
@@ -8515,17 +8578,17 @@
             </a:r>
             <a:r>
               <a:rPr lang="en-US" sz="2000" dirty="0" err="1"/>
-              <a:t>np.cos</a:t>
+              <a:t>np.sin</a:t>
             </a:r>
             <a:r>
               <a:rPr lang="en-US" sz="2000" dirty="0"/>
-              <a:t>(phi) / (mass1 + mass2)\</a:t>
+              <a:t>(phi) / (mass1 + mass2) \</a:t>
             </a:r>
           </a:p>
           <a:p>
             <a:r>
               <a:rPr lang="en-US" sz="2000" dirty="0"/>
-              <a:t>        + K * v2 * </a:t>
+              <a:t>        + K * v1 * </a:t>
             </a:r>
             <a:r>
               <a:rPr lang="en-US" sz="2000" dirty="0" err="1"/>
@@ -8533,118 +8596,7 @@
             </a:r>
             <a:r>
               <a:rPr lang="en-US" sz="2000" dirty="0"/>
-              <a:t>(theta2 - phi) * </a:t>
-            </a:r>
-            <a:r>
-              <a:rPr lang="en-US" sz="2000" dirty="0" err="1"/>
-              <a:t>np.cos</a:t>
-            </a:r>
-            <a:r>
-              <a:rPr lang="en-US" sz="2000" dirty="0"/>
-              <a:t>(phi + </a:t>
-            </a:r>
-            <a:r>
-              <a:rPr lang="en-US" sz="2000" dirty="0" err="1"/>
-              <a:t>np.pi</a:t>
-            </a:r>
-            <a:r>
-              <a:rPr lang="en-US" sz="2000" dirty="0"/>
-              <a:t> / 2)</a:t>
-            </a:r>
-          </a:p>
-          <a:p>
-            <a:endParaRPr lang="en-US" sz="2000" dirty="0"/>
-          </a:p>
-          <a:p>
-            <a:r>
-              <a:rPr lang="en-US" sz="2000" dirty="0"/>
-              <a:t>        # </a:t>
-            </a:r>
-            <a:r>
-              <a:rPr lang="ru-RU" sz="2000" dirty="0"/>
-              <a:t>Пересчет </a:t>
-            </a:r>
-            <a:r>
-              <a:rPr lang="en-US" sz="2000" dirty="0"/>
-              <a:t>y-</a:t>
-            </a:r>
-            <a:r>
-              <a:rPr lang="ru-RU" sz="2000" dirty="0"/>
-              <a:t>компоненты скорости второй частицы</a:t>
-            </a:r>
-          </a:p>
-          <a:p>
-            <a:r>
-              <a:rPr lang="ru-RU" sz="2000" dirty="0"/>
-              <a:t>        </a:t>
-            </a:r>
-            <a:r>
-              <a:rPr lang="en-US" sz="2000" dirty="0"/>
-              <a:t>VY2 = v2 * </a:t>
-            </a:r>
-            <a:r>
-              <a:rPr lang="en-US" sz="2000" dirty="0" err="1"/>
-              <a:t>np.cos</a:t>
-            </a:r>
-            <a:r>
-              <a:rPr lang="en-US" sz="2000" dirty="0"/>
-              <a:t>(theta2 - phi) * (mass2 - K * mass1) \</a:t>
-            </a:r>
-          </a:p>
-          <a:p>
-            <a:r>
-              <a:rPr lang="en-US" sz="2000" dirty="0"/>
-              <a:t>        * </a:t>
-            </a:r>
-            <a:r>
-              <a:rPr lang="en-US" sz="2000" dirty="0" err="1"/>
-              <a:t>np.sin</a:t>
-            </a:r>
-            <a:r>
-              <a:rPr lang="en-US" sz="2000" dirty="0"/>
-              <a:t>(phi) / (mass1 + mass2) \</a:t>
-            </a:r>
-          </a:p>
-          <a:p>
-            <a:r>
-              <a:rPr lang="en-US" sz="2000" dirty="0"/>
-              <a:t>        + ((1 + K) * mass1 * v1 * </a:t>
-            </a:r>
-            <a:r>
-              <a:rPr lang="en-US" sz="2000" dirty="0" err="1"/>
-              <a:t>np.cos</a:t>
-            </a:r>
-            <a:r>
-              <a:rPr lang="en-US" sz="2000" dirty="0"/>
-              <a:t>(theta1 - phi)) \</a:t>
-            </a:r>
-          </a:p>
-          <a:p>
-            <a:r>
-              <a:rPr lang="en-US" sz="2000" dirty="0"/>
-              <a:t>        * </a:t>
-            </a:r>
-            <a:r>
-              <a:rPr lang="en-US" sz="2000" dirty="0" err="1"/>
-              <a:t>np.sin</a:t>
-            </a:r>
-            <a:r>
-              <a:rPr lang="en-US" sz="2000" dirty="0"/>
-              <a:t>(phi) / (mass1 + mass2)\</a:t>
-            </a:r>
-          </a:p>
-          <a:p>
-            <a:r>
-              <a:rPr lang="en-US" sz="2000" dirty="0"/>
-              <a:t>        + K * v2 * </a:t>
-            </a:r>
-            <a:r>
-              <a:rPr lang="en-US" sz="2000" dirty="0" err="1"/>
-              <a:t>np.sin</a:t>
-            </a:r>
-            <a:r>
-              <a:rPr lang="en-US" sz="2000" dirty="0"/>
-              <a:t>(theta2 - phi) * </a:t>
+              <a:t>(theta1 - phi) * </a:t>
             </a:r>
             <a:r>
               <a:rPr lang="en-US" sz="2000" dirty="0" err="1"/>
@@ -8673,36 +8625,44 @@
         </p:nvSpPr>
         <p:spPr>
           <a:xfrm>
-            <a:off x="4792438" y="488942"/>
-            <a:ext cx="2422458" cy="646331"/>
+            <a:off x="4303776" y="580656"/>
+            <a:ext cx="6096000" cy="646331"/>
           </a:xfrm>
           <a:prstGeom prst="rect">
             <a:avLst/>
           </a:prstGeom>
         </p:spPr>
         <p:txBody>
-          <a:bodyPr wrap="none">
+          <a:bodyPr>
             <a:spAutoFit/>
           </a:bodyPr>
           <a:lstStyle/>
           <a:p>
             <a:r>
-              <a:rPr lang="ru-RU" sz="3600" dirty="0"/>
+              <a:rPr lang="ru-RU" sz="3600" dirty="0" smtClean="0"/>
               <a:t>Формулы</a:t>
             </a:r>
+            <a:endParaRPr lang="en-US" sz="3600" dirty="0"/>
           </a:p>
         </p:txBody>
       </p:sp>
     </p:spTree>
     <p:extLst>
       <p:ext uri="{BB962C8B-B14F-4D97-AF65-F5344CB8AC3E}">
-        <p14:creationId xmlns:p14="http://schemas.microsoft.com/office/powerpoint/2010/main" val="3322525840"/>
+        <p14:creationId xmlns:p14="http://schemas.microsoft.com/office/powerpoint/2010/main" val="3260803692"/>
       </p:ext>
     </p:extLst>
   </p:cSld>
   <p:clrMapOvr>
     <a:masterClrMapping/>
   </p:clrMapOvr>
+  <p:timing>
+    <p:tnLst>
+      <p:par>
+        <p:cTn id="1" dur="indefinite" restart="never" nodeType="tmRoot"/>
+      </p:par>
+    </p:tnLst>
+  </p:timing>
 </p:sld>
 </file>
 
@@ -8731,8 +8691,8 @@
         </p:nvSpPr>
         <p:spPr>
           <a:xfrm>
-            <a:off x="1368798" y="1426340"/>
-            <a:ext cx="10920738" cy="4832092"/>
+            <a:off x="1255776" y="1322761"/>
+            <a:ext cx="10460736" cy="4370427"/>
           </a:xfrm>
           <a:prstGeom prst="rect">
             <a:avLst/>
@@ -8744,194 +8704,278 @@
           </a:bodyPr>
           <a:lstStyle/>
           <a:p>
-            <a:r>
-              <a:rPr lang="ru-RU" sz="2800" dirty="0" smtClean="0"/>
-              <a:t>Для решения поставленной задачи необходимо определить следующие начальные условия: </a:t>
-            </a:r>
-          </a:p>
-          <a:p>
-            <a:r>
-              <a:rPr lang="ru-RU" sz="2800" dirty="0" err="1"/>
-              <a:t>radius</a:t>
-            </a:r>
-            <a:r>
-              <a:rPr lang="ru-RU" sz="2800" dirty="0"/>
-              <a:t> = 0.5 </a:t>
-            </a:r>
-            <a:r>
-              <a:rPr lang="ru-RU" sz="2800" dirty="0" smtClean="0"/>
-              <a:t> </a:t>
-            </a:r>
-            <a:r>
-              <a:rPr lang="ru-RU" sz="2800" dirty="0"/>
-              <a:t>Радиус шариков</a:t>
-            </a:r>
-          </a:p>
-          <a:p>
-            <a:r>
-              <a:rPr lang="ru-RU" sz="2800" dirty="0" err="1"/>
-              <a:t>mass</a:t>
-            </a:r>
-            <a:r>
-              <a:rPr lang="ru-RU" sz="2800" dirty="0"/>
-              <a:t> = 0.5 </a:t>
-            </a:r>
-            <a:r>
-              <a:rPr lang="ru-RU" sz="2800" dirty="0" smtClean="0"/>
-              <a:t> </a:t>
-            </a:r>
-            <a:r>
-              <a:rPr lang="ru-RU" sz="2800" dirty="0"/>
-              <a:t>Масса шариков</a:t>
-            </a:r>
-          </a:p>
-          <a:p>
-            <a:r>
-              <a:rPr lang="ru-RU" sz="2800" dirty="0" err="1" smtClean="0"/>
-              <a:t>Lx</a:t>
-            </a:r>
-            <a:r>
-              <a:rPr lang="ru-RU" sz="2800" dirty="0" smtClean="0"/>
-              <a:t> </a:t>
-            </a:r>
-            <a:r>
-              <a:rPr lang="ru-RU" sz="2800" dirty="0"/>
-              <a:t>= </a:t>
-            </a:r>
-            <a:r>
-              <a:rPr lang="ru-RU" sz="2800" dirty="0" smtClean="0"/>
-              <a:t>10 </a:t>
-            </a:r>
-            <a:r>
-              <a:rPr lang="ru-RU" sz="2800" dirty="0"/>
-              <a:t>Границы стенок </a:t>
-            </a:r>
-            <a:r>
-              <a:rPr lang="ru-RU" sz="2800" dirty="0" smtClean="0"/>
-              <a:t>коробки</a:t>
-            </a:r>
-            <a:endParaRPr lang="ru-RU" sz="2800" dirty="0"/>
-          </a:p>
-          <a:p>
-            <a:r>
-              <a:rPr lang="ru-RU" sz="2800" dirty="0" err="1"/>
-              <a:t>Ly</a:t>
-            </a:r>
-            <a:r>
-              <a:rPr lang="ru-RU" sz="2800" dirty="0"/>
-              <a:t> = </a:t>
-            </a:r>
-            <a:r>
-              <a:rPr lang="ru-RU" sz="2800" dirty="0" smtClean="0"/>
-              <a:t>10 </a:t>
-            </a:r>
-            <a:r>
-              <a:rPr lang="ru-RU" sz="2800" dirty="0"/>
-              <a:t>Границы стенок </a:t>
-            </a:r>
-            <a:r>
-              <a:rPr lang="ru-RU" sz="2800" dirty="0" smtClean="0"/>
-              <a:t>коробки</a:t>
-            </a:r>
-            <a:r>
-              <a:rPr lang="ru-RU" sz="2800" dirty="0"/>
-              <a:t/>
-            </a:r>
-            <a:br>
-              <a:rPr lang="ru-RU" sz="2800" dirty="0"/>
-            </a:br>
-            <a:r>
-              <a:rPr lang="ru-RU" sz="2800" dirty="0"/>
-              <a:t>K = </a:t>
-            </a:r>
-            <a:r>
-              <a:rPr lang="ru-RU" sz="2800" dirty="0" smtClean="0"/>
-              <a:t>1 </a:t>
-            </a:r>
-            <a:r>
-              <a:rPr lang="ru-RU" sz="2800" dirty="0"/>
-              <a:t>Коэффициент столкновений между шариками</a:t>
-            </a:r>
-          </a:p>
-          <a:p>
-            <a:r>
-              <a:rPr lang="ru-RU" sz="2800" dirty="0"/>
-              <a:t>K1 = </a:t>
-            </a:r>
-            <a:r>
-              <a:rPr lang="ru-RU" sz="2800" dirty="0" smtClean="0"/>
-              <a:t>1 </a:t>
-            </a:r>
-            <a:r>
-              <a:rPr lang="ru-RU" sz="2800" dirty="0"/>
-              <a:t>Коэффициент столкновений со </a:t>
-            </a:r>
-            <a:r>
-              <a:rPr lang="ru-RU" sz="2800" dirty="0" smtClean="0"/>
-              <a:t>стенками</a:t>
-            </a:r>
-            <a:r>
-              <a:rPr lang="ru-RU" sz="2800" dirty="0"/>
-              <a:t/>
-            </a:r>
-            <a:br>
-              <a:rPr lang="ru-RU" sz="2800" dirty="0"/>
-            </a:br>
-            <a:r>
-              <a:rPr lang="ru-RU" sz="2800" dirty="0"/>
-              <a:t>T = </a:t>
-            </a:r>
-            <a:r>
-              <a:rPr lang="ru-RU" sz="2800" dirty="0" smtClean="0"/>
-              <a:t>200 </a:t>
-            </a:r>
-            <a:r>
-              <a:rPr lang="ru-RU" sz="2800" dirty="0"/>
-              <a:t>Общее время анимации</a:t>
-            </a:r>
-          </a:p>
-          <a:p>
-            <a:r>
-              <a:rPr lang="ru-RU" sz="2800" dirty="0"/>
-              <a:t>n = </a:t>
-            </a:r>
-            <a:r>
-              <a:rPr lang="ru-RU" sz="2800" dirty="0" smtClean="0"/>
-              <a:t>1000 кадры</a:t>
-            </a:r>
-            <a:endParaRPr lang="ru-RU" sz="2800" dirty="0"/>
-          </a:p>
-          <a:p>
-            <a:r>
-              <a:rPr lang="ru-RU" sz="2800" dirty="0" smtClean="0"/>
-              <a:t>N </a:t>
-            </a:r>
-            <a:r>
-              <a:rPr lang="ru-RU" sz="2800" dirty="0"/>
-              <a:t>= 8 </a:t>
-            </a:r>
-            <a:r>
-              <a:rPr lang="ru-RU" sz="2800" dirty="0" smtClean="0"/>
-              <a:t>Количество </a:t>
-            </a:r>
-            <a:r>
-              <a:rPr lang="ru-RU" sz="2800" dirty="0" err="1"/>
-              <a:t>чатсиц</a:t>
-            </a:r>
-            <a:endParaRPr lang="ru-RU" sz="2800" dirty="0"/>
+            <a:endParaRPr lang="en-US" dirty="0" smtClean="0"/>
+          </a:p>
+          <a:p>
+            <a:r>
+              <a:rPr lang="en-US" sz="2000" dirty="0" smtClean="0"/>
+              <a:t>        </a:t>
+            </a:r>
+            <a:r>
+              <a:rPr lang="en-US" sz="2000" dirty="0"/>
+              <a:t># </a:t>
+            </a:r>
+            <a:r>
+              <a:rPr lang="ru-RU" sz="2000" dirty="0"/>
+              <a:t>Пересчет </a:t>
+            </a:r>
+            <a:r>
+              <a:rPr lang="en-US" sz="2000" dirty="0"/>
+              <a:t>x-</a:t>
+            </a:r>
+            <a:r>
+              <a:rPr lang="ru-RU" sz="2000" dirty="0"/>
+              <a:t>компоненты скорости второй частицы</a:t>
+            </a:r>
+          </a:p>
+          <a:p>
+            <a:r>
+              <a:rPr lang="ru-RU" sz="2000" dirty="0"/>
+              <a:t>        </a:t>
+            </a:r>
+            <a:r>
+              <a:rPr lang="en-US" sz="2000" dirty="0"/>
+              <a:t>VX2 = v2 * </a:t>
+            </a:r>
+            <a:r>
+              <a:rPr lang="en-US" sz="2000" dirty="0" err="1"/>
+              <a:t>np.cos</a:t>
+            </a:r>
+            <a:r>
+              <a:rPr lang="en-US" sz="2000" dirty="0"/>
+              <a:t>(theta2 - phi) * (mass2 - K * mass1) \</a:t>
+            </a:r>
+          </a:p>
+          <a:p>
+            <a:r>
+              <a:rPr lang="en-US" sz="2000" dirty="0"/>
+              <a:t>        * </a:t>
+            </a:r>
+            <a:r>
+              <a:rPr lang="en-US" sz="2000" dirty="0" err="1"/>
+              <a:t>np.cos</a:t>
+            </a:r>
+            <a:r>
+              <a:rPr lang="en-US" sz="2000" dirty="0"/>
+              <a:t>(phi) / (mass1 + mass2)\</a:t>
+            </a:r>
+          </a:p>
+          <a:p>
+            <a:r>
+              <a:rPr lang="en-US" sz="2000" dirty="0"/>
+              <a:t>        + ((1 + K) * mass1 * v1 * </a:t>
+            </a:r>
+            <a:r>
+              <a:rPr lang="en-US" sz="2000" dirty="0" err="1"/>
+              <a:t>np.cos</a:t>
+            </a:r>
+            <a:r>
+              <a:rPr lang="en-US" sz="2000" dirty="0"/>
+              <a:t>(theta1 - phi)) \</a:t>
+            </a:r>
+          </a:p>
+          <a:p>
+            <a:r>
+              <a:rPr lang="en-US" sz="2000" dirty="0"/>
+              <a:t>        * </a:t>
+            </a:r>
+            <a:r>
+              <a:rPr lang="en-US" sz="2000" dirty="0" err="1"/>
+              <a:t>np.cos</a:t>
+            </a:r>
+            <a:r>
+              <a:rPr lang="en-US" sz="2000" dirty="0"/>
+              <a:t>(phi) / (mass1 + mass2)\</a:t>
+            </a:r>
+          </a:p>
+          <a:p>
+            <a:r>
+              <a:rPr lang="en-US" sz="2000" dirty="0"/>
+              <a:t>        + K * v2 * </a:t>
+            </a:r>
+            <a:r>
+              <a:rPr lang="en-US" sz="2000" dirty="0" err="1"/>
+              <a:t>np.sin</a:t>
+            </a:r>
+            <a:r>
+              <a:rPr lang="en-US" sz="2000" dirty="0"/>
+              <a:t>(theta2 - phi) * </a:t>
+            </a:r>
+            <a:r>
+              <a:rPr lang="en-US" sz="2000" dirty="0" err="1"/>
+              <a:t>np.cos</a:t>
+            </a:r>
+            <a:r>
+              <a:rPr lang="en-US" sz="2000" dirty="0"/>
+              <a:t>(phi + </a:t>
+            </a:r>
+            <a:r>
+              <a:rPr lang="en-US" sz="2000" dirty="0" err="1"/>
+              <a:t>np.pi</a:t>
+            </a:r>
+            <a:r>
+              <a:rPr lang="en-US" sz="2000" dirty="0"/>
+              <a:t> / 2)</a:t>
+            </a:r>
+          </a:p>
+          <a:p>
+            <a:endParaRPr lang="en-US" sz="2000" dirty="0"/>
+          </a:p>
+          <a:p>
+            <a:r>
+              <a:rPr lang="en-US" sz="2000" dirty="0"/>
+              <a:t>        # </a:t>
+            </a:r>
+            <a:r>
+              <a:rPr lang="ru-RU" sz="2000" dirty="0"/>
+              <a:t>Пересчет </a:t>
+            </a:r>
+            <a:r>
+              <a:rPr lang="en-US" sz="2000" dirty="0"/>
+              <a:t>y-</a:t>
+            </a:r>
+            <a:r>
+              <a:rPr lang="ru-RU" sz="2000" dirty="0"/>
+              <a:t>компоненты скорости второй частицы</a:t>
+            </a:r>
+          </a:p>
+          <a:p>
+            <a:r>
+              <a:rPr lang="ru-RU" sz="2000" dirty="0"/>
+              <a:t>        </a:t>
+            </a:r>
+            <a:r>
+              <a:rPr lang="en-US" sz="2000" dirty="0"/>
+              <a:t>VY2 = v2 * </a:t>
+            </a:r>
+            <a:r>
+              <a:rPr lang="en-US" sz="2000" dirty="0" err="1"/>
+              <a:t>np.cos</a:t>
+            </a:r>
+            <a:r>
+              <a:rPr lang="en-US" sz="2000" dirty="0"/>
+              <a:t>(theta2 - phi) * (mass2 - K * mass1) \</a:t>
+            </a:r>
+          </a:p>
+          <a:p>
+            <a:r>
+              <a:rPr lang="en-US" sz="2000" dirty="0"/>
+              <a:t>        * </a:t>
+            </a:r>
+            <a:r>
+              <a:rPr lang="en-US" sz="2000" dirty="0" err="1"/>
+              <a:t>np.sin</a:t>
+            </a:r>
+            <a:r>
+              <a:rPr lang="en-US" sz="2000" dirty="0"/>
+              <a:t>(phi) / (mass1 + mass2) \</a:t>
+            </a:r>
+          </a:p>
+          <a:p>
+            <a:r>
+              <a:rPr lang="en-US" sz="2000" dirty="0"/>
+              <a:t>        + ((1 + K) * mass1 * v1 * </a:t>
+            </a:r>
+            <a:r>
+              <a:rPr lang="en-US" sz="2000" dirty="0" err="1"/>
+              <a:t>np.cos</a:t>
+            </a:r>
+            <a:r>
+              <a:rPr lang="en-US" sz="2000" dirty="0"/>
+              <a:t>(theta1 - phi)) \</a:t>
+            </a:r>
+          </a:p>
+          <a:p>
+            <a:r>
+              <a:rPr lang="en-US" sz="2000" dirty="0"/>
+              <a:t>        * </a:t>
+            </a:r>
+            <a:r>
+              <a:rPr lang="en-US" sz="2000" dirty="0" err="1"/>
+              <a:t>np.sin</a:t>
+            </a:r>
+            <a:r>
+              <a:rPr lang="en-US" sz="2000" dirty="0"/>
+              <a:t>(phi) / (mass1 + mass2)\</a:t>
+            </a:r>
+          </a:p>
+          <a:p>
+            <a:r>
+              <a:rPr lang="en-US" sz="2000" dirty="0"/>
+              <a:t>        + K * v2 * </a:t>
+            </a:r>
+            <a:r>
+              <a:rPr lang="en-US" sz="2000" dirty="0" err="1"/>
+              <a:t>np.sin</a:t>
+            </a:r>
+            <a:r>
+              <a:rPr lang="en-US" sz="2000" dirty="0"/>
+              <a:t>(theta2 - phi) * </a:t>
+            </a:r>
+            <a:r>
+              <a:rPr lang="en-US" sz="2000" dirty="0" err="1"/>
+              <a:t>np.sin</a:t>
+            </a:r>
+            <a:r>
+              <a:rPr lang="en-US" sz="2000" dirty="0"/>
+              <a:t>(phi + </a:t>
+            </a:r>
+            <a:r>
+              <a:rPr lang="en-US" sz="2000" dirty="0" err="1"/>
+              <a:t>np.pi</a:t>
+            </a:r>
+            <a:r>
+              <a:rPr lang="en-US" sz="2000" dirty="0"/>
+              <a:t> / 2)</a:t>
+            </a:r>
+          </a:p>
+        </p:txBody>
+      </p:sp>
+      <p:sp>
+        <p:nvSpPr>
+          <p:cNvPr id="3" name="Прямоугольник 2"/>
+          <p:cNvSpPr/>
+          <p:nvPr/>
+        </p:nvSpPr>
+        <p:spPr>
+          <a:xfrm>
+            <a:off x="4792438" y="488942"/>
+            <a:ext cx="2422458" cy="646331"/>
+          </a:xfrm>
+          <a:prstGeom prst="rect">
+            <a:avLst/>
+          </a:prstGeom>
+        </p:spPr>
+        <p:txBody>
+          <a:bodyPr wrap="none">
+            <a:spAutoFit/>
+          </a:bodyPr>
+          <a:lstStyle/>
+          <a:p>
+            <a:r>
+              <a:rPr lang="ru-RU" sz="3600" dirty="0"/>
+              <a:t>Формулы</a:t>
+            </a:r>
           </a:p>
         </p:txBody>
       </p:sp>
     </p:spTree>
     <p:extLst>
       <p:ext uri="{BB962C8B-B14F-4D97-AF65-F5344CB8AC3E}">
-        <p14:creationId xmlns:p14="http://schemas.microsoft.com/office/powerpoint/2010/main" val="495604377"/>
+        <p14:creationId xmlns:p14="http://schemas.microsoft.com/office/powerpoint/2010/main" val="3322525840"/>
       </p:ext>
     </p:extLst>
   </p:cSld>
   <p:clrMapOvr>
     <a:masterClrMapping/>
   </p:clrMapOvr>
+  <p:timing>
+    <p:tnLst>
+      <p:par>
+        <p:cTn id="1" dur="indefinite" restart="never" nodeType="tmRoot"/>
+      </p:par>
+    </p:tnLst>
+  </p:timing>
 </p:sld>
 </file>
 
@@ -8954,237 +8998,6 @@
       </p:grpSpPr>
       <p:sp>
         <p:nvSpPr>
-          <p:cNvPr id="2" name="Прямоугольник 1"/>
-          <p:cNvSpPr/>
-          <p:nvPr/>
-        </p:nvSpPr>
-        <p:spPr>
-          <a:xfrm>
-            <a:off x="2951717" y="411532"/>
-            <a:ext cx="10168666" cy="1384995"/>
-          </a:xfrm>
-          <a:prstGeom prst="rect">
-            <a:avLst/>
-          </a:prstGeom>
-        </p:spPr>
-        <p:txBody>
-          <a:bodyPr wrap="square">
-            <a:spAutoFit/>
-          </a:bodyPr>
-          <a:lstStyle/>
-          <a:p>
-            <a:r>
-              <a:rPr lang="ru-RU" sz="2400" dirty="0" smtClean="0"/>
-              <a:t>В результате численного моделирования были получены следующие результаты:  </a:t>
-            </a:r>
-          </a:p>
-          <a:p>
-            <a:endParaRPr lang="ru-RU" dirty="0" smtClean="0"/>
-          </a:p>
-          <a:p>
-            <a:r>
-              <a:rPr lang="ru-RU" dirty="0" smtClean="0"/>
-              <a:t>  </a:t>
-            </a:r>
-          </a:p>
-        </p:txBody>
-      </p:sp>
-      <p:pic>
-        <p:nvPicPr>
-          <p:cNvPr id="3" name="Рисунок 2"/>
-          <p:cNvPicPr>
-            <a:picLocks noChangeAspect="1"/>
-          </p:cNvPicPr>
-          <p:nvPr/>
-        </p:nvPicPr>
-        <p:blipFill>
-          <a:blip r:embed="rId2"/>
-          <a:stretch>
-            <a:fillRect/>
-          </a:stretch>
-        </p:blipFill>
-        <p:spPr>
-          <a:xfrm>
-            <a:off x="755689" y="1956813"/>
-            <a:ext cx="5298392" cy="2840982"/>
-          </a:xfrm>
-          <a:prstGeom prst="rect">
-            <a:avLst/>
-          </a:prstGeom>
-        </p:spPr>
-      </p:pic>
-      <p:pic>
-        <p:nvPicPr>
-          <p:cNvPr id="4" name="Рисунок 3"/>
-          <p:cNvPicPr>
-            <a:picLocks noChangeAspect="1"/>
-          </p:cNvPicPr>
-          <p:nvPr/>
-        </p:nvPicPr>
-        <p:blipFill>
-          <a:blip r:embed="rId3"/>
-          <a:stretch>
-            <a:fillRect/>
-          </a:stretch>
-        </p:blipFill>
-        <p:spPr>
-          <a:xfrm>
-            <a:off x="6054081" y="3870574"/>
-            <a:ext cx="5938019" cy="2901948"/>
-          </a:xfrm>
-          <a:prstGeom prst="rect">
-            <a:avLst/>
-          </a:prstGeom>
-        </p:spPr>
-      </p:pic>
-    </p:spTree>
-    <p:extLst>
-      <p:ext uri="{BB962C8B-B14F-4D97-AF65-F5344CB8AC3E}">
-        <p14:creationId xmlns:p14="http://schemas.microsoft.com/office/powerpoint/2010/main" val="1516704789"/>
-      </p:ext>
-    </p:extLst>
-  </p:cSld>
-  <p:clrMapOvr>
-    <a:masterClrMapping/>
-  </p:clrMapOvr>
-</p:sld>
-</file>
-
-<file path=ppt/slides/slide8.xml><?xml version="1.0" encoding="utf-8"?>
-<p:sld xmlns:a="http://schemas.openxmlformats.org/drawingml/2006/main" xmlns:r="http://schemas.openxmlformats.org/officeDocument/2006/relationships" xmlns:p="http://schemas.openxmlformats.org/presentationml/2006/main">
-  <p:cSld>
-    <p:spTree>
-      <p:nvGrpSpPr>
-        <p:cNvPr id="1" name=""/>
-        <p:cNvGrpSpPr/>
-        <p:nvPr/>
-      </p:nvGrpSpPr>
-      <p:grpSpPr>
-        <a:xfrm>
-          <a:off x="0" y="0"/>
-          <a:ext cx="0" cy="0"/>
-          <a:chOff x="0" y="0"/>
-          <a:chExt cx="0" cy="0"/>
-        </a:xfrm>
-      </p:grpSpPr>
-      <p:sp>
-        <p:nvSpPr>
-          <p:cNvPr id="2" name="Прямоугольник 1"/>
-          <p:cNvSpPr/>
-          <p:nvPr/>
-        </p:nvSpPr>
-        <p:spPr>
-          <a:xfrm>
-            <a:off x="1647567" y="184491"/>
-            <a:ext cx="6096000" cy="1200329"/>
-          </a:xfrm>
-          <a:prstGeom prst="rect">
-            <a:avLst/>
-          </a:prstGeom>
-        </p:spPr>
-        <p:txBody>
-          <a:bodyPr>
-            <a:spAutoFit/>
-          </a:bodyPr>
-          <a:lstStyle/>
-          <a:p>
-            <a:r>
-              <a:rPr lang="ru-RU" dirty="0" smtClean="0"/>
-              <a:t>Как видно из графика, у меня получилась модель упругого столкновения двух частиц, в то время как для других начальных условий могут быть другие результаты, например, неупругое столкновение.</a:t>
-            </a:r>
-            <a:endParaRPr lang="ru-RU" dirty="0"/>
-          </a:p>
-        </p:txBody>
-      </p:sp>
-      <p:pic>
-        <p:nvPicPr>
-          <p:cNvPr id="3" name="Рисунок 2"/>
-          <p:cNvPicPr>
-            <a:picLocks noChangeAspect="1"/>
-          </p:cNvPicPr>
-          <p:nvPr/>
-        </p:nvPicPr>
-        <p:blipFill>
-          <a:blip r:embed="rId2"/>
-          <a:stretch>
-            <a:fillRect/>
-          </a:stretch>
-        </p:blipFill>
-        <p:spPr>
-          <a:xfrm>
-            <a:off x="3303373" y="1384820"/>
-            <a:ext cx="6427090" cy="3041980"/>
-          </a:xfrm>
-          <a:prstGeom prst="rect">
-            <a:avLst/>
-          </a:prstGeom>
-        </p:spPr>
-      </p:pic>
-      <p:sp>
-        <p:nvSpPr>
-          <p:cNvPr id="4" name="Прямоугольник 3"/>
-          <p:cNvSpPr/>
-          <p:nvPr/>
-        </p:nvSpPr>
-        <p:spPr>
-          <a:xfrm>
-            <a:off x="5577016" y="4703799"/>
-            <a:ext cx="6096000" cy="646331"/>
-          </a:xfrm>
-          <a:prstGeom prst="rect">
-            <a:avLst/>
-          </a:prstGeom>
-        </p:spPr>
-        <p:txBody>
-          <a:bodyPr>
-            <a:spAutoFit/>
-          </a:bodyPr>
-          <a:lstStyle/>
-          <a:p>
-            <a:r>
-              <a:rPr lang="ru-RU" dirty="0" smtClean="0"/>
-              <a:t>Дальнейшим развитием этой работы может стать </a:t>
-            </a:r>
-            <a:r>
-              <a:rPr lang="ru-RU" dirty="0" smtClean="0"/>
-              <a:t>написание приложения.</a:t>
-            </a:r>
-            <a:endParaRPr lang="ru-RU" dirty="0"/>
-          </a:p>
-        </p:txBody>
-      </p:sp>
-    </p:spTree>
-    <p:extLst>
-      <p:ext uri="{BB962C8B-B14F-4D97-AF65-F5344CB8AC3E}">
-        <p14:creationId xmlns:p14="http://schemas.microsoft.com/office/powerpoint/2010/main" val="1268913756"/>
-      </p:ext>
-    </p:extLst>
-  </p:cSld>
-  <p:clrMapOvr>
-    <a:masterClrMapping/>
-  </p:clrMapOvr>
-</p:sld>
-</file>
-
-<file path=ppt/slides/slide9.xml><?xml version="1.0" encoding="utf-8"?>
-<p:sld xmlns:a="http://schemas.openxmlformats.org/drawingml/2006/main" xmlns:r="http://schemas.openxmlformats.org/officeDocument/2006/relationships" xmlns:p="http://schemas.openxmlformats.org/presentationml/2006/main">
-  <p:cSld>
-    <p:spTree>
-      <p:nvGrpSpPr>
-        <p:cNvPr id="1" name=""/>
-        <p:cNvGrpSpPr/>
-        <p:nvPr/>
-      </p:nvGrpSpPr>
-      <p:grpSpPr>
-        <a:xfrm>
-          <a:off x="0" y="0"/>
-          <a:ext cx="0" cy="0"/>
-          <a:chOff x="0" y="0"/>
-          <a:chExt cx="0" cy="0"/>
-        </a:xfrm>
-      </p:grpSpPr>
-      <p:sp>
-        <p:nvSpPr>
           <p:cNvPr id="3" name="Прямоугольник 2"/>
           <p:cNvSpPr/>
           <p:nvPr/>
@@ -9222,6 +9035,13 @@
   <p:clrMapOvr>
     <a:masterClrMapping/>
   </p:clrMapOvr>
+  <p:timing>
+    <p:tnLst>
+      <p:par>
+        <p:cTn id="1" dur="indefinite" restart="never" nodeType="tmRoot"/>
+      </p:par>
+    </p:tnLst>
+  </p:timing>
 </p:sld>
 </file>
 
@@ -9462,7 +9282,7 @@
   <a:extraClrSchemeLst/>
   <a:extLst>
     <a:ext uri="{05A4C25C-085E-4340-85A3-A5531E510DB2}">
-      <thm15:themeFamily xmlns:thm15="http://schemas.microsoft.com/office/thememl/2012/main" xmlns="" name="Wisp" id="{7CB32D59-10C0-40DD-B7BD-2E94284A981C}" vid="{24B1A44C-C006-48B2-A4D7-E5549B3D8CD4}"/>
+      <thm15:themeFamily xmlns="" xmlns:thm15="http://schemas.microsoft.com/office/thememl/2012/main" name="Wisp" id="{7CB32D59-10C0-40DD-B7BD-2E94284A981C}" vid="{24B1A44C-C006-48B2-A4D7-E5549B3D8CD4}"/>
     </a:ext>
   </a:extLst>
 </a:theme>

--- a/презентация 2.pptx
+++ b/презентация 2.pptx
@@ -7,11 +7,12 @@
   <p:sldIdLst>
     <p:sldId id="256" r:id="rId2"/>
     <p:sldId id="257" r:id="rId3"/>
-    <p:sldId id="259" r:id="rId4"/>
-    <p:sldId id="258" r:id="rId5"/>
-    <p:sldId id="264" r:id="rId6"/>
-    <p:sldId id="263" r:id="rId7"/>
-    <p:sldId id="262" r:id="rId8"/>
+    <p:sldId id="258" r:id="rId4"/>
+    <p:sldId id="259" r:id="rId5"/>
+    <p:sldId id="265" r:id="rId6"/>
+    <p:sldId id="264" r:id="rId7"/>
+    <p:sldId id="263" r:id="rId8"/>
+    <p:sldId id="262" r:id="rId9"/>
   </p:sldIdLst>
   <p:sldSz cx="12192000" cy="6858000"/>
   <p:notesSz cx="6858000" cy="9144000"/>
@@ -8007,8 +8008,8 @@
         </p:nvSpPr>
         <p:spPr>
           <a:xfrm>
-            <a:off x="1368798" y="1426340"/>
-            <a:ext cx="10920738" cy="4832092"/>
+            <a:off x="1334530" y="1396476"/>
+            <a:ext cx="8138984" cy="3293209"/>
           </a:xfrm>
           <a:prstGeom prst="rect">
             <a:avLst/>
@@ -8021,216 +8022,63 @@
           <a:lstStyle/>
           <a:p>
             <a:r>
-              <a:rPr lang="ru-RU" sz="2800" dirty="0" smtClean="0"/>
-              <a:t>Для решения поставленной задачи необходимо определить следующие начальные условия: </a:t>
-            </a:r>
-          </a:p>
-          <a:p>
-            <a:r>
-              <a:rPr lang="ru-RU" sz="2800" dirty="0" err="1"/>
-              <a:t>radius</a:t>
-            </a:r>
-            <a:r>
-              <a:rPr lang="ru-RU" sz="2800" dirty="0"/>
-              <a:t> = 0.5 </a:t>
-            </a:r>
-            <a:r>
-              <a:rPr lang="ru-RU" sz="2800" dirty="0" smtClean="0"/>
+              <a:rPr lang="ru-RU" sz="2400" dirty="0" smtClean="0"/>
+              <a:t>Движение частиц в пространстве </a:t>
+            </a:r>
+            <a:r>
+              <a:rPr lang="ru-RU" sz="2400" dirty="0"/>
+              <a:t>описывается </a:t>
+            </a:r>
+            <a:r>
+              <a:rPr lang="ru-RU" sz="2400" dirty="0" err="1"/>
+              <a:t>дифференсальными</a:t>
+            </a:r>
+            <a:r>
+              <a:rPr lang="ru-RU" sz="2400" dirty="0"/>
               <a:t> </a:t>
             </a:r>
             <a:r>
-              <a:rPr lang="ru-RU" sz="2800" dirty="0"/>
-              <a:t>Радиус шариков</a:t>
-            </a:r>
-          </a:p>
-          <a:p>
-            <a:r>
-              <a:rPr lang="ru-RU" sz="2800" dirty="0" err="1"/>
-              <a:t>mass</a:t>
-            </a:r>
-            <a:r>
-              <a:rPr lang="ru-RU" sz="2800" dirty="0"/>
-              <a:t> = 0.5 </a:t>
-            </a:r>
-            <a:r>
-              <a:rPr lang="ru-RU" sz="2800" dirty="0" smtClean="0"/>
-              <a:t> </a:t>
-            </a:r>
-            <a:r>
-              <a:rPr lang="ru-RU" sz="2800" dirty="0"/>
-              <a:t>Масса шариков</a:t>
-            </a:r>
-          </a:p>
-          <a:p>
-            <a:r>
-              <a:rPr lang="ru-RU" sz="2800" dirty="0" err="1" smtClean="0"/>
-              <a:t>Lx</a:t>
-            </a:r>
-            <a:r>
-              <a:rPr lang="ru-RU" sz="2800" dirty="0" smtClean="0"/>
-              <a:t> </a:t>
-            </a:r>
-            <a:r>
-              <a:rPr lang="ru-RU" sz="2800" dirty="0"/>
-              <a:t>= </a:t>
-            </a:r>
-            <a:r>
-              <a:rPr lang="ru-RU" sz="2800" dirty="0" smtClean="0"/>
-              <a:t>10 </a:t>
-            </a:r>
-            <a:r>
-              <a:rPr lang="ru-RU" sz="2800" dirty="0"/>
-              <a:t>Границы стенок </a:t>
-            </a:r>
-            <a:r>
-              <a:rPr lang="ru-RU" sz="2800" dirty="0" smtClean="0"/>
-              <a:t>коробки</a:t>
-            </a:r>
-            <a:endParaRPr lang="ru-RU" sz="2800" dirty="0"/>
-          </a:p>
-          <a:p>
-            <a:r>
-              <a:rPr lang="ru-RU" sz="2800" dirty="0" err="1"/>
-              <a:t>Ly</a:t>
-            </a:r>
-            <a:r>
-              <a:rPr lang="ru-RU" sz="2800" dirty="0"/>
-              <a:t> = </a:t>
-            </a:r>
-            <a:r>
-              <a:rPr lang="ru-RU" sz="2800" dirty="0" smtClean="0"/>
-              <a:t>10 </a:t>
-            </a:r>
-            <a:r>
-              <a:rPr lang="ru-RU" sz="2800" dirty="0"/>
-              <a:t>Границы стенок </a:t>
-            </a:r>
-            <a:r>
-              <a:rPr lang="ru-RU" sz="2800" dirty="0" smtClean="0"/>
-              <a:t>коробки</a:t>
-            </a:r>
-            <a:r>
-              <a:rPr lang="ru-RU" sz="2800" dirty="0"/>
+              <a:rPr lang="ru-RU" sz="2400" dirty="0" smtClean="0"/>
+              <a:t>уравнениями:</a:t>
+            </a:r>
+          </a:p>
+          <a:p>
+            <a:r>
+              <a:rPr lang="da-DK" sz="3200" dirty="0"/>
+              <a:t>dxdt = v_x</a:t>
+            </a:r>
+          </a:p>
+          <a:p>
+            <a:r>
+              <a:rPr lang="da-DK" sz="3200" dirty="0"/>
+              <a:t>dv_xdt = 0</a:t>
+            </a:r>
+          </a:p>
+          <a:p>
+            <a:r>
+              <a:rPr lang="da-DK" sz="3200" dirty="0"/>
               <a:t/>
             </a:r>
             <a:br>
-              <a:rPr lang="ru-RU" sz="2800" dirty="0"/>
+              <a:rPr lang="da-DK" sz="3200" dirty="0"/>
             </a:br>
             <a:r>
-              <a:rPr lang="ru-RU" sz="2800" dirty="0"/>
-              <a:t>K = </a:t>
-            </a:r>
-            <a:r>
-              <a:rPr lang="ru-RU" sz="2800" dirty="0" smtClean="0"/>
-              <a:t>1 </a:t>
-            </a:r>
-            <a:r>
-              <a:rPr lang="ru-RU" sz="2800" dirty="0"/>
-              <a:t>Коэффициент столкновений между шариками</a:t>
-            </a:r>
-          </a:p>
-          <a:p>
-            <a:r>
-              <a:rPr lang="ru-RU" sz="2800" dirty="0"/>
-              <a:t>K1 = </a:t>
-            </a:r>
-            <a:r>
-              <a:rPr lang="ru-RU" sz="2800" dirty="0" smtClean="0"/>
-              <a:t>1 </a:t>
-            </a:r>
-            <a:r>
-              <a:rPr lang="ru-RU" sz="2800" dirty="0"/>
-              <a:t>Коэффициент столкновений со </a:t>
-            </a:r>
-            <a:r>
-              <a:rPr lang="ru-RU" sz="2800" dirty="0" smtClean="0"/>
-              <a:t>стенками</a:t>
-            </a:r>
-            <a:r>
-              <a:rPr lang="ru-RU" sz="2800" dirty="0"/>
-              <a:t/>
-            </a:r>
-            <a:br>
-              <a:rPr lang="ru-RU" sz="2800" dirty="0"/>
-            </a:br>
-            <a:r>
-              <a:rPr lang="ru-RU" sz="2800" dirty="0"/>
-              <a:t>T = </a:t>
-            </a:r>
-            <a:r>
-              <a:rPr lang="ru-RU" sz="2800" dirty="0" smtClean="0"/>
-              <a:t>200 </a:t>
-            </a:r>
-            <a:r>
-              <a:rPr lang="ru-RU" sz="2800" dirty="0"/>
-              <a:t>Общее время анимации</a:t>
-            </a:r>
-          </a:p>
-          <a:p>
-            <a:r>
-              <a:rPr lang="ru-RU" sz="2800" dirty="0"/>
-              <a:t>n = </a:t>
-            </a:r>
-            <a:r>
-              <a:rPr lang="ru-RU" sz="2800" dirty="0" smtClean="0"/>
-              <a:t>1000 кадры</a:t>
-            </a:r>
-            <a:endParaRPr lang="ru-RU" sz="2800" dirty="0"/>
-          </a:p>
-          <a:p>
-            <a:r>
-              <a:rPr lang="ru-RU" sz="2800" dirty="0" smtClean="0"/>
-              <a:t>N </a:t>
-            </a:r>
-            <a:r>
-              <a:rPr lang="ru-RU" sz="2800" dirty="0"/>
-              <a:t>= 8 </a:t>
-            </a:r>
-            <a:r>
-              <a:rPr lang="ru-RU" sz="2800" dirty="0" smtClean="0"/>
-              <a:t>Количество </a:t>
-            </a:r>
-            <a:r>
-              <a:rPr lang="ru-RU" sz="2800" dirty="0" err="1"/>
-              <a:t>чатсиц</a:t>
-            </a:r>
-            <a:endParaRPr lang="ru-RU" sz="2800" dirty="0"/>
-          </a:p>
-        </p:txBody>
-      </p:sp>
-      <p:sp>
-        <p:nvSpPr>
-          <p:cNvPr id="3" name="Прямоугольник 2"/>
-          <p:cNvSpPr/>
-          <p:nvPr/>
-        </p:nvSpPr>
-        <p:spPr>
-          <a:xfrm>
-            <a:off x="3147116" y="490204"/>
-            <a:ext cx="4641014" cy="646331"/>
-          </a:xfrm>
-          <a:prstGeom prst="rect">
-            <a:avLst/>
-          </a:prstGeom>
-        </p:spPr>
-        <p:txBody>
-          <a:bodyPr wrap="none">
-            <a:spAutoFit/>
-          </a:bodyPr>
-          <a:lstStyle/>
-          <a:p>
-            <a:r>
-              <a:rPr lang="ru-RU" sz="3600" dirty="0" smtClean="0"/>
-              <a:t>Начальные условия</a:t>
-            </a:r>
-            <a:endParaRPr lang="ru-RU" sz="3600" dirty="0"/>
+              <a:rPr lang="da-DK" sz="3200" dirty="0"/>
+              <a:t>dydt = v_y</a:t>
+            </a:r>
+          </a:p>
+          <a:p>
+            <a:r>
+              <a:rPr lang="da-DK" sz="3200" dirty="0"/>
+              <a:t>dv_ydt = 0</a:t>
+            </a:r>
           </a:p>
         </p:txBody>
       </p:sp>
     </p:spTree>
     <p:extLst>
       <p:ext uri="{BB962C8B-B14F-4D97-AF65-F5344CB8AC3E}">
-        <p14:creationId xmlns:p14="http://schemas.microsoft.com/office/powerpoint/2010/main" val="495604377"/>
+        <p14:creationId xmlns:p14="http://schemas.microsoft.com/office/powerpoint/2010/main" val="626156011"/>
       </p:ext>
     </p:extLst>
   </p:cSld>
@@ -8272,8 +8120,8 @@
         </p:nvSpPr>
         <p:spPr>
           <a:xfrm>
-            <a:off x="1334530" y="1396476"/>
-            <a:ext cx="8138984" cy="3293209"/>
+            <a:off x="1368798" y="1426340"/>
+            <a:ext cx="10920738" cy="4832092"/>
           </a:xfrm>
           <a:prstGeom prst="rect">
             <a:avLst/>
@@ -8286,63 +8134,224 @@
           <a:lstStyle/>
           <a:p>
             <a:r>
-              <a:rPr lang="ru-RU" sz="2400" dirty="0" smtClean="0"/>
-              <a:t>Движение частиц в пространстве </a:t>
-            </a:r>
-            <a:r>
-              <a:rPr lang="ru-RU" sz="2400" dirty="0"/>
-              <a:t>описывается </a:t>
-            </a:r>
-            <a:r>
-              <a:rPr lang="ru-RU" sz="2400" dirty="0" err="1"/>
-              <a:t>дифференсальными</a:t>
-            </a:r>
-            <a:r>
-              <a:rPr lang="ru-RU" sz="2400" dirty="0"/>
+              <a:rPr lang="ru-RU" sz="2800" dirty="0" smtClean="0"/>
+              <a:t>Для решения поставленной задачи необходимо определить следующие начальные условия: </a:t>
+            </a:r>
+          </a:p>
+          <a:p>
+            <a:r>
+              <a:rPr lang="ru-RU" sz="2800" dirty="0" err="1"/>
+              <a:t>radius</a:t>
+            </a:r>
+            <a:r>
+              <a:rPr lang="ru-RU" sz="2800" dirty="0"/>
+              <a:t> = 0.5 </a:t>
+            </a:r>
+            <a:r>
+              <a:rPr lang="ru-RU" sz="2800" dirty="0" smtClean="0"/>
               <a:t> </a:t>
             </a:r>
             <a:r>
-              <a:rPr lang="ru-RU" sz="2400" dirty="0" smtClean="0"/>
-              <a:t>уравнениями:</a:t>
-            </a:r>
-          </a:p>
-          <a:p>
-            <a:r>
-              <a:rPr lang="da-DK" sz="3200" dirty="0"/>
-              <a:t>dxdt = v_x</a:t>
-            </a:r>
-          </a:p>
-          <a:p>
-            <a:r>
-              <a:rPr lang="da-DK" sz="3200" dirty="0"/>
-              <a:t>dv_xdt = 0</a:t>
-            </a:r>
-          </a:p>
-          <a:p>
-            <a:r>
-              <a:rPr lang="da-DK" sz="3200" dirty="0"/>
+              <a:rPr lang="ru-RU" sz="2800" dirty="0"/>
+              <a:t>Радиус шариков</a:t>
+            </a:r>
+          </a:p>
+          <a:p>
+            <a:r>
+              <a:rPr lang="ru-RU" sz="2800" dirty="0" err="1"/>
+              <a:t>mass</a:t>
+            </a:r>
+            <a:r>
+              <a:rPr lang="ru-RU" sz="2800" dirty="0"/>
+              <a:t> = 0.5 </a:t>
+            </a:r>
+            <a:r>
+              <a:rPr lang="ru-RU" sz="2800" dirty="0" smtClean="0"/>
+              <a:t> </a:t>
+            </a:r>
+            <a:r>
+              <a:rPr lang="ru-RU" sz="2800" dirty="0"/>
+              <a:t>Масса шариков</a:t>
+            </a:r>
+          </a:p>
+          <a:p>
+            <a:r>
+              <a:rPr lang="ru-RU" sz="2800" dirty="0" err="1" smtClean="0"/>
+              <a:t>Lx</a:t>
+            </a:r>
+            <a:r>
+              <a:rPr lang="ru-RU" sz="2800" dirty="0" smtClean="0"/>
+              <a:t> </a:t>
+            </a:r>
+            <a:r>
+              <a:rPr lang="ru-RU" sz="2800" dirty="0"/>
+              <a:t>= </a:t>
+            </a:r>
+            <a:r>
+              <a:rPr lang="ru-RU" sz="2800" dirty="0" smtClean="0"/>
+              <a:t>10 </a:t>
+            </a:r>
+            <a:r>
+              <a:rPr lang="ru-RU" sz="2800" dirty="0"/>
+              <a:t>Границы стенок </a:t>
+            </a:r>
+            <a:r>
+              <a:rPr lang="ru-RU" sz="2800" dirty="0" smtClean="0"/>
+              <a:t>коробки</a:t>
+            </a:r>
+            <a:endParaRPr lang="ru-RU" sz="2800" dirty="0"/>
+          </a:p>
+          <a:p>
+            <a:r>
+              <a:rPr lang="ru-RU" sz="2800" dirty="0" err="1"/>
+              <a:t>Ly</a:t>
+            </a:r>
+            <a:r>
+              <a:rPr lang="ru-RU" sz="2800" dirty="0"/>
+              <a:t> = </a:t>
+            </a:r>
+            <a:r>
+              <a:rPr lang="ru-RU" sz="2800" dirty="0" smtClean="0"/>
+              <a:t>10 </a:t>
+            </a:r>
+            <a:r>
+              <a:rPr lang="ru-RU" sz="2800" dirty="0"/>
+              <a:t>Границы стенок </a:t>
+            </a:r>
+            <a:r>
+              <a:rPr lang="ru-RU" sz="2800" dirty="0" smtClean="0"/>
+              <a:t>коробки</a:t>
+            </a:r>
+            <a:r>
+              <a:rPr lang="ru-RU" sz="2800" dirty="0"/>
               <a:t/>
             </a:r>
             <a:br>
-              <a:rPr lang="da-DK" sz="3200" dirty="0"/>
+              <a:rPr lang="ru-RU" sz="2800" dirty="0"/>
             </a:br>
             <a:r>
-              <a:rPr lang="da-DK" sz="3200" dirty="0"/>
-              <a:t>dydt = v_y</a:t>
-            </a:r>
-          </a:p>
-          <a:p>
-            <a:r>
-              <a:rPr lang="da-DK" sz="3200" dirty="0"/>
-              <a:t>dv_ydt = 0</a:t>
-            </a:r>
+              <a:rPr lang="ru-RU" sz="2800" dirty="0"/>
+              <a:t>K = </a:t>
+            </a:r>
+            <a:r>
+              <a:rPr lang="ru-RU" sz="2800" dirty="0" smtClean="0"/>
+              <a:t>1 </a:t>
+            </a:r>
+            <a:r>
+              <a:rPr lang="ru-RU" sz="2800" dirty="0"/>
+              <a:t>Коэффициент столкновений между шариками</a:t>
+            </a:r>
+          </a:p>
+          <a:p>
+            <a:r>
+              <a:rPr lang="ru-RU" sz="2800" dirty="0"/>
+              <a:t>K1 = </a:t>
+            </a:r>
+            <a:r>
+              <a:rPr lang="ru-RU" sz="2800" dirty="0" smtClean="0"/>
+              <a:t>1 </a:t>
+            </a:r>
+            <a:r>
+              <a:rPr lang="ru-RU" sz="2800" dirty="0"/>
+              <a:t>Коэффициент столкновений со </a:t>
+            </a:r>
+            <a:r>
+              <a:rPr lang="ru-RU" sz="2800" dirty="0" smtClean="0"/>
+              <a:t>стенками</a:t>
+            </a:r>
+            <a:r>
+              <a:rPr lang="ru-RU" sz="2800" dirty="0"/>
+              <a:t/>
+            </a:r>
+            <a:br>
+              <a:rPr lang="ru-RU" sz="2800" dirty="0"/>
+            </a:br>
+            <a:r>
+              <a:rPr lang="ru-RU" sz="2800" dirty="0"/>
+              <a:t>T = </a:t>
+            </a:r>
+            <a:r>
+              <a:rPr lang="ru-RU" sz="2800" dirty="0" smtClean="0"/>
+              <a:t>200 </a:t>
+            </a:r>
+            <a:r>
+              <a:rPr lang="ru-RU" sz="2800" dirty="0"/>
+              <a:t>Общее время анимации</a:t>
+            </a:r>
+          </a:p>
+          <a:p>
+            <a:r>
+              <a:rPr lang="ru-RU" sz="2800" dirty="0"/>
+              <a:t>n = </a:t>
+            </a:r>
+            <a:r>
+              <a:rPr lang="ru-RU" sz="2800" dirty="0"/>
+              <a:t>2</a:t>
+            </a:r>
+            <a:r>
+              <a:rPr lang="ru-RU" sz="2800" dirty="0" smtClean="0"/>
+              <a:t>000 </a:t>
+            </a:r>
+            <a:r>
+              <a:rPr lang="ru-RU" sz="2800" dirty="0" smtClean="0"/>
+              <a:t>кадры</a:t>
+            </a:r>
+            <a:endParaRPr lang="ru-RU" sz="2800" dirty="0"/>
+          </a:p>
+          <a:p>
+            <a:r>
+              <a:rPr lang="ru-RU" sz="2800" dirty="0" smtClean="0"/>
+              <a:t>N </a:t>
+            </a:r>
+            <a:r>
+              <a:rPr lang="ru-RU" sz="2800" dirty="0"/>
+              <a:t>= 8 </a:t>
+            </a:r>
+            <a:r>
+              <a:rPr lang="ru-RU" sz="2800" dirty="0" smtClean="0"/>
+              <a:t>Количество </a:t>
+            </a:r>
+            <a:r>
+              <a:rPr lang="ru-RU" sz="2800" dirty="0" smtClean="0"/>
+              <a:t>частиц</a:t>
+            </a:r>
+            <a:endParaRPr lang="ru-RU" sz="2800" dirty="0"/>
+          </a:p>
+        </p:txBody>
+      </p:sp>
+      <p:sp>
+        <p:nvSpPr>
+          <p:cNvPr id="3" name="Прямоугольник 2"/>
+          <p:cNvSpPr/>
+          <p:nvPr/>
+        </p:nvSpPr>
+        <p:spPr>
+          <a:xfrm>
+            <a:off x="3147116" y="490204"/>
+            <a:ext cx="4641014" cy="646331"/>
+          </a:xfrm>
+          <a:prstGeom prst="rect">
+            <a:avLst/>
+          </a:prstGeom>
+        </p:spPr>
+        <p:txBody>
+          <a:bodyPr wrap="none">
+            <a:spAutoFit/>
+          </a:bodyPr>
+          <a:lstStyle/>
+          <a:p>
+            <a:r>
+              <a:rPr lang="ru-RU" sz="3600" dirty="0" smtClean="0"/>
+              <a:t>Начальные условия</a:t>
+            </a:r>
+            <a:endParaRPr lang="ru-RU" sz="3600" dirty="0"/>
           </a:p>
         </p:txBody>
       </p:sp>
     </p:spTree>
     <p:extLst>
       <p:ext uri="{BB962C8B-B14F-4D97-AF65-F5344CB8AC3E}">
-        <p14:creationId xmlns:p14="http://schemas.microsoft.com/office/powerpoint/2010/main" val="626156011"/>
+        <p14:creationId xmlns:p14="http://schemas.microsoft.com/office/powerpoint/2010/main" val="495604377"/>
       </p:ext>
     </p:extLst>
   </p:cSld>
@@ -8384,6 +8393,1926 @@
         </p:nvSpPr>
         <p:spPr>
           <a:xfrm>
+            <a:off x="3048000" y="2413338"/>
+            <a:ext cx="6096000" cy="2031325"/>
+          </a:xfrm>
+          <a:prstGeom prst="rect">
+            <a:avLst/>
+          </a:prstGeom>
+        </p:spPr>
+        <p:txBody>
+          <a:bodyPr>
+            <a:spAutoFit/>
+          </a:bodyPr>
+          <a:lstStyle/>
+          <a:p>
+            <a:r>
+              <a:rPr lang="ru-RU" dirty="0"/>
+              <a:t>			</a:t>
+            </a:r>
+          </a:p>
+          <a:p>
+            <a:r>
+              <a:rPr lang="ru-RU" dirty="0"/>
+              <a:t>			</a:t>
+            </a:r>
+          </a:p>
+          <a:p>
+            <a:r>
+              <a:rPr lang="ru-RU" dirty="0"/>
+              <a:t>			</a:t>
+            </a:r>
+          </a:p>
+          <a:p>
+            <a:r>
+              <a:rPr lang="ru-RU" dirty="0"/>
+              <a:t>			</a:t>
+            </a:r>
+          </a:p>
+          <a:p>
+            <a:r>
+              <a:rPr lang="ru-RU" dirty="0"/>
+              <a:t>			</a:t>
+            </a:r>
+          </a:p>
+          <a:p>
+            <a:r>
+              <a:rPr lang="ru-RU" dirty="0"/>
+              <a:t>			</a:t>
+            </a:r>
+          </a:p>
+          <a:p>
+            <a:r>
+              <a:rPr lang="ru-RU" dirty="0"/>
+              <a:t>			</a:t>
+            </a:r>
+          </a:p>
+        </p:txBody>
+      </p:sp>
+      <p:graphicFrame>
+        <p:nvGraphicFramePr>
+          <p:cNvPr id="5" name="Таблица 4"/>
+          <p:cNvGraphicFramePr>
+            <a:graphicFrameLocks noGrp="1"/>
+          </p:cNvGraphicFramePr>
+          <p:nvPr>
+            <p:extLst>
+              <p:ext uri="{D42A27DB-BD31-4B8C-83A1-F6EECF244321}">
+                <p14:modId xmlns:p14="http://schemas.microsoft.com/office/powerpoint/2010/main" val="3119667934"/>
+              </p:ext>
+            </p:extLst>
+          </p:nvPr>
+        </p:nvGraphicFramePr>
+        <p:xfrm>
+          <a:off x="2685946" y="461665"/>
+          <a:ext cx="7205471" cy="5795391"/>
+        </p:xfrm>
+        <a:graphic>
+          <a:graphicData uri="http://schemas.openxmlformats.org/drawingml/2006/table">
+            <a:tbl>
+              <a:tblPr>
+                <a:tableStyleId>{5C22544A-7EE6-4342-B048-85BDC9FD1C3A}</a:tableStyleId>
+              </a:tblPr>
+              <a:tblGrid>
+                <a:gridCol w="1085088"/>
+                <a:gridCol w="1694688"/>
+                <a:gridCol w="1460601"/>
+                <a:gridCol w="1482547"/>
+                <a:gridCol w="1482547"/>
+              </a:tblGrid>
+              <a:tr h="594741">
+                <a:tc>
+                  <a:txBody>
+                    <a:bodyPr/>
+                    <a:lstStyle/>
+                    <a:p>
+                      <a:pPr algn="l" fontAlgn="b"/>
+                      <a:r>
+                        <a:rPr lang="ru-RU" sz="1100" u="none" strike="noStrike" dirty="0">
+                          <a:effectLst/>
+                        </a:rPr>
+                        <a:t> </a:t>
+                      </a:r>
+                      <a:endParaRPr lang="ru-RU" sz="1100" b="0" i="0" u="none" strike="noStrike" dirty="0">
+                        <a:solidFill>
+                          <a:srgbClr val="000000"/>
+                        </a:solidFill>
+                        <a:effectLst/>
+                        <a:latin typeface="Calibri"/>
+                      </a:endParaRPr>
+                    </a:p>
+                  </a:txBody>
+                  <a:tcPr marL="9525" marR="9525" marT="9525" marB="0" anchor="b">
+                    <a:solidFill>
+                      <a:schemeClr val="accent2">
+                        <a:lumMod val="40000"/>
+                        <a:lumOff val="60000"/>
+                      </a:schemeClr>
+                    </a:solidFill>
+                  </a:tcPr>
+                </a:tc>
+                <a:tc>
+                  <a:txBody>
+                    <a:bodyPr/>
+                    <a:lstStyle/>
+                    <a:p>
+                      <a:pPr algn="l" fontAlgn="b"/>
+                      <a:r>
+                        <a:rPr lang="ru-RU" sz="1100" u="none" strike="noStrike" dirty="0">
+                          <a:effectLst/>
+                        </a:rPr>
+                        <a:t> </a:t>
+                      </a:r>
+                      <a:r>
+                        <a:rPr lang="en-US" sz="4800" u="none" strike="noStrike" dirty="0" smtClean="0">
+                          <a:effectLst/>
+                        </a:rPr>
+                        <a:t>x</a:t>
+                      </a:r>
+                      <a:endParaRPr lang="ru-RU" sz="1100" b="0" i="0" u="none" strike="noStrike" dirty="0">
+                        <a:solidFill>
+                          <a:srgbClr val="000000"/>
+                        </a:solidFill>
+                        <a:effectLst/>
+                        <a:latin typeface="Calibri"/>
+                      </a:endParaRPr>
+                    </a:p>
+                  </a:txBody>
+                  <a:tcPr marL="9525" marR="9525" marT="9525" marB="0" anchor="b">
+                    <a:solidFill>
+                      <a:schemeClr val="accent2">
+                        <a:lumMod val="40000"/>
+                        <a:lumOff val="60000"/>
+                      </a:schemeClr>
+                    </a:solidFill>
+                  </a:tcPr>
+                </a:tc>
+                <a:tc>
+                  <a:txBody>
+                    <a:bodyPr/>
+                    <a:lstStyle/>
+                    <a:p>
+                      <a:pPr algn="l" fontAlgn="b"/>
+                      <a:r>
+                        <a:rPr lang="ru-RU" sz="1100" u="none" strike="noStrike" dirty="0">
+                          <a:effectLst/>
+                        </a:rPr>
+                        <a:t> </a:t>
+                      </a:r>
+                      <a:r>
+                        <a:rPr lang="en-US" sz="4800" u="none" strike="noStrike" dirty="0" smtClean="0">
+                          <a:effectLst/>
+                        </a:rPr>
+                        <a:t>y</a:t>
+                      </a:r>
+                      <a:endParaRPr lang="ru-RU" sz="1100" b="0" i="0" u="none" strike="noStrike" dirty="0">
+                        <a:solidFill>
+                          <a:srgbClr val="000000"/>
+                        </a:solidFill>
+                        <a:effectLst/>
+                        <a:latin typeface="Calibri"/>
+                      </a:endParaRPr>
+                    </a:p>
+                  </a:txBody>
+                  <a:tcPr marL="9525" marR="9525" marT="9525" marB="0" anchor="b">
+                    <a:solidFill>
+                      <a:schemeClr val="accent2">
+                        <a:lumMod val="40000"/>
+                        <a:lumOff val="60000"/>
+                      </a:schemeClr>
+                    </a:solidFill>
+                  </a:tcPr>
+                </a:tc>
+                <a:tc>
+                  <a:txBody>
+                    <a:bodyPr/>
+                    <a:lstStyle/>
+                    <a:p>
+                      <a:pPr algn="l" fontAlgn="b"/>
+                      <a:r>
+                        <a:rPr lang="ru-RU" sz="1100" u="none" strike="noStrike" dirty="0">
+                          <a:effectLst/>
+                        </a:rPr>
+                        <a:t> </a:t>
+                      </a:r>
+                      <a:r>
+                        <a:rPr lang="en-US" sz="4800" u="none" strike="noStrike" dirty="0" err="1" smtClean="0">
+                          <a:effectLst/>
+                        </a:rPr>
+                        <a:t>vx</a:t>
+                      </a:r>
+                      <a:endParaRPr lang="ru-RU" sz="1100" b="0" i="0" u="none" strike="noStrike" dirty="0">
+                        <a:solidFill>
+                          <a:srgbClr val="000000"/>
+                        </a:solidFill>
+                        <a:effectLst/>
+                        <a:latin typeface="Calibri"/>
+                      </a:endParaRPr>
+                    </a:p>
+                  </a:txBody>
+                  <a:tcPr marL="9525" marR="9525" marT="9525" marB="0" anchor="b">
+                    <a:solidFill>
+                      <a:schemeClr val="accent2">
+                        <a:lumMod val="40000"/>
+                        <a:lumOff val="60000"/>
+                      </a:schemeClr>
+                    </a:solidFill>
+                  </a:tcPr>
+                </a:tc>
+                <a:tc>
+                  <a:txBody>
+                    <a:bodyPr/>
+                    <a:lstStyle/>
+                    <a:p>
+                      <a:pPr algn="l" fontAlgn="b"/>
+                      <a:r>
+                        <a:rPr lang="ru-RU" sz="1100" u="none" strike="noStrike" dirty="0">
+                          <a:effectLst/>
+                        </a:rPr>
+                        <a:t> </a:t>
+                      </a:r>
+                      <a:r>
+                        <a:rPr lang="en-US" sz="4800" u="none" strike="noStrike" dirty="0" err="1" smtClean="0">
+                          <a:effectLst/>
+                        </a:rPr>
+                        <a:t>vy</a:t>
+                      </a:r>
+                      <a:endParaRPr lang="ru-RU" sz="1100" b="0" i="0" u="none" strike="noStrike" dirty="0">
+                        <a:solidFill>
+                          <a:srgbClr val="000000"/>
+                        </a:solidFill>
+                        <a:effectLst/>
+                        <a:latin typeface="Calibri"/>
+                      </a:endParaRPr>
+                    </a:p>
+                  </a:txBody>
+                  <a:tcPr marL="9525" marR="9525" marT="9525" marB="0" anchor="b">
+                    <a:solidFill>
+                      <a:schemeClr val="accent2">
+                        <a:lumMod val="40000"/>
+                        <a:lumOff val="60000"/>
+                      </a:schemeClr>
+                    </a:solidFill>
+                  </a:tcPr>
+                </a:tc>
+              </a:tr>
+              <a:tr h="608076">
+                <a:tc>
+                  <a:txBody>
+                    <a:bodyPr/>
+                    <a:lstStyle/>
+                    <a:p>
+                      <a:pPr algn="ctr" fontAlgn="b"/>
+                      <a:r>
+                        <a:rPr lang="en-US" sz="2400" u="none" strike="noStrike" dirty="0" smtClean="0">
+                          <a:effectLst/>
+                        </a:rPr>
+                        <a:t>1</a:t>
+                      </a:r>
+                      <a:r>
+                        <a:rPr lang="en-US" sz="2400" u="none" strike="noStrike" baseline="0" dirty="0" smtClean="0">
+                          <a:effectLst/>
+                        </a:rPr>
+                        <a:t> </a:t>
+                      </a:r>
+                      <a:r>
+                        <a:rPr lang="ru-RU" sz="2400" u="none" strike="noStrike" baseline="0" dirty="0" smtClean="0">
+                          <a:effectLst/>
+                        </a:rPr>
+                        <a:t>тело</a:t>
+                      </a:r>
+                      <a:endParaRPr lang="ru-RU" sz="2400" b="0" i="0" u="none" strike="noStrike" dirty="0">
+                        <a:solidFill>
+                          <a:srgbClr val="000000"/>
+                        </a:solidFill>
+                        <a:effectLst/>
+                        <a:latin typeface="Calibri"/>
+                      </a:endParaRPr>
+                    </a:p>
+                  </a:txBody>
+                  <a:tcPr marL="9525" marR="9525" marT="9525" marB="0" anchor="b">
+                    <a:solidFill>
+                      <a:schemeClr val="accent2">
+                        <a:lumMod val="40000"/>
+                        <a:lumOff val="60000"/>
+                      </a:schemeClr>
+                    </a:solidFill>
+                  </a:tcPr>
+                </a:tc>
+                <a:tc>
+                  <a:txBody>
+                    <a:bodyPr/>
+                    <a:lstStyle/>
+                    <a:p>
+                      <a:pPr algn="ctr" fontAlgn="b"/>
+                      <a:r>
+                        <a:rPr lang="ru-RU" sz="2800" u="none" strike="noStrike" dirty="0">
+                          <a:effectLst/>
+                        </a:rPr>
+                        <a:t> </a:t>
+                      </a:r>
+                      <a:r>
+                        <a:rPr lang="ru-RU" sz="2800" u="none" strike="noStrike" dirty="0" smtClean="0">
+                          <a:effectLst/>
+                        </a:rPr>
+                        <a:t>-1</a:t>
+                      </a:r>
+                      <a:endParaRPr lang="ru-RU" sz="2800" b="0" i="0" u="none" strike="noStrike" dirty="0">
+                        <a:solidFill>
+                          <a:srgbClr val="000000"/>
+                        </a:solidFill>
+                        <a:effectLst/>
+                        <a:latin typeface="Calibri"/>
+                      </a:endParaRPr>
+                    </a:p>
+                  </a:txBody>
+                  <a:tcPr marL="9525" marR="9525" marT="9525" marB="0" anchor="b">
+                    <a:solidFill>
+                      <a:schemeClr val="accent2">
+                        <a:lumMod val="40000"/>
+                        <a:lumOff val="60000"/>
+                      </a:schemeClr>
+                    </a:solidFill>
+                  </a:tcPr>
+                </a:tc>
+                <a:tc>
+                  <a:txBody>
+                    <a:bodyPr/>
+                    <a:lstStyle/>
+                    <a:p>
+                      <a:pPr algn="ctr" fontAlgn="b"/>
+                      <a:r>
+                        <a:rPr lang="ru-RU" sz="2800" u="none" strike="noStrike" dirty="0">
+                          <a:effectLst/>
+                        </a:rPr>
+                        <a:t> </a:t>
+                      </a:r>
+                      <a:r>
+                        <a:rPr lang="ru-RU" sz="2800" u="none" strike="noStrike" dirty="0" smtClean="0">
+                          <a:effectLst/>
+                        </a:rPr>
+                        <a:t>2.5</a:t>
+                      </a:r>
+                      <a:endParaRPr lang="ru-RU" sz="2800" b="0" i="0" u="none" strike="noStrike" dirty="0">
+                        <a:solidFill>
+                          <a:srgbClr val="000000"/>
+                        </a:solidFill>
+                        <a:effectLst/>
+                        <a:latin typeface="Calibri"/>
+                      </a:endParaRPr>
+                    </a:p>
+                  </a:txBody>
+                  <a:tcPr marL="9525" marR="9525" marT="9525" marB="0" anchor="b">
+                    <a:solidFill>
+                      <a:schemeClr val="accent2">
+                        <a:lumMod val="40000"/>
+                        <a:lumOff val="60000"/>
+                      </a:schemeClr>
+                    </a:solidFill>
+                  </a:tcPr>
+                </a:tc>
+                <a:tc>
+                  <a:txBody>
+                    <a:bodyPr/>
+                    <a:lstStyle/>
+                    <a:p>
+                      <a:pPr algn="ctr" fontAlgn="b"/>
+                      <a:r>
+                        <a:rPr lang="ru-RU" sz="2800" u="none" strike="noStrike" dirty="0">
+                          <a:effectLst/>
+                        </a:rPr>
+                        <a:t> </a:t>
+                      </a:r>
+                      <a:r>
+                        <a:rPr lang="ru-RU" sz="2800" u="none" strike="noStrike" dirty="0" smtClean="0">
+                          <a:effectLst/>
+                        </a:rPr>
+                        <a:t>1.5</a:t>
+                      </a:r>
+                      <a:endParaRPr lang="ru-RU" sz="2800" b="0" i="0" u="none" strike="noStrike" dirty="0">
+                        <a:solidFill>
+                          <a:srgbClr val="000000"/>
+                        </a:solidFill>
+                        <a:effectLst/>
+                        <a:latin typeface="Calibri"/>
+                      </a:endParaRPr>
+                    </a:p>
+                  </a:txBody>
+                  <a:tcPr marL="9525" marR="9525" marT="9525" marB="0" anchor="b">
+                    <a:solidFill>
+                      <a:schemeClr val="accent2">
+                        <a:lumMod val="40000"/>
+                        <a:lumOff val="60000"/>
+                      </a:schemeClr>
+                    </a:solidFill>
+                  </a:tcPr>
+                </a:tc>
+                <a:tc>
+                  <a:txBody>
+                    <a:bodyPr/>
+                    <a:lstStyle/>
+                    <a:p>
+                      <a:pPr algn="ctr" fontAlgn="b"/>
+                      <a:r>
+                        <a:rPr lang="ru-RU" sz="2800" u="none" strike="noStrike" dirty="0">
+                          <a:effectLst/>
+                        </a:rPr>
+                        <a:t> </a:t>
+                      </a:r>
+                      <a:r>
+                        <a:rPr lang="ru-RU" sz="2800" u="none" strike="noStrike" dirty="0" smtClean="0">
+                          <a:effectLst/>
+                        </a:rPr>
+                        <a:t>0.5</a:t>
+                      </a:r>
+                      <a:endParaRPr lang="ru-RU" sz="2800" b="0" i="0" u="none" strike="noStrike" dirty="0">
+                        <a:solidFill>
+                          <a:srgbClr val="000000"/>
+                        </a:solidFill>
+                        <a:effectLst/>
+                        <a:latin typeface="Calibri"/>
+                      </a:endParaRPr>
+                    </a:p>
+                  </a:txBody>
+                  <a:tcPr marL="9525" marR="9525" marT="9525" marB="0" anchor="b">
+                    <a:solidFill>
+                      <a:schemeClr val="accent2">
+                        <a:lumMod val="40000"/>
+                        <a:lumOff val="60000"/>
+                      </a:schemeClr>
+                    </a:solidFill>
+                  </a:tcPr>
+                </a:tc>
+              </a:tr>
+              <a:tr h="608076">
+                <a:tc>
+                  <a:txBody>
+                    <a:bodyPr/>
+                    <a:lstStyle/>
+                    <a:p>
+                      <a:pPr marL="0" marR="0" indent="0" algn="ctr" defTabSz="457200" rtl="0" eaLnBrk="1" fontAlgn="b" latinLnBrk="0" hangingPunct="1">
+                        <a:lnSpc>
+                          <a:spcPct val="100000"/>
+                        </a:lnSpc>
+                        <a:spcBef>
+                          <a:spcPts val="0"/>
+                        </a:spcBef>
+                        <a:spcAft>
+                          <a:spcPts val="0"/>
+                        </a:spcAft>
+                        <a:buClrTx/>
+                        <a:buSzTx/>
+                        <a:buFontTx/>
+                        <a:buNone/>
+                        <a:tabLst/>
+                        <a:defRPr/>
+                      </a:pPr>
+                      <a:r>
+                        <a:rPr lang="ru-RU" sz="2400" u="none" strike="noStrike" dirty="0">
+                          <a:effectLst/>
+                        </a:rPr>
+                        <a:t> </a:t>
+                      </a:r>
+                      <a:r>
+                        <a:rPr lang="ru-RU" sz="2400" u="none" strike="noStrike" dirty="0" smtClean="0">
+                          <a:effectLst/>
+                        </a:rPr>
+                        <a:t>2</a:t>
+                      </a:r>
+                      <a:r>
+                        <a:rPr lang="en-US" sz="2400" u="none" strike="noStrike" baseline="0" dirty="0" smtClean="0">
+                          <a:effectLst/>
+                        </a:rPr>
+                        <a:t> </a:t>
+                      </a:r>
+                      <a:r>
+                        <a:rPr lang="ru-RU" sz="2400" u="none" strike="noStrike" baseline="0" dirty="0" smtClean="0">
+                          <a:effectLst/>
+                        </a:rPr>
+                        <a:t>тело</a:t>
+                      </a:r>
+                      <a:endParaRPr lang="ru-RU" sz="2400" b="0" i="0" u="none" strike="noStrike" dirty="0" smtClean="0">
+                        <a:solidFill>
+                          <a:srgbClr val="000000"/>
+                        </a:solidFill>
+                        <a:effectLst/>
+                        <a:latin typeface="Calibri"/>
+                      </a:endParaRPr>
+                    </a:p>
+                    <a:p>
+                      <a:pPr algn="ctr" fontAlgn="b"/>
+                      <a:endParaRPr lang="ru-RU" sz="2400" b="0" i="0" u="none" strike="noStrike" dirty="0">
+                        <a:solidFill>
+                          <a:srgbClr val="000000"/>
+                        </a:solidFill>
+                        <a:effectLst/>
+                        <a:latin typeface="Calibri"/>
+                      </a:endParaRPr>
+                    </a:p>
+                  </a:txBody>
+                  <a:tcPr marL="9525" marR="9525" marT="9525" marB="0" anchor="b">
+                    <a:solidFill>
+                      <a:schemeClr val="accent2">
+                        <a:lumMod val="40000"/>
+                        <a:lumOff val="60000"/>
+                      </a:schemeClr>
+                    </a:solidFill>
+                  </a:tcPr>
+                </a:tc>
+                <a:tc>
+                  <a:txBody>
+                    <a:bodyPr/>
+                    <a:lstStyle/>
+                    <a:p>
+                      <a:pPr algn="ctr" fontAlgn="b"/>
+                      <a:r>
+                        <a:rPr lang="ru-RU" sz="2800" u="none" strike="noStrike" dirty="0">
+                          <a:effectLst/>
+                        </a:rPr>
+                        <a:t> </a:t>
+                      </a:r>
+                      <a:r>
+                        <a:rPr lang="ru-RU" sz="2800" u="none" strike="noStrike" dirty="0" smtClean="0">
+                          <a:effectLst/>
+                        </a:rPr>
+                        <a:t>-2</a:t>
+                      </a:r>
+                      <a:endParaRPr lang="ru-RU" sz="2800" b="0" i="0" u="none" strike="noStrike" dirty="0">
+                        <a:solidFill>
+                          <a:srgbClr val="000000"/>
+                        </a:solidFill>
+                        <a:effectLst/>
+                        <a:latin typeface="Calibri"/>
+                      </a:endParaRPr>
+                    </a:p>
+                  </a:txBody>
+                  <a:tcPr marL="9525" marR="9525" marT="9525" marB="0" anchor="b">
+                    <a:solidFill>
+                      <a:schemeClr val="accent2">
+                        <a:lumMod val="40000"/>
+                        <a:lumOff val="60000"/>
+                      </a:schemeClr>
+                    </a:solidFill>
+                  </a:tcPr>
+                </a:tc>
+                <a:tc>
+                  <a:txBody>
+                    <a:bodyPr/>
+                    <a:lstStyle/>
+                    <a:p>
+                      <a:pPr algn="ctr" fontAlgn="b"/>
+                      <a:r>
+                        <a:rPr lang="ru-RU" sz="2800" u="none" strike="noStrike" dirty="0">
+                          <a:effectLst/>
+                        </a:rPr>
+                        <a:t> </a:t>
+                      </a:r>
+                      <a:r>
+                        <a:rPr lang="ru-RU" sz="2800" u="none" strike="noStrike" dirty="0" smtClean="0">
+                          <a:effectLst/>
+                        </a:rPr>
+                        <a:t>6</a:t>
+                      </a:r>
+                      <a:endParaRPr lang="ru-RU" sz="2800" b="0" i="0" u="none" strike="noStrike" dirty="0">
+                        <a:solidFill>
+                          <a:srgbClr val="000000"/>
+                        </a:solidFill>
+                        <a:effectLst/>
+                        <a:latin typeface="Calibri"/>
+                      </a:endParaRPr>
+                    </a:p>
+                  </a:txBody>
+                  <a:tcPr marL="9525" marR="9525" marT="9525" marB="0" anchor="b">
+                    <a:solidFill>
+                      <a:schemeClr val="accent2">
+                        <a:lumMod val="40000"/>
+                        <a:lumOff val="60000"/>
+                      </a:schemeClr>
+                    </a:solidFill>
+                  </a:tcPr>
+                </a:tc>
+                <a:tc>
+                  <a:txBody>
+                    <a:bodyPr/>
+                    <a:lstStyle/>
+                    <a:p>
+                      <a:pPr algn="ctr" fontAlgn="b"/>
+                      <a:r>
+                        <a:rPr lang="ru-RU" sz="2800" u="none" strike="noStrike" dirty="0">
+                          <a:effectLst/>
+                        </a:rPr>
+                        <a:t> </a:t>
+                      </a:r>
+                      <a:r>
+                        <a:rPr lang="ru-RU" sz="2800" u="none" strike="noStrike" dirty="0" smtClean="0">
+                          <a:effectLst/>
+                        </a:rPr>
+                        <a:t>-1</a:t>
+                      </a:r>
+                      <a:endParaRPr lang="ru-RU" sz="2800" b="0" i="0" u="none" strike="noStrike" dirty="0">
+                        <a:solidFill>
+                          <a:srgbClr val="000000"/>
+                        </a:solidFill>
+                        <a:effectLst/>
+                        <a:latin typeface="Calibri"/>
+                      </a:endParaRPr>
+                    </a:p>
+                  </a:txBody>
+                  <a:tcPr marL="9525" marR="9525" marT="9525" marB="0" anchor="b">
+                    <a:solidFill>
+                      <a:schemeClr val="accent2">
+                        <a:lumMod val="40000"/>
+                        <a:lumOff val="60000"/>
+                      </a:schemeClr>
+                    </a:solidFill>
+                  </a:tcPr>
+                </a:tc>
+                <a:tc>
+                  <a:txBody>
+                    <a:bodyPr/>
+                    <a:lstStyle/>
+                    <a:p>
+                      <a:pPr algn="ctr" fontAlgn="b"/>
+                      <a:r>
+                        <a:rPr lang="ru-RU" sz="2800" u="none" strike="noStrike" dirty="0">
+                          <a:effectLst/>
+                        </a:rPr>
+                        <a:t> </a:t>
+                      </a:r>
+                      <a:r>
+                        <a:rPr lang="ru-RU" sz="2800" u="none" strike="noStrike" dirty="0" smtClean="0">
+                          <a:effectLst/>
+                        </a:rPr>
+                        <a:t>-1</a:t>
+                      </a:r>
+                      <a:endParaRPr lang="ru-RU" sz="2800" b="0" i="0" u="none" strike="noStrike" dirty="0">
+                        <a:solidFill>
+                          <a:srgbClr val="000000"/>
+                        </a:solidFill>
+                        <a:effectLst/>
+                        <a:latin typeface="Calibri"/>
+                      </a:endParaRPr>
+                    </a:p>
+                  </a:txBody>
+                  <a:tcPr marL="9525" marR="9525" marT="9525" marB="0" anchor="b">
+                    <a:solidFill>
+                      <a:schemeClr val="accent2">
+                        <a:lumMod val="40000"/>
+                        <a:lumOff val="60000"/>
+                      </a:schemeClr>
+                    </a:solidFill>
+                  </a:tcPr>
+                </a:tc>
+              </a:tr>
+              <a:tr h="608076">
+                <a:tc>
+                  <a:txBody>
+                    <a:bodyPr/>
+                    <a:lstStyle/>
+                    <a:p>
+                      <a:pPr marL="0" marR="0" indent="0" algn="ctr" defTabSz="457200" rtl="0" eaLnBrk="1" fontAlgn="b" latinLnBrk="0" hangingPunct="1">
+                        <a:lnSpc>
+                          <a:spcPct val="100000"/>
+                        </a:lnSpc>
+                        <a:spcBef>
+                          <a:spcPts val="0"/>
+                        </a:spcBef>
+                        <a:spcAft>
+                          <a:spcPts val="0"/>
+                        </a:spcAft>
+                        <a:buClrTx/>
+                        <a:buSzTx/>
+                        <a:buFontTx/>
+                        <a:buNone/>
+                        <a:tabLst/>
+                        <a:defRPr/>
+                      </a:pPr>
+                      <a:r>
+                        <a:rPr lang="ru-RU" sz="2400" u="none" strike="noStrike" dirty="0">
+                          <a:effectLst/>
+                        </a:rPr>
+                        <a:t> </a:t>
+                      </a:r>
+                      <a:r>
+                        <a:rPr lang="ru-RU" sz="2400" u="none" strike="noStrike" dirty="0" smtClean="0">
+                          <a:effectLst/>
+                        </a:rPr>
+                        <a:t>3</a:t>
+                      </a:r>
+                      <a:r>
+                        <a:rPr lang="en-US" sz="2400" u="none" strike="noStrike" baseline="0" dirty="0" smtClean="0">
+                          <a:effectLst/>
+                        </a:rPr>
+                        <a:t> </a:t>
+                      </a:r>
+                      <a:r>
+                        <a:rPr lang="ru-RU" sz="2400" u="none" strike="noStrike" baseline="0" dirty="0" smtClean="0">
+                          <a:effectLst/>
+                        </a:rPr>
+                        <a:t>тело</a:t>
+                      </a:r>
+                      <a:endParaRPr lang="ru-RU" sz="2400" b="0" i="0" u="none" strike="noStrike" dirty="0" smtClean="0">
+                        <a:solidFill>
+                          <a:srgbClr val="000000"/>
+                        </a:solidFill>
+                        <a:effectLst/>
+                        <a:latin typeface="Calibri"/>
+                      </a:endParaRPr>
+                    </a:p>
+                    <a:p>
+                      <a:pPr algn="ctr" fontAlgn="b"/>
+                      <a:endParaRPr lang="ru-RU" sz="2400" b="0" i="0" u="none" strike="noStrike" dirty="0">
+                        <a:solidFill>
+                          <a:srgbClr val="000000"/>
+                        </a:solidFill>
+                        <a:effectLst/>
+                        <a:latin typeface="Calibri"/>
+                      </a:endParaRPr>
+                    </a:p>
+                  </a:txBody>
+                  <a:tcPr marL="9525" marR="9525" marT="9525" marB="0" anchor="b">
+                    <a:solidFill>
+                      <a:schemeClr val="accent2">
+                        <a:lumMod val="40000"/>
+                        <a:lumOff val="60000"/>
+                      </a:schemeClr>
+                    </a:solidFill>
+                  </a:tcPr>
+                </a:tc>
+                <a:tc>
+                  <a:txBody>
+                    <a:bodyPr/>
+                    <a:lstStyle/>
+                    <a:p>
+                      <a:pPr algn="ctr" fontAlgn="b"/>
+                      <a:r>
+                        <a:rPr lang="ru-RU" sz="2800" u="none" strike="noStrike" dirty="0">
+                          <a:effectLst/>
+                        </a:rPr>
+                        <a:t> </a:t>
+                      </a:r>
+                      <a:r>
+                        <a:rPr lang="ru-RU" sz="2800" u="none" strike="noStrike" dirty="0" smtClean="0">
+                          <a:effectLst/>
+                        </a:rPr>
+                        <a:t>-3</a:t>
+                      </a:r>
+                      <a:endParaRPr lang="ru-RU" sz="2800" b="0" i="0" u="none" strike="noStrike" dirty="0">
+                        <a:solidFill>
+                          <a:srgbClr val="000000"/>
+                        </a:solidFill>
+                        <a:effectLst/>
+                        <a:latin typeface="Calibri"/>
+                      </a:endParaRPr>
+                    </a:p>
+                  </a:txBody>
+                  <a:tcPr marL="9525" marR="9525" marT="9525" marB="0" anchor="b">
+                    <a:solidFill>
+                      <a:schemeClr val="accent2">
+                        <a:lumMod val="40000"/>
+                        <a:lumOff val="60000"/>
+                      </a:schemeClr>
+                    </a:solidFill>
+                  </a:tcPr>
+                </a:tc>
+                <a:tc>
+                  <a:txBody>
+                    <a:bodyPr/>
+                    <a:lstStyle/>
+                    <a:p>
+                      <a:pPr algn="ctr" fontAlgn="b"/>
+                      <a:r>
+                        <a:rPr lang="ru-RU" sz="2800" u="none" strike="noStrike" dirty="0">
+                          <a:effectLst/>
+                        </a:rPr>
+                        <a:t> </a:t>
+                      </a:r>
+                      <a:r>
+                        <a:rPr lang="ru-RU" sz="2800" u="none" strike="noStrike" dirty="0" smtClean="0">
+                          <a:effectLst/>
+                        </a:rPr>
+                        <a:t>3</a:t>
+                      </a:r>
+                      <a:endParaRPr lang="ru-RU" sz="2800" b="0" i="0" u="none" strike="noStrike" dirty="0">
+                        <a:solidFill>
+                          <a:srgbClr val="000000"/>
+                        </a:solidFill>
+                        <a:effectLst/>
+                        <a:latin typeface="Calibri"/>
+                      </a:endParaRPr>
+                    </a:p>
+                  </a:txBody>
+                  <a:tcPr marL="9525" marR="9525" marT="9525" marB="0" anchor="b">
+                    <a:solidFill>
+                      <a:schemeClr val="accent2">
+                        <a:lumMod val="40000"/>
+                        <a:lumOff val="60000"/>
+                      </a:schemeClr>
+                    </a:solidFill>
+                  </a:tcPr>
+                </a:tc>
+                <a:tc>
+                  <a:txBody>
+                    <a:bodyPr/>
+                    <a:lstStyle/>
+                    <a:p>
+                      <a:pPr algn="ctr" fontAlgn="b"/>
+                      <a:r>
+                        <a:rPr lang="ru-RU" sz="2800" u="none" strike="noStrike" dirty="0">
+                          <a:effectLst/>
+                        </a:rPr>
+                        <a:t> </a:t>
+                      </a:r>
+                      <a:r>
+                        <a:rPr lang="ru-RU" sz="2800" u="none" strike="noStrike" dirty="0" smtClean="0">
+                          <a:effectLst/>
+                        </a:rPr>
+                        <a:t>1</a:t>
+                      </a:r>
+                      <a:endParaRPr lang="ru-RU" sz="2800" b="0" i="0" u="none" strike="noStrike" dirty="0">
+                        <a:solidFill>
+                          <a:srgbClr val="000000"/>
+                        </a:solidFill>
+                        <a:effectLst/>
+                        <a:latin typeface="Calibri"/>
+                      </a:endParaRPr>
+                    </a:p>
+                  </a:txBody>
+                  <a:tcPr marL="9525" marR="9525" marT="9525" marB="0" anchor="b">
+                    <a:solidFill>
+                      <a:schemeClr val="accent2">
+                        <a:lumMod val="40000"/>
+                        <a:lumOff val="60000"/>
+                      </a:schemeClr>
+                    </a:solidFill>
+                  </a:tcPr>
+                </a:tc>
+                <a:tc>
+                  <a:txBody>
+                    <a:bodyPr/>
+                    <a:lstStyle/>
+                    <a:p>
+                      <a:pPr algn="ctr" fontAlgn="b"/>
+                      <a:r>
+                        <a:rPr lang="ru-RU" sz="2800" u="none" strike="noStrike" dirty="0">
+                          <a:effectLst/>
+                        </a:rPr>
+                        <a:t> </a:t>
+                      </a:r>
+                      <a:r>
+                        <a:rPr lang="ru-RU" sz="2800" u="none" strike="noStrike" dirty="0" smtClean="0">
+                          <a:effectLst/>
+                        </a:rPr>
+                        <a:t>1</a:t>
+                      </a:r>
+                      <a:endParaRPr lang="ru-RU" sz="2800" b="0" i="0" u="none" strike="noStrike" dirty="0">
+                        <a:solidFill>
+                          <a:srgbClr val="000000"/>
+                        </a:solidFill>
+                        <a:effectLst/>
+                        <a:latin typeface="Calibri"/>
+                      </a:endParaRPr>
+                    </a:p>
+                  </a:txBody>
+                  <a:tcPr marL="9525" marR="9525" marT="9525" marB="0" anchor="b">
+                    <a:solidFill>
+                      <a:schemeClr val="accent2">
+                        <a:lumMod val="40000"/>
+                        <a:lumOff val="60000"/>
+                      </a:schemeClr>
+                    </a:solidFill>
+                  </a:tcPr>
+                </a:tc>
+              </a:tr>
+              <a:tr h="608076">
+                <a:tc>
+                  <a:txBody>
+                    <a:bodyPr/>
+                    <a:lstStyle/>
+                    <a:p>
+                      <a:pPr marL="0" marR="0" indent="0" algn="ctr" defTabSz="457200" rtl="0" eaLnBrk="1" fontAlgn="b" latinLnBrk="0" hangingPunct="1">
+                        <a:lnSpc>
+                          <a:spcPct val="100000"/>
+                        </a:lnSpc>
+                        <a:spcBef>
+                          <a:spcPts val="0"/>
+                        </a:spcBef>
+                        <a:spcAft>
+                          <a:spcPts val="0"/>
+                        </a:spcAft>
+                        <a:buClrTx/>
+                        <a:buSzTx/>
+                        <a:buFontTx/>
+                        <a:buNone/>
+                        <a:tabLst/>
+                        <a:defRPr/>
+                      </a:pPr>
+                      <a:r>
+                        <a:rPr lang="ru-RU" sz="2400" u="none" strike="noStrike" dirty="0">
+                          <a:effectLst/>
+                        </a:rPr>
+                        <a:t> </a:t>
+                      </a:r>
+                      <a:r>
+                        <a:rPr lang="ru-RU" sz="2400" u="none" strike="noStrike" dirty="0" smtClean="0">
+                          <a:effectLst/>
+                        </a:rPr>
+                        <a:t>4</a:t>
+                      </a:r>
+                      <a:r>
+                        <a:rPr lang="en-US" sz="2400" u="none" strike="noStrike" baseline="0" dirty="0" smtClean="0">
+                          <a:effectLst/>
+                        </a:rPr>
+                        <a:t> </a:t>
+                      </a:r>
+                      <a:r>
+                        <a:rPr lang="ru-RU" sz="2400" u="none" strike="noStrike" baseline="0" dirty="0" smtClean="0">
+                          <a:effectLst/>
+                        </a:rPr>
+                        <a:t>тело</a:t>
+                      </a:r>
+                      <a:endParaRPr lang="ru-RU" sz="2400" b="0" i="0" u="none" strike="noStrike" dirty="0" smtClean="0">
+                        <a:solidFill>
+                          <a:srgbClr val="000000"/>
+                        </a:solidFill>
+                        <a:effectLst/>
+                        <a:latin typeface="Calibri"/>
+                      </a:endParaRPr>
+                    </a:p>
+                    <a:p>
+                      <a:pPr algn="ctr" fontAlgn="b"/>
+                      <a:endParaRPr lang="ru-RU" sz="2400" b="0" i="0" u="none" strike="noStrike" dirty="0">
+                        <a:solidFill>
+                          <a:srgbClr val="000000"/>
+                        </a:solidFill>
+                        <a:effectLst/>
+                        <a:latin typeface="Calibri"/>
+                      </a:endParaRPr>
+                    </a:p>
+                  </a:txBody>
+                  <a:tcPr marL="9525" marR="9525" marT="9525" marB="0" anchor="b">
+                    <a:solidFill>
+                      <a:schemeClr val="accent2">
+                        <a:lumMod val="40000"/>
+                        <a:lumOff val="60000"/>
+                      </a:schemeClr>
+                    </a:solidFill>
+                  </a:tcPr>
+                </a:tc>
+                <a:tc>
+                  <a:txBody>
+                    <a:bodyPr/>
+                    <a:lstStyle/>
+                    <a:p>
+                      <a:pPr algn="ctr" fontAlgn="b"/>
+                      <a:r>
+                        <a:rPr lang="ru-RU" sz="2800" u="none" strike="noStrike" dirty="0">
+                          <a:effectLst/>
+                        </a:rPr>
+                        <a:t> </a:t>
+                      </a:r>
+                      <a:r>
+                        <a:rPr lang="ru-RU" sz="2800" u="none" strike="noStrike" dirty="0" smtClean="0">
+                          <a:effectLst/>
+                        </a:rPr>
+                        <a:t>-4</a:t>
+                      </a:r>
+                      <a:endParaRPr lang="ru-RU" sz="2800" b="0" i="0" u="none" strike="noStrike" dirty="0">
+                        <a:solidFill>
+                          <a:srgbClr val="000000"/>
+                        </a:solidFill>
+                        <a:effectLst/>
+                        <a:latin typeface="Calibri"/>
+                      </a:endParaRPr>
+                    </a:p>
+                  </a:txBody>
+                  <a:tcPr marL="9525" marR="9525" marT="9525" marB="0" anchor="b">
+                    <a:solidFill>
+                      <a:schemeClr val="accent2">
+                        <a:lumMod val="40000"/>
+                        <a:lumOff val="60000"/>
+                      </a:schemeClr>
+                    </a:solidFill>
+                  </a:tcPr>
+                </a:tc>
+                <a:tc>
+                  <a:txBody>
+                    <a:bodyPr/>
+                    <a:lstStyle/>
+                    <a:p>
+                      <a:pPr algn="ctr" fontAlgn="b"/>
+                      <a:r>
+                        <a:rPr lang="ru-RU" sz="2800" u="none" strike="noStrike" dirty="0" smtClean="0">
+                          <a:effectLst/>
+                        </a:rPr>
+                        <a:t>2.1</a:t>
+                      </a:r>
+                      <a:r>
+                        <a:rPr lang="ru-RU" sz="2800" u="none" strike="noStrike" dirty="0">
+                          <a:effectLst/>
+                        </a:rPr>
+                        <a:t> </a:t>
+                      </a:r>
+                      <a:endParaRPr lang="ru-RU" sz="2800" b="0" i="0" u="none" strike="noStrike" dirty="0">
+                        <a:solidFill>
+                          <a:srgbClr val="000000"/>
+                        </a:solidFill>
+                        <a:effectLst/>
+                        <a:latin typeface="Calibri"/>
+                      </a:endParaRPr>
+                    </a:p>
+                  </a:txBody>
+                  <a:tcPr marL="9525" marR="9525" marT="9525" marB="0" anchor="b">
+                    <a:solidFill>
+                      <a:schemeClr val="accent2">
+                        <a:lumMod val="40000"/>
+                        <a:lumOff val="60000"/>
+                      </a:schemeClr>
+                    </a:solidFill>
+                  </a:tcPr>
+                </a:tc>
+                <a:tc>
+                  <a:txBody>
+                    <a:bodyPr/>
+                    <a:lstStyle/>
+                    <a:p>
+                      <a:pPr algn="ctr" fontAlgn="b"/>
+                      <a:r>
+                        <a:rPr lang="ru-RU" sz="2800" u="none" strike="noStrike" dirty="0">
+                          <a:effectLst/>
+                        </a:rPr>
+                        <a:t> </a:t>
+                      </a:r>
+                      <a:r>
+                        <a:rPr lang="ru-RU" sz="2800" u="none" strike="noStrike" dirty="0" smtClean="0">
+                          <a:effectLst/>
+                        </a:rPr>
+                        <a:t>3</a:t>
+                      </a:r>
+                      <a:endParaRPr lang="ru-RU" sz="2800" b="0" i="0" u="none" strike="noStrike" dirty="0">
+                        <a:solidFill>
+                          <a:srgbClr val="000000"/>
+                        </a:solidFill>
+                        <a:effectLst/>
+                        <a:latin typeface="Calibri"/>
+                      </a:endParaRPr>
+                    </a:p>
+                  </a:txBody>
+                  <a:tcPr marL="9525" marR="9525" marT="9525" marB="0" anchor="b">
+                    <a:solidFill>
+                      <a:schemeClr val="accent2">
+                        <a:lumMod val="40000"/>
+                        <a:lumOff val="60000"/>
+                      </a:schemeClr>
+                    </a:solidFill>
+                  </a:tcPr>
+                </a:tc>
+                <a:tc>
+                  <a:txBody>
+                    <a:bodyPr/>
+                    <a:lstStyle/>
+                    <a:p>
+                      <a:pPr algn="ctr" fontAlgn="b"/>
+                      <a:r>
+                        <a:rPr lang="ru-RU" sz="2800" u="none" strike="noStrike" dirty="0">
+                          <a:effectLst/>
+                        </a:rPr>
+                        <a:t> </a:t>
+                      </a:r>
+                      <a:r>
+                        <a:rPr lang="ru-RU" sz="2800" u="none" strike="noStrike" dirty="0" smtClean="0">
+                          <a:effectLst/>
+                        </a:rPr>
+                        <a:t>1.9</a:t>
+                      </a:r>
+                      <a:endParaRPr lang="ru-RU" sz="2800" b="0" i="0" u="none" strike="noStrike" dirty="0">
+                        <a:solidFill>
+                          <a:srgbClr val="000000"/>
+                        </a:solidFill>
+                        <a:effectLst/>
+                        <a:latin typeface="Calibri"/>
+                      </a:endParaRPr>
+                    </a:p>
+                  </a:txBody>
+                  <a:tcPr marL="9525" marR="9525" marT="9525" marB="0" anchor="b">
+                    <a:solidFill>
+                      <a:schemeClr val="accent2">
+                        <a:lumMod val="40000"/>
+                        <a:lumOff val="60000"/>
+                      </a:schemeClr>
+                    </a:solidFill>
+                  </a:tcPr>
+                </a:tc>
+              </a:tr>
+              <a:tr h="608076">
+                <a:tc>
+                  <a:txBody>
+                    <a:bodyPr/>
+                    <a:lstStyle/>
+                    <a:p>
+                      <a:pPr marL="0" marR="0" indent="0" algn="ctr" defTabSz="457200" rtl="0" eaLnBrk="1" fontAlgn="b" latinLnBrk="0" hangingPunct="1">
+                        <a:lnSpc>
+                          <a:spcPct val="100000"/>
+                        </a:lnSpc>
+                        <a:spcBef>
+                          <a:spcPts val="0"/>
+                        </a:spcBef>
+                        <a:spcAft>
+                          <a:spcPts val="0"/>
+                        </a:spcAft>
+                        <a:buClrTx/>
+                        <a:buSzTx/>
+                        <a:buFontTx/>
+                        <a:buNone/>
+                        <a:tabLst/>
+                        <a:defRPr/>
+                      </a:pPr>
+                      <a:r>
+                        <a:rPr lang="ru-RU" sz="2400" u="none" strike="noStrike" dirty="0">
+                          <a:effectLst/>
+                        </a:rPr>
+                        <a:t> </a:t>
+                      </a:r>
+                      <a:r>
+                        <a:rPr lang="ru-RU" sz="2400" u="none" strike="noStrike" dirty="0" smtClean="0">
+                          <a:effectLst/>
+                        </a:rPr>
+                        <a:t>5</a:t>
+                      </a:r>
+                      <a:r>
+                        <a:rPr lang="en-US" sz="2400" u="none" strike="noStrike" baseline="0" dirty="0" smtClean="0">
+                          <a:effectLst/>
+                        </a:rPr>
+                        <a:t> </a:t>
+                      </a:r>
+                      <a:r>
+                        <a:rPr lang="ru-RU" sz="2400" u="none" strike="noStrike" baseline="0" dirty="0" smtClean="0">
+                          <a:effectLst/>
+                        </a:rPr>
+                        <a:t>тело</a:t>
+                      </a:r>
+                      <a:endParaRPr lang="ru-RU" sz="2400" b="0" i="0" u="none" strike="noStrike" dirty="0" smtClean="0">
+                        <a:solidFill>
+                          <a:srgbClr val="000000"/>
+                        </a:solidFill>
+                        <a:effectLst/>
+                        <a:latin typeface="Calibri"/>
+                      </a:endParaRPr>
+                    </a:p>
+                    <a:p>
+                      <a:pPr algn="ctr" fontAlgn="b"/>
+                      <a:endParaRPr lang="ru-RU" sz="2400" b="0" i="0" u="none" strike="noStrike" dirty="0">
+                        <a:solidFill>
+                          <a:srgbClr val="000000"/>
+                        </a:solidFill>
+                        <a:effectLst/>
+                        <a:latin typeface="Calibri"/>
+                      </a:endParaRPr>
+                    </a:p>
+                  </a:txBody>
+                  <a:tcPr marL="9525" marR="9525" marT="9525" marB="0" anchor="b">
+                    <a:solidFill>
+                      <a:schemeClr val="accent2">
+                        <a:lumMod val="40000"/>
+                        <a:lumOff val="60000"/>
+                      </a:schemeClr>
+                    </a:solidFill>
+                  </a:tcPr>
+                </a:tc>
+                <a:tc>
+                  <a:txBody>
+                    <a:bodyPr/>
+                    <a:lstStyle/>
+                    <a:p>
+                      <a:pPr algn="ctr" fontAlgn="b"/>
+                      <a:r>
+                        <a:rPr lang="ru-RU" sz="2800" u="none" strike="noStrike" dirty="0">
+                          <a:effectLst/>
+                        </a:rPr>
+                        <a:t> </a:t>
+                      </a:r>
+                      <a:r>
+                        <a:rPr lang="ru-RU" sz="2800" u="none" strike="noStrike" dirty="0" smtClean="0">
+                          <a:effectLst/>
+                        </a:rPr>
+                        <a:t>-6</a:t>
+                      </a:r>
+                      <a:endParaRPr lang="ru-RU" sz="2800" b="0" i="0" u="none" strike="noStrike" dirty="0">
+                        <a:solidFill>
+                          <a:srgbClr val="000000"/>
+                        </a:solidFill>
+                        <a:effectLst/>
+                        <a:latin typeface="Calibri"/>
+                      </a:endParaRPr>
+                    </a:p>
+                  </a:txBody>
+                  <a:tcPr marL="9525" marR="9525" marT="9525" marB="0" anchor="b">
+                    <a:solidFill>
+                      <a:schemeClr val="accent2">
+                        <a:lumMod val="40000"/>
+                        <a:lumOff val="60000"/>
+                      </a:schemeClr>
+                    </a:solidFill>
+                  </a:tcPr>
+                </a:tc>
+                <a:tc>
+                  <a:txBody>
+                    <a:bodyPr/>
+                    <a:lstStyle/>
+                    <a:p>
+                      <a:pPr algn="ctr" fontAlgn="b"/>
+                      <a:r>
+                        <a:rPr lang="ru-RU" sz="2800" u="none" strike="noStrike" dirty="0">
+                          <a:effectLst/>
+                        </a:rPr>
+                        <a:t> </a:t>
+                      </a:r>
+                      <a:r>
+                        <a:rPr lang="ru-RU" sz="2800" u="none" strike="noStrike" dirty="0" smtClean="0">
+                          <a:effectLst/>
+                        </a:rPr>
+                        <a:t>5</a:t>
+                      </a:r>
+                      <a:endParaRPr lang="ru-RU" sz="2800" b="0" i="0" u="none" strike="noStrike" dirty="0">
+                        <a:solidFill>
+                          <a:srgbClr val="000000"/>
+                        </a:solidFill>
+                        <a:effectLst/>
+                        <a:latin typeface="Calibri"/>
+                      </a:endParaRPr>
+                    </a:p>
+                  </a:txBody>
+                  <a:tcPr marL="9525" marR="9525" marT="9525" marB="0" anchor="b">
+                    <a:solidFill>
+                      <a:schemeClr val="accent2">
+                        <a:lumMod val="40000"/>
+                        <a:lumOff val="60000"/>
+                      </a:schemeClr>
+                    </a:solidFill>
+                  </a:tcPr>
+                </a:tc>
+                <a:tc>
+                  <a:txBody>
+                    <a:bodyPr/>
+                    <a:lstStyle/>
+                    <a:p>
+                      <a:pPr algn="ctr" fontAlgn="b"/>
+                      <a:r>
+                        <a:rPr lang="ru-RU" sz="2800" u="none" strike="noStrike" dirty="0">
+                          <a:effectLst/>
+                        </a:rPr>
+                        <a:t> </a:t>
+                      </a:r>
+                      <a:r>
+                        <a:rPr lang="ru-RU" sz="2800" u="none" strike="noStrike" dirty="0" smtClean="0">
+                          <a:effectLst/>
+                        </a:rPr>
+                        <a:t>7</a:t>
+                      </a:r>
+                      <a:endParaRPr lang="ru-RU" sz="2800" b="0" i="0" u="none" strike="noStrike" dirty="0">
+                        <a:solidFill>
+                          <a:srgbClr val="000000"/>
+                        </a:solidFill>
+                        <a:effectLst/>
+                        <a:latin typeface="Calibri"/>
+                      </a:endParaRPr>
+                    </a:p>
+                  </a:txBody>
+                  <a:tcPr marL="9525" marR="9525" marT="9525" marB="0" anchor="b">
+                    <a:solidFill>
+                      <a:schemeClr val="accent2">
+                        <a:lumMod val="40000"/>
+                        <a:lumOff val="60000"/>
+                      </a:schemeClr>
+                    </a:solidFill>
+                  </a:tcPr>
+                </a:tc>
+                <a:tc>
+                  <a:txBody>
+                    <a:bodyPr/>
+                    <a:lstStyle/>
+                    <a:p>
+                      <a:pPr algn="ctr" fontAlgn="b"/>
+                      <a:r>
+                        <a:rPr lang="ru-RU" sz="2800" u="none" strike="noStrike" dirty="0">
+                          <a:effectLst/>
+                        </a:rPr>
+                        <a:t> </a:t>
+                      </a:r>
+                      <a:r>
+                        <a:rPr lang="ru-RU" sz="2800" u="none" strike="noStrike" dirty="0" smtClean="0">
+                          <a:effectLst/>
+                        </a:rPr>
+                        <a:t>2</a:t>
+                      </a:r>
+                      <a:endParaRPr lang="ru-RU" sz="2800" b="0" i="0" u="none" strike="noStrike" dirty="0">
+                        <a:solidFill>
+                          <a:srgbClr val="000000"/>
+                        </a:solidFill>
+                        <a:effectLst/>
+                        <a:latin typeface="Calibri"/>
+                      </a:endParaRPr>
+                    </a:p>
+                  </a:txBody>
+                  <a:tcPr marL="9525" marR="9525" marT="9525" marB="0" anchor="b">
+                    <a:solidFill>
+                      <a:schemeClr val="accent2">
+                        <a:lumMod val="40000"/>
+                        <a:lumOff val="60000"/>
+                      </a:schemeClr>
+                    </a:solidFill>
+                  </a:tcPr>
+                </a:tc>
+              </a:tr>
+              <a:tr h="608076">
+                <a:tc>
+                  <a:txBody>
+                    <a:bodyPr/>
+                    <a:lstStyle/>
+                    <a:p>
+                      <a:pPr marL="0" marR="0" indent="0" algn="ctr" defTabSz="457200" rtl="0" eaLnBrk="1" fontAlgn="b" latinLnBrk="0" hangingPunct="1">
+                        <a:lnSpc>
+                          <a:spcPct val="100000"/>
+                        </a:lnSpc>
+                        <a:spcBef>
+                          <a:spcPts val="0"/>
+                        </a:spcBef>
+                        <a:spcAft>
+                          <a:spcPts val="0"/>
+                        </a:spcAft>
+                        <a:buClrTx/>
+                        <a:buSzTx/>
+                        <a:buFontTx/>
+                        <a:buNone/>
+                        <a:tabLst/>
+                        <a:defRPr/>
+                      </a:pPr>
+                      <a:r>
+                        <a:rPr lang="ru-RU" sz="2400" u="none" strike="noStrike" dirty="0">
+                          <a:effectLst/>
+                        </a:rPr>
+                        <a:t> </a:t>
+                      </a:r>
+                      <a:r>
+                        <a:rPr lang="ru-RU" sz="2400" u="none" strike="noStrike" dirty="0" smtClean="0">
+                          <a:effectLst/>
+                        </a:rPr>
+                        <a:t>6</a:t>
+                      </a:r>
+                      <a:r>
+                        <a:rPr lang="en-US" sz="2400" u="none" strike="noStrike" baseline="0" dirty="0" smtClean="0">
+                          <a:effectLst/>
+                        </a:rPr>
+                        <a:t> </a:t>
+                      </a:r>
+                      <a:r>
+                        <a:rPr lang="ru-RU" sz="2400" u="none" strike="noStrike" baseline="0" dirty="0" smtClean="0">
+                          <a:effectLst/>
+                        </a:rPr>
+                        <a:t>тело</a:t>
+                      </a:r>
+                      <a:endParaRPr lang="ru-RU" sz="2400" b="0" i="0" u="none" strike="noStrike" dirty="0" smtClean="0">
+                        <a:solidFill>
+                          <a:srgbClr val="000000"/>
+                        </a:solidFill>
+                        <a:effectLst/>
+                        <a:latin typeface="Calibri"/>
+                      </a:endParaRPr>
+                    </a:p>
+                    <a:p>
+                      <a:pPr algn="ctr" fontAlgn="b"/>
+                      <a:endParaRPr lang="ru-RU" sz="2400" b="0" i="0" u="none" strike="noStrike" dirty="0">
+                        <a:solidFill>
+                          <a:srgbClr val="000000"/>
+                        </a:solidFill>
+                        <a:effectLst/>
+                        <a:latin typeface="Calibri"/>
+                      </a:endParaRPr>
+                    </a:p>
+                  </a:txBody>
+                  <a:tcPr marL="9525" marR="9525" marT="9525" marB="0" anchor="b">
+                    <a:solidFill>
+                      <a:schemeClr val="accent2">
+                        <a:lumMod val="40000"/>
+                        <a:lumOff val="60000"/>
+                      </a:schemeClr>
+                    </a:solidFill>
+                  </a:tcPr>
+                </a:tc>
+                <a:tc>
+                  <a:txBody>
+                    <a:bodyPr/>
+                    <a:lstStyle/>
+                    <a:p>
+                      <a:pPr algn="ctr" fontAlgn="b"/>
+                      <a:r>
+                        <a:rPr lang="ru-RU" sz="2800" u="none" strike="noStrike" dirty="0">
+                          <a:effectLst/>
+                        </a:rPr>
+                        <a:t> </a:t>
+                      </a:r>
+                      <a:r>
+                        <a:rPr lang="ru-RU" sz="2800" u="none" strike="noStrike" dirty="0" smtClean="0">
+                          <a:effectLst/>
+                        </a:rPr>
+                        <a:t>-7</a:t>
+                      </a:r>
+                      <a:endParaRPr lang="ru-RU" sz="2800" b="0" i="0" u="none" strike="noStrike" dirty="0">
+                        <a:solidFill>
+                          <a:srgbClr val="000000"/>
+                        </a:solidFill>
+                        <a:effectLst/>
+                        <a:latin typeface="Calibri"/>
+                      </a:endParaRPr>
+                    </a:p>
+                  </a:txBody>
+                  <a:tcPr marL="9525" marR="9525" marT="9525" marB="0" anchor="b">
+                    <a:solidFill>
+                      <a:schemeClr val="accent2">
+                        <a:lumMod val="40000"/>
+                        <a:lumOff val="60000"/>
+                      </a:schemeClr>
+                    </a:solidFill>
+                  </a:tcPr>
+                </a:tc>
+                <a:tc>
+                  <a:txBody>
+                    <a:bodyPr/>
+                    <a:lstStyle/>
+                    <a:p>
+                      <a:pPr algn="ctr" fontAlgn="b"/>
+                      <a:r>
+                        <a:rPr lang="ru-RU" sz="2800" u="none" strike="noStrike" dirty="0">
+                          <a:effectLst/>
+                        </a:rPr>
+                        <a:t> </a:t>
+                      </a:r>
+                      <a:r>
+                        <a:rPr lang="ru-RU" sz="2800" u="none" strike="noStrike" dirty="0" smtClean="0">
+                          <a:effectLst/>
+                        </a:rPr>
+                        <a:t>4</a:t>
+                      </a:r>
+                      <a:endParaRPr lang="ru-RU" sz="2800" b="0" i="0" u="none" strike="noStrike" dirty="0">
+                        <a:solidFill>
+                          <a:srgbClr val="000000"/>
+                        </a:solidFill>
+                        <a:effectLst/>
+                        <a:latin typeface="Calibri"/>
+                      </a:endParaRPr>
+                    </a:p>
+                  </a:txBody>
+                  <a:tcPr marL="9525" marR="9525" marT="9525" marB="0" anchor="b">
+                    <a:solidFill>
+                      <a:schemeClr val="accent2">
+                        <a:lumMod val="40000"/>
+                        <a:lumOff val="60000"/>
+                      </a:schemeClr>
+                    </a:solidFill>
+                  </a:tcPr>
+                </a:tc>
+                <a:tc>
+                  <a:txBody>
+                    <a:bodyPr/>
+                    <a:lstStyle/>
+                    <a:p>
+                      <a:pPr algn="ctr" fontAlgn="b"/>
+                      <a:r>
+                        <a:rPr lang="ru-RU" sz="2800" u="none" strike="noStrike" dirty="0">
+                          <a:effectLst/>
+                        </a:rPr>
+                        <a:t> </a:t>
+                      </a:r>
+                      <a:r>
+                        <a:rPr lang="ru-RU" sz="2800" u="none" strike="noStrike" dirty="0" smtClean="0">
+                          <a:effectLst/>
+                        </a:rPr>
+                        <a:t>2</a:t>
+                      </a:r>
+                      <a:endParaRPr lang="ru-RU" sz="2800" b="0" i="0" u="none" strike="noStrike" dirty="0">
+                        <a:solidFill>
+                          <a:srgbClr val="000000"/>
+                        </a:solidFill>
+                        <a:effectLst/>
+                        <a:latin typeface="Calibri"/>
+                      </a:endParaRPr>
+                    </a:p>
+                  </a:txBody>
+                  <a:tcPr marL="9525" marR="9525" marT="9525" marB="0" anchor="b">
+                    <a:solidFill>
+                      <a:schemeClr val="accent2">
+                        <a:lumMod val="40000"/>
+                        <a:lumOff val="60000"/>
+                      </a:schemeClr>
+                    </a:solidFill>
+                  </a:tcPr>
+                </a:tc>
+                <a:tc>
+                  <a:txBody>
+                    <a:bodyPr/>
+                    <a:lstStyle/>
+                    <a:p>
+                      <a:pPr algn="ctr" fontAlgn="b"/>
+                      <a:r>
+                        <a:rPr lang="ru-RU" sz="2800" u="none" strike="noStrike" dirty="0">
+                          <a:effectLst/>
+                        </a:rPr>
+                        <a:t> </a:t>
+                      </a:r>
+                      <a:r>
+                        <a:rPr lang="ru-RU" sz="2800" u="none" strike="noStrike" dirty="0" smtClean="0">
+                          <a:effectLst/>
+                        </a:rPr>
+                        <a:t>3</a:t>
+                      </a:r>
+                      <a:endParaRPr lang="ru-RU" sz="2800" b="0" i="0" u="none" strike="noStrike" dirty="0">
+                        <a:solidFill>
+                          <a:srgbClr val="000000"/>
+                        </a:solidFill>
+                        <a:effectLst/>
+                        <a:latin typeface="Calibri"/>
+                      </a:endParaRPr>
+                    </a:p>
+                  </a:txBody>
+                  <a:tcPr marL="9525" marR="9525" marT="9525" marB="0" anchor="b">
+                    <a:solidFill>
+                      <a:schemeClr val="accent2">
+                        <a:lumMod val="40000"/>
+                        <a:lumOff val="60000"/>
+                      </a:schemeClr>
+                    </a:solidFill>
+                  </a:tcPr>
+                </a:tc>
+              </a:tr>
+              <a:tr h="608076">
+                <a:tc>
+                  <a:txBody>
+                    <a:bodyPr/>
+                    <a:lstStyle/>
+                    <a:p>
+                      <a:pPr marL="0" marR="0" indent="0" algn="ctr" defTabSz="457200" rtl="0" eaLnBrk="1" fontAlgn="b" latinLnBrk="0" hangingPunct="1">
+                        <a:lnSpc>
+                          <a:spcPct val="100000"/>
+                        </a:lnSpc>
+                        <a:spcBef>
+                          <a:spcPts val="0"/>
+                        </a:spcBef>
+                        <a:spcAft>
+                          <a:spcPts val="0"/>
+                        </a:spcAft>
+                        <a:buClrTx/>
+                        <a:buSzTx/>
+                        <a:buFontTx/>
+                        <a:buNone/>
+                        <a:tabLst/>
+                        <a:defRPr/>
+                      </a:pPr>
+                      <a:r>
+                        <a:rPr lang="ru-RU" sz="2400" u="none" strike="noStrike" dirty="0">
+                          <a:effectLst/>
+                        </a:rPr>
+                        <a:t> </a:t>
+                      </a:r>
+                      <a:r>
+                        <a:rPr lang="ru-RU" sz="2400" u="none" strike="noStrike" dirty="0" smtClean="0">
+                          <a:effectLst/>
+                        </a:rPr>
+                        <a:t>7</a:t>
+                      </a:r>
+                      <a:r>
+                        <a:rPr lang="en-US" sz="2400" u="none" strike="noStrike" baseline="0" dirty="0" smtClean="0">
+                          <a:effectLst/>
+                        </a:rPr>
+                        <a:t> </a:t>
+                      </a:r>
+                      <a:r>
+                        <a:rPr lang="ru-RU" sz="2400" u="none" strike="noStrike" baseline="0" dirty="0" smtClean="0">
+                          <a:effectLst/>
+                        </a:rPr>
+                        <a:t>тело</a:t>
+                      </a:r>
+                      <a:endParaRPr lang="ru-RU" sz="2400" b="0" i="0" u="none" strike="noStrike" dirty="0" smtClean="0">
+                        <a:solidFill>
+                          <a:srgbClr val="000000"/>
+                        </a:solidFill>
+                        <a:effectLst/>
+                        <a:latin typeface="Calibri"/>
+                      </a:endParaRPr>
+                    </a:p>
+                    <a:p>
+                      <a:pPr algn="ctr" fontAlgn="b"/>
+                      <a:endParaRPr lang="ru-RU" sz="2400" b="0" i="0" u="none" strike="noStrike" dirty="0">
+                        <a:solidFill>
+                          <a:srgbClr val="000000"/>
+                        </a:solidFill>
+                        <a:effectLst/>
+                        <a:latin typeface="Calibri"/>
+                      </a:endParaRPr>
+                    </a:p>
+                  </a:txBody>
+                  <a:tcPr marL="9525" marR="9525" marT="9525" marB="0" anchor="b">
+                    <a:solidFill>
+                      <a:schemeClr val="accent2">
+                        <a:lumMod val="40000"/>
+                        <a:lumOff val="60000"/>
+                      </a:schemeClr>
+                    </a:solidFill>
+                  </a:tcPr>
+                </a:tc>
+                <a:tc>
+                  <a:txBody>
+                    <a:bodyPr/>
+                    <a:lstStyle/>
+                    <a:p>
+                      <a:pPr algn="ctr" fontAlgn="b"/>
+                      <a:r>
+                        <a:rPr lang="ru-RU" sz="2800" u="none" strike="noStrike" dirty="0">
+                          <a:effectLst/>
+                        </a:rPr>
+                        <a:t> </a:t>
+                      </a:r>
+                      <a:r>
+                        <a:rPr lang="ru-RU" sz="2800" u="none" strike="noStrike" dirty="0" smtClean="0">
+                          <a:effectLst/>
+                        </a:rPr>
+                        <a:t>-8</a:t>
+                      </a:r>
+                      <a:endParaRPr lang="ru-RU" sz="2800" b="0" i="0" u="none" strike="noStrike" dirty="0">
+                        <a:solidFill>
+                          <a:srgbClr val="000000"/>
+                        </a:solidFill>
+                        <a:effectLst/>
+                        <a:latin typeface="Calibri"/>
+                      </a:endParaRPr>
+                    </a:p>
+                  </a:txBody>
+                  <a:tcPr marL="9525" marR="9525" marT="9525" marB="0" anchor="b">
+                    <a:solidFill>
+                      <a:schemeClr val="accent2">
+                        <a:lumMod val="40000"/>
+                        <a:lumOff val="60000"/>
+                      </a:schemeClr>
+                    </a:solidFill>
+                  </a:tcPr>
+                </a:tc>
+                <a:tc>
+                  <a:txBody>
+                    <a:bodyPr/>
+                    <a:lstStyle/>
+                    <a:p>
+                      <a:pPr algn="ctr" fontAlgn="b"/>
+                      <a:r>
+                        <a:rPr lang="ru-RU" sz="2800" u="none" strike="noStrike" dirty="0">
+                          <a:effectLst/>
+                        </a:rPr>
+                        <a:t> </a:t>
+                      </a:r>
+                      <a:r>
+                        <a:rPr lang="ru-RU" sz="2800" u="none" strike="noStrike" dirty="0" smtClean="0">
+                          <a:effectLst/>
+                        </a:rPr>
+                        <a:t>7</a:t>
+                      </a:r>
+                      <a:endParaRPr lang="ru-RU" sz="2800" b="0" i="0" u="none" strike="noStrike" dirty="0">
+                        <a:solidFill>
+                          <a:srgbClr val="000000"/>
+                        </a:solidFill>
+                        <a:effectLst/>
+                        <a:latin typeface="Calibri"/>
+                      </a:endParaRPr>
+                    </a:p>
+                  </a:txBody>
+                  <a:tcPr marL="9525" marR="9525" marT="9525" marB="0" anchor="b">
+                    <a:solidFill>
+                      <a:schemeClr val="accent2">
+                        <a:lumMod val="40000"/>
+                        <a:lumOff val="60000"/>
+                      </a:schemeClr>
+                    </a:solidFill>
+                  </a:tcPr>
+                </a:tc>
+                <a:tc>
+                  <a:txBody>
+                    <a:bodyPr/>
+                    <a:lstStyle/>
+                    <a:p>
+                      <a:pPr algn="ctr" fontAlgn="b"/>
+                      <a:r>
+                        <a:rPr lang="ru-RU" sz="2800" u="none" strike="noStrike" dirty="0">
+                          <a:effectLst/>
+                        </a:rPr>
+                        <a:t> </a:t>
+                      </a:r>
+                      <a:r>
+                        <a:rPr lang="ru-RU" sz="2800" u="none" strike="noStrike" dirty="0" smtClean="0">
+                          <a:effectLst/>
+                        </a:rPr>
+                        <a:t>6</a:t>
+                      </a:r>
+                      <a:endParaRPr lang="ru-RU" sz="2800" b="0" i="0" u="none" strike="noStrike" dirty="0">
+                        <a:solidFill>
+                          <a:srgbClr val="000000"/>
+                        </a:solidFill>
+                        <a:effectLst/>
+                        <a:latin typeface="Calibri"/>
+                      </a:endParaRPr>
+                    </a:p>
+                  </a:txBody>
+                  <a:tcPr marL="9525" marR="9525" marT="9525" marB="0" anchor="b">
+                    <a:solidFill>
+                      <a:schemeClr val="accent2">
+                        <a:lumMod val="40000"/>
+                        <a:lumOff val="60000"/>
+                      </a:schemeClr>
+                    </a:solidFill>
+                  </a:tcPr>
+                </a:tc>
+                <a:tc>
+                  <a:txBody>
+                    <a:bodyPr/>
+                    <a:lstStyle/>
+                    <a:p>
+                      <a:pPr algn="ctr" fontAlgn="b"/>
+                      <a:r>
+                        <a:rPr lang="ru-RU" sz="2800" u="none" strike="noStrike" dirty="0">
+                          <a:effectLst/>
+                        </a:rPr>
+                        <a:t> </a:t>
+                      </a:r>
+                      <a:r>
+                        <a:rPr lang="ru-RU" sz="2800" u="none" strike="noStrike" dirty="0" smtClean="0">
+                          <a:effectLst/>
+                        </a:rPr>
+                        <a:t>4</a:t>
+                      </a:r>
+                      <a:endParaRPr lang="ru-RU" sz="2800" b="0" i="0" u="none" strike="noStrike" dirty="0">
+                        <a:solidFill>
+                          <a:srgbClr val="000000"/>
+                        </a:solidFill>
+                        <a:effectLst/>
+                        <a:latin typeface="Calibri"/>
+                      </a:endParaRPr>
+                    </a:p>
+                  </a:txBody>
+                  <a:tcPr marL="9525" marR="9525" marT="9525" marB="0" anchor="b">
+                    <a:solidFill>
+                      <a:schemeClr val="accent2">
+                        <a:lumMod val="40000"/>
+                        <a:lumOff val="60000"/>
+                      </a:schemeClr>
+                    </a:solidFill>
+                  </a:tcPr>
+                </a:tc>
+              </a:tr>
+            </a:tbl>
+          </a:graphicData>
+        </a:graphic>
+      </p:graphicFrame>
+      <p:sp>
+        <p:nvSpPr>
+          <p:cNvPr id="6" name="Прямоугольник 5"/>
+          <p:cNvSpPr/>
+          <p:nvPr/>
+        </p:nvSpPr>
+        <p:spPr>
+          <a:xfrm>
+            <a:off x="9879225" y="1093030"/>
+            <a:ext cx="2225289" cy="369332"/>
+          </a:xfrm>
+          <a:prstGeom prst="rect">
+            <a:avLst/>
+          </a:prstGeom>
+        </p:spPr>
+        <p:txBody>
+          <a:bodyPr wrap="none">
+            <a:spAutoFit/>
+          </a:bodyPr>
+          <a:lstStyle/>
+          <a:p>
+            <a:r>
+              <a:rPr lang="en-US" dirty="0" smtClean="0"/>
+              <a:t>VX- </a:t>
+            </a:r>
+            <a:r>
+              <a:rPr lang="ru-RU" dirty="0" smtClean="0"/>
+              <a:t>скорость по х</a:t>
+            </a:r>
+            <a:endParaRPr lang="ru-RU" dirty="0"/>
+          </a:p>
+        </p:txBody>
+      </p:sp>
+      <p:sp>
+        <p:nvSpPr>
+          <p:cNvPr id="7" name="Прямоугольник 6"/>
+          <p:cNvSpPr/>
+          <p:nvPr/>
+        </p:nvSpPr>
+        <p:spPr>
+          <a:xfrm>
+            <a:off x="9879225" y="1622798"/>
+            <a:ext cx="2233304" cy="369332"/>
+          </a:xfrm>
+          <a:prstGeom prst="rect">
+            <a:avLst/>
+          </a:prstGeom>
+        </p:spPr>
+        <p:txBody>
+          <a:bodyPr wrap="none">
+            <a:spAutoFit/>
+          </a:bodyPr>
+          <a:lstStyle/>
+          <a:p>
+            <a:r>
+              <a:rPr lang="en-US" dirty="0" smtClean="0"/>
+              <a:t>V</a:t>
+            </a:r>
+            <a:r>
+              <a:rPr lang="en-US" dirty="0"/>
+              <a:t>Y</a:t>
+            </a:r>
+            <a:r>
+              <a:rPr lang="en-US" dirty="0" smtClean="0"/>
+              <a:t>- </a:t>
+            </a:r>
+            <a:r>
+              <a:rPr lang="ru-RU" dirty="0"/>
+              <a:t>скорость по </a:t>
+            </a:r>
+            <a:r>
+              <a:rPr lang="en-US" dirty="0" smtClean="0"/>
+              <a:t>y</a:t>
+            </a:r>
+            <a:endParaRPr lang="ru-RU" dirty="0"/>
+          </a:p>
+        </p:txBody>
+      </p:sp>
+      <p:sp>
+        <p:nvSpPr>
+          <p:cNvPr id="8" name="Прямоугольник 7"/>
+          <p:cNvSpPr/>
+          <p:nvPr/>
+        </p:nvSpPr>
+        <p:spPr>
+          <a:xfrm>
+            <a:off x="3777096" y="0"/>
+            <a:ext cx="4637808" cy="461665"/>
+          </a:xfrm>
+          <a:prstGeom prst="rect">
+            <a:avLst/>
+          </a:prstGeom>
+        </p:spPr>
+        <p:txBody>
+          <a:bodyPr wrap="none">
+            <a:spAutoFit/>
+          </a:bodyPr>
+          <a:lstStyle/>
+          <a:p>
+            <a:r>
+              <a:rPr lang="ru-RU" sz="2400" dirty="0" smtClean="0"/>
+              <a:t>Начальные условия шариков</a:t>
+            </a:r>
+            <a:endParaRPr lang="ru-RU" sz="2400" dirty="0"/>
+          </a:p>
+        </p:txBody>
+      </p:sp>
+    </p:spTree>
+    <p:extLst>
+      <p:ext uri="{BB962C8B-B14F-4D97-AF65-F5344CB8AC3E}">
+        <p14:creationId xmlns:p14="http://schemas.microsoft.com/office/powerpoint/2010/main" val="2685686295"/>
+      </p:ext>
+    </p:extLst>
+  </p:cSld>
+  <p:clrMapOvr>
+    <a:masterClrMapping/>
+  </p:clrMapOvr>
+</p:sld>
+</file>
+
+<file path=ppt/slides/slide6.xml><?xml version="1.0" encoding="utf-8"?>
+<p:sld xmlns:a="http://schemas.openxmlformats.org/drawingml/2006/main" xmlns:r="http://schemas.openxmlformats.org/officeDocument/2006/relationships" xmlns:p="http://schemas.openxmlformats.org/presentationml/2006/main">
+  <p:cSld>
+    <p:spTree>
+      <p:nvGrpSpPr>
+        <p:cNvPr id="1" name=""/>
+        <p:cNvGrpSpPr/>
+        <p:nvPr/>
+      </p:nvGrpSpPr>
+      <p:grpSpPr>
+        <a:xfrm>
+          <a:off x="0" y="0"/>
+          <a:ext cx="0" cy="0"/>
+          <a:chOff x="0" y="0"/>
+          <a:chExt cx="0" cy="0"/>
+        </a:xfrm>
+      </p:grpSpPr>
+      <p:sp>
+        <p:nvSpPr>
+          <p:cNvPr id="2" name="Прямоугольник 1"/>
+          <p:cNvSpPr/>
+          <p:nvPr/>
+        </p:nvSpPr>
+        <p:spPr>
+          <a:xfrm>
             <a:off x="1024128" y="1799856"/>
             <a:ext cx="8485632" cy="4093428"/>
           </a:xfrm>
@@ -8666,7 +10595,7 @@
 </p:sld>
 </file>
 
-<file path=ppt/slides/slide6.xml><?xml version="1.0" encoding="utf-8"?>
+<file path=ppt/slides/slide7.xml><?xml version="1.0" encoding="utf-8"?>
 <p:sld xmlns:a="http://schemas.openxmlformats.org/drawingml/2006/main" xmlns:r="http://schemas.openxmlformats.org/officeDocument/2006/relationships" xmlns:p="http://schemas.openxmlformats.org/presentationml/2006/main">
   <p:cSld>
     <p:spTree>
@@ -8979,7 +10908,7 @@
 </p:sld>
 </file>
 
-<file path=ppt/slides/slide7.xml><?xml version="1.0" encoding="utf-8"?>
+<file path=ppt/slides/slide8.xml><?xml version="1.0" encoding="utf-8"?>
 <p:sld xmlns:a="http://schemas.openxmlformats.org/drawingml/2006/main" xmlns:r="http://schemas.openxmlformats.org/officeDocument/2006/relationships" xmlns:p="http://schemas.openxmlformats.org/presentationml/2006/main">
   <p:cSld>
     <p:spTree>

--- a/презентация 2.pptx
+++ b/презентация 2.pptx
@@ -12,7 +12,8 @@
     <p:sldId id="265" r:id="rId6"/>
     <p:sldId id="264" r:id="rId7"/>
     <p:sldId id="263" r:id="rId8"/>
-    <p:sldId id="262" r:id="rId9"/>
+    <p:sldId id="266" r:id="rId9"/>
+    <p:sldId id="262" r:id="rId10"/>
   </p:sldIdLst>
   <p:sldSz cx="12192000" cy="6858000"/>
   <p:notesSz cx="6858000" cy="9144000"/>
@@ -7957,7 +7958,19 @@
           <a:p>
             <a:r>
               <a:rPr lang="ru-RU" dirty="0" smtClean="0"/>
-              <a:t>3. Найти начальные условия</a:t>
+              <a:t>3. </a:t>
+            </a:r>
+            <a:r>
+              <a:rPr lang="ru-RU" dirty="0" smtClean="0"/>
+              <a:t>Изучить </a:t>
+            </a:r>
+            <a:r>
+              <a:rPr lang="ru-RU" dirty="0" err="1" smtClean="0"/>
+              <a:t>дифференсальные</a:t>
+            </a:r>
+            <a:r>
+              <a:rPr lang="ru-RU" dirty="0" smtClean="0"/>
+              <a:t> уравнения</a:t>
             </a:r>
             <a:endParaRPr lang="ru-RU" dirty="0"/>
           </a:p>
@@ -8000,81 +8013,288 @@
           <a:chExt cx="0" cy="0"/>
         </a:xfrm>
       </p:grpSpPr>
-      <p:sp>
-        <p:nvSpPr>
-          <p:cNvPr id="2" name="Прямоугольник 1"/>
-          <p:cNvSpPr/>
-          <p:nvPr/>
-        </p:nvSpPr>
-        <p:spPr>
-          <a:xfrm>
-            <a:off x="1334530" y="1396476"/>
-            <a:ext cx="8138984" cy="3293209"/>
-          </a:xfrm>
-          <a:prstGeom prst="rect">
-            <a:avLst/>
-          </a:prstGeom>
-        </p:spPr>
-        <p:txBody>
-          <a:bodyPr wrap="square">
-            <a:spAutoFit/>
-          </a:bodyPr>
-          <a:lstStyle/>
-          <a:p>
-            <a:r>
-              <a:rPr lang="ru-RU" sz="2400" dirty="0" smtClean="0"/>
-              <a:t>Движение частиц в пространстве </a:t>
-            </a:r>
-            <a:r>
-              <a:rPr lang="ru-RU" sz="2400" dirty="0"/>
-              <a:t>описывается </a:t>
-            </a:r>
-            <a:r>
-              <a:rPr lang="ru-RU" sz="2400" dirty="0" err="1"/>
-              <a:t>дифференсальными</a:t>
-            </a:r>
-            <a:r>
-              <a:rPr lang="ru-RU" sz="2400" dirty="0"/>
-              <a:t> </a:t>
-            </a:r>
-            <a:r>
-              <a:rPr lang="ru-RU" sz="2400" dirty="0" smtClean="0"/>
-              <a:t>уравнениями:</a:t>
-            </a:r>
-          </a:p>
-          <a:p>
-            <a:r>
-              <a:rPr lang="da-DK" sz="3200" dirty="0"/>
-              <a:t>dxdt = v_x</a:t>
-            </a:r>
-          </a:p>
-          <a:p>
-            <a:r>
-              <a:rPr lang="da-DK" sz="3200" dirty="0"/>
-              <a:t>dv_xdt = 0</a:t>
-            </a:r>
-          </a:p>
-          <a:p>
-            <a:r>
-              <a:rPr lang="da-DK" sz="3200" dirty="0"/>
-              <a:t/>
-            </a:r>
-            <a:br>
-              <a:rPr lang="da-DK" sz="3200" dirty="0"/>
-            </a:br>
-            <a:r>
-              <a:rPr lang="da-DK" sz="3200" dirty="0"/>
-              <a:t>dydt = v_y</a:t>
-            </a:r>
-          </a:p>
-          <a:p>
-            <a:r>
-              <a:rPr lang="da-DK" sz="3200" dirty="0"/>
-              <a:t>dv_ydt = 0</a:t>
-            </a:r>
-          </a:p>
-        </p:txBody>
-      </p:sp>
+      <mc:AlternateContent xmlns:mc="http://schemas.openxmlformats.org/markup-compatibility/2006">
+        <mc:Choice xmlns:a14="http://schemas.microsoft.com/office/drawing/2010/main" Requires="a14">
+          <p:sp>
+            <p:nvSpPr>
+              <p:cNvPr id="2" name="Прямоугольник 1"/>
+              <p:cNvSpPr/>
+              <p:nvPr/>
+            </p:nvSpPr>
+            <p:spPr>
+              <a:xfrm>
+                <a:off x="1334530" y="1396476"/>
+                <a:ext cx="8138984" cy="4160626"/>
+              </a:xfrm>
+              <a:prstGeom prst="rect">
+                <a:avLst/>
+              </a:prstGeom>
+            </p:spPr>
+            <p:txBody>
+              <a:bodyPr wrap="square">
+                <a:spAutoFit/>
+              </a:bodyPr>
+              <a:lstStyle/>
+              <a:p>
+                <a:r>
+                  <a:rPr lang="ru-RU" sz="2400" dirty="0" smtClean="0"/>
+                  <a:t>Движение частиц в пространстве </a:t>
+                </a:r>
+                <a:r>
+                  <a:rPr lang="ru-RU" sz="2400" dirty="0"/>
+                  <a:t>описывается </a:t>
+                </a:r>
+                <a:r>
+                  <a:rPr lang="ru-RU" sz="2400" dirty="0" err="1"/>
+                  <a:t>дифференсальными</a:t>
+                </a:r>
+                <a:r>
+                  <a:rPr lang="ru-RU" sz="2400" dirty="0"/>
+                  <a:t> </a:t>
+                </a:r>
+                <a:r>
+                  <a:rPr lang="ru-RU" sz="2400" dirty="0" smtClean="0"/>
+                  <a:t>уравнениями</a:t>
+                </a:r>
+                <a:r>
+                  <a:rPr lang="ru-RU" sz="2400" dirty="0" smtClean="0"/>
+                  <a:t>:</a:t>
+                </a:r>
+              </a:p>
+              <a:p>
+                <a14:m>
+                  <m:oMath xmlns:m="http://schemas.openxmlformats.org/officeDocument/2006/math">
+                    <m:f>
+                      <m:fPr>
+                        <m:ctrlPr>
+                          <a:rPr lang="da-DK" sz="3200" i="1">
+                            <a:latin typeface="Cambria Math"/>
+                          </a:rPr>
+                        </m:ctrlPr>
+                      </m:fPr>
+                      <m:num>
+                        <m:r>
+                          <a:rPr lang="en-US" sz="3200" i="1">
+                            <a:latin typeface="Cambria Math"/>
+                          </a:rPr>
+                          <m:t>𝑑𝑥</m:t>
+                        </m:r>
+                      </m:num>
+                      <m:den>
+                        <m:r>
+                          <a:rPr lang="en-US" sz="3200" i="1">
+                            <a:latin typeface="Cambria Math"/>
+                          </a:rPr>
+                          <m:t>𝑑𝑡</m:t>
+                        </m:r>
+                      </m:den>
+                    </m:f>
+                  </m:oMath>
+                </a14:m>
+                <a:r>
+                  <a:rPr lang="da-DK" sz="3200" dirty="0"/>
+                  <a:t>=</a:t>
+                </a:r>
+                <a:r>
+                  <a:rPr lang="da-DK" sz="3200" dirty="0" smtClean="0"/>
+                  <a:t>v_x</a:t>
+                </a:r>
+                <a:endParaRPr lang="da-DK" sz="3200" i="1" dirty="0">
+                  <a:latin typeface="Cambria Math"/>
+                </a:endParaRPr>
+              </a:p>
+              <a:p>
+                <a14:m>
+                  <m:oMath xmlns:m="http://schemas.openxmlformats.org/officeDocument/2006/math">
+                    <m:f>
+                      <m:fPr>
+                        <m:ctrlPr>
+                          <a:rPr lang="da-DK" sz="3200" i="1" smtClean="0">
+                            <a:latin typeface="Cambria Math"/>
+                          </a:rPr>
+                        </m:ctrlPr>
+                      </m:fPr>
+                      <m:num>
+                        <m:r>
+                          <a:rPr lang="en-US" sz="3200" b="0" i="1" smtClean="0">
+                            <a:latin typeface="Cambria Math"/>
+                          </a:rPr>
+                          <m:t>𝑑𝑣</m:t>
+                        </m:r>
+                        <m:r>
+                          <a:rPr lang="en-US" sz="3200" b="0" i="1" smtClean="0">
+                            <a:latin typeface="Cambria Math"/>
+                          </a:rPr>
+                          <m:t>_</m:t>
+                        </m:r>
+                        <m:r>
+                          <a:rPr lang="en-US" sz="3200" b="0" i="1" smtClean="0">
+                            <a:latin typeface="Cambria Math"/>
+                          </a:rPr>
+                          <m:t>𝑥</m:t>
+                        </m:r>
+                      </m:num>
+                      <m:den>
+                        <m:r>
+                          <a:rPr lang="en-US" sz="3200" b="0" i="1" smtClean="0">
+                            <a:latin typeface="Cambria Math"/>
+                          </a:rPr>
+                          <m:t>𝑑𝑡</m:t>
+                        </m:r>
+                      </m:den>
+                    </m:f>
+                  </m:oMath>
+                </a14:m>
+                <a:r>
+                  <a:rPr lang="da-DK" sz="3200" dirty="0" smtClean="0"/>
+                  <a:t>=0</a:t>
+                </a:r>
+              </a:p>
+              <a:p>
+                <a:r>
+                  <a:rPr lang="da-DK" sz="3200" dirty="0" smtClean="0"/>
+                  <a:t/>
+                </a:r>
+                <a:br>
+                  <a:rPr lang="da-DK" sz="3200" dirty="0" smtClean="0"/>
+                </a:br>
+                <a14:m>
+                  <m:oMath xmlns:m="http://schemas.openxmlformats.org/officeDocument/2006/math">
+                    <m:f>
+                      <m:fPr>
+                        <m:ctrlPr>
+                          <a:rPr lang="da-DK" sz="3200" i="1">
+                            <a:latin typeface="Cambria Math"/>
+                          </a:rPr>
+                        </m:ctrlPr>
+                      </m:fPr>
+                      <m:num>
+                        <m:r>
+                          <a:rPr lang="en-US" sz="3200" i="1">
+                            <a:latin typeface="Cambria Math"/>
+                          </a:rPr>
+                          <m:t>𝑑</m:t>
+                        </m:r>
+                        <m:r>
+                          <a:rPr lang="en-US" sz="3200" b="0" i="1" smtClean="0">
+                            <a:latin typeface="Cambria Math"/>
+                          </a:rPr>
+                          <m:t>𝑦</m:t>
+                        </m:r>
+                      </m:num>
+                      <m:den>
+                        <m:r>
+                          <a:rPr lang="en-US" sz="3200" i="1">
+                            <a:latin typeface="Cambria Math"/>
+                          </a:rPr>
+                          <m:t>𝑑𝑡</m:t>
+                        </m:r>
+                      </m:den>
+                    </m:f>
+                  </m:oMath>
+                </a14:m>
+                <a:r>
+                  <a:rPr lang="da-DK" sz="3200" dirty="0"/>
+                  <a:t>=</a:t>
+                </a:r>
+                <a:r>
+                  <a:rPr lang="da-DK" sz="3200" dirty="0" smtClean="0"/>
+                  <a:t>v_y</a:t>
+                </a:r>
+                <a:endParaRPr lang="en-US" sz="3200" i="1" dirty="0">
+                  <a:latin typeface="Cambria Math"/>
+                </a:endParaRPr>
+              </a:p>
+              <a:p>
+                <a14:m>
+                  <m:oMath xmlns:m="http://schemas.openxmlformats.org/officeDocument/2006/math">
+                    <m:f>
+                      <m:fPr>
+                        <m:ctrlPr>
+                          <a:rPr lang="da-DK" sz="3200" i="1">
+                            <a:latin typeface="Cambria Math"/>
+                          </a:rPr>
+                        </m:ctrlPr>
+                      </m:fPr>
+                      <m:num>
+                        <m:r>
+                          <a:rPr lang="en-US" sz="3200" i="1">
+                            <a:latin typeface="Cambria Math"/>
+                          </a:rPr>
+                          <m:t>𝑑𝑣</m:t>
+                        </m:r>
+                        <m:r>
+                          <a:rPr lang="en-US" sz="3200" i="1">
+                            <a:latin typeface="Cambria Math"/>
+                          </a:rPr>
+                          <m:t>_</m:t>
+                        </m:r>
+                        <m:r>
+                          <a:rPr lang="en-US" sz="3200" b="0" i="1" smtClean="0">
+                            <a:latin typeface="Cambria Math"/>
+                          </a:rPr>
+                          <m:t>𝑦</m:t>
+                        </m:r>
+                      </m:num>
+                      <m:den>
+                        <m:r>
+                          <a:rPr lang="en-US" sz="3200" i="1">
+                            <a:latin typeface="Cambria Math"/>
+                          </a:rPr>
+                          <m:t>𝑑𝑡</m:t>
+                        </m:r>
+                      </m:den>
+                    </m:f>
+                  </m:oMath>
+                </a14:m>
+                <a:r>
+                  <a:rPr lang="da-DK" sz="3200" dirty="0" smtClean="0"/>
+                  <a:t>=-g</a:t>
+                </a:r>
+                <a:endParaRPr lang="da-DK" sz="3200" dirty="0"/>
+              </a:p>
+            </p:txBody>
+          </p:sp>
+        </mc:Choice>
+        <mc:Fallback>
+          <p:sp>
+            <p:nvSpPr>
+              <p:cNvPr id="2" name="Прямоугольник 1"/>
+              <p:cNvSpPr>
+                <a:spLocks noRot="1" noChangeAspect="1" noMove="1" noResize="1" noEditPoints="1" noAdjustHandles="1" noChangeArrowheads="1" noChangeShapeType="1" noTextEdit="1"/>
+              </p:cNvSpPr>
+              <p:nvPr/>
+            </p:nvSpPr>
+            <p:spPr>
+              <a:xfrm>
+                <a:off x="1334530" y="1396476"/>
+                <a:ext cx="8138984" cy="4160626"/>
+              </a:xfrm>
+              <a:prstGeom prst="rect">
+                <a:avLst/>
+              </a:prstGeom>
+              <a:blipFill rotWithShape="1">
+                <a:blip r:embed="rId2"/>
+                <a:stretch>
+                  <a:fillRect l="-1199" t="-1171" b="-1025"/>
+                </a:stretch>
+              </a:blipFill>
+            </p:spPr>
+            <p:txBody>
+              <a:bodyPr/>
+              <a:lstStyle/>
+              <a:p>
+                <a:r>
+                  <a:rPr lang="ru-RU">
+                    <a:noFill/>
+                  </a:rPr>
+                  <a:t> </a:t>
+                </a:r>
+              </a:p>
+            </p:txBody>
+          </p:sp>
+        </mc:Fallback>
+      </mc:AlternateContent>
     </p:spTree>
     <p:extLst>
       <p:ext uri="{BB962C8B-B14F-4D97-AF65-F5344CB8AC3E}">
@@ -8121,7 +8341,7 @@
         <p:spPr>
           <a:xfrm>
             <a:off x="1368798" y="1426340"/>
-            <a:ext cx="10920738" cy="4832092"/>
+            <a:ext cx="10920738" cy="3970318"/>
           </a:xfrm>
           <a:prstGeom prst="rect">
             <a:avLst/>
@@ -8221,43 +8441,6 @@
             <a:r>
               <a:rPr lang="ru-RU" sz="2800" dirty="0" smtClean="0"/>
               <a:t>коробки</a:t>
-            </a:r>
-            <a:r>
-              <a:rPr lang="ru-RU" sz="2800" dirty="0"/>
-              <a:t/>
-            </a:r>
-            <a:br>
-              <a:rPr lang="ru-RU" sz="2800" dirty="0"/>
-            </a:br>
-            <a:r>
-              <a:rPr lang="ru-RU" sz="2800" dirty="0"/>
-              <a:t>K = </a:t>
-            </a:r>
-            <a:r>
-              <a:rPr lang="ru-RU" sz="2800" dirty="0" smtClean="0"/>
-              <a:t>1 </a:t>
-            </a:r>
-            <a:r>
-              <a:rPr lang="ru-RU" sz="2800" dirty="0"/>
-              <a:t>Коэффициент столкновений между шариками</a:t>
-            </a:r>
-          </a:p>
-          <a:p>
-            <a:r>
-              <a:rPr lang="ru-RU" sz="2800" dirty="0"/>
-              <a:t>K1 = </a:t>
-            </a:r>
-            <a:r>
-              <a:rPr lang="ru-RU" sz="2800" dirty="0" smtClean="0"/>
-              <a:t>1 </a:t>
-            </a:r>
-            <a:r>
-              <a:rPr lang="ru-RU" sz="2800" dirty="0"/>
-              <a:t>Коэффициент столкновений со </a:t>
-            </a:r>
-            <a:r>
-              <a:rPr lang="ru-RU" sz="2800" dirty="0" smtClean="0"/>
-              <a:t>стенками</a:t>
             </a:r>
             <a:r>
               <a:rPr lang="ru-RU" sz="2800" dirty="0"/>
@@ -10313,8 +10496,8 @@
         </p:nvSpPr>
         <p:spPr>
           <a:xfrm>
-            <a:off x="1024128" y="1799856"/>
-            <a:ext cx="8485632" cy="4093428"/>
+            <a:off x="2342201" y="1324368"/>
+            <a:ext cx="8485632" cy="707886"/>
           </a:xfrm>
           <a:prstGeom prst="rect">
             <a:avLst/>
@@ -10328,221 +10511,19 @@
           <a:p>
             <a:r>
               <a:rPr lang="ru-RU" sz="2000" dirty="0" smtClean="0"/>
-              <a:t>        # </a:t>
+              <a:t>        </a:t>
+            </a:r>
+            <a:r>
+              <a:rPr lang="ru-RU" sz="2000" dirty="0" smtClean="0"/>
+              <a:t>Пересчет  компонентов </a:t>
             </a:r>
             <a:r>
               <a:rPr lang="ru-RU" sz="2000" dirty="0"/>
-              <a:t>Пересчет  </a:t>
-            </a:r>
-            <a:r>
-              <a:rPr lang="en-US" sz="2000" dirty="0"/>
-              <a:t>x-</a:t>
-            </a:r>
-            <a:r>
-              <a:rPr lang="ru-RU" sz="2000" dirty="0"/>
-              <a:t>компоненты скорости первой частицы</a:t>
-            </a:r>
-          </a:p>
-          <a:p>
-            <a:r>
-              <a:rPr lang="ru-RU" sz="2000" dirty="0"/>
-              <a:t>        </a:t>
-            </a:r>
-            <a:r>
-              <a:rPr lang="en-US" sz="2000" dirty="0"/>
-              <a:t>VX1 = v1 * </a:t>
-            </a:r>
-            <a:r>
-              <a:rPr lang="en-US" sz="2000" dirty="0" err="1"/>
-              <a:t>np.cos</a:t>
-            </a:r>
-            <a:r>
-              <a:rPr lang="en-US" sz="2000" dirty="0"/>
-              <a:t>(theta1 - phi) * (mass1 - K * mass2) \</a:t>
-            </a:r>
-          </a:p>
-          <a:p>
-            <a:r>
-              <a:rPr lang="en-US" sz="2000" dirty="0"/>
-              <a:t>        * </a:t>
-            </a:r>
-            <a:r>
-              <a:rPr lang="en-US" sz="2000" dirty="0" err="1"/>
-              <a:t>np.cos</a:t>
-            </a:r>
-            <a:r>
-              <a:rPr lang="en-US" sz="2000" dirty="0"/>
-              <a:t>(phi) / (mass1 + mass2)\</a:t>
-            </a:r>
-          </a:p>
-          <a:p>
-            <a:r>
-              <a:rPr lang="en-US" sz="2000" dirty="0"/>
-              <a:t>        + ((1 + K) * mass2 * v2 * </a:t>
-            </a:r>
-            <a:r>
-              <a:rPr lang="en-US" sz="2000" dirty="0" err="1"/>
-              <a:t>np.cos</a:t>
-            </a:r>
-            <a:r>
-              <a:rPr lang="en-US" sz="2000" dirty="0"/>
-              <a:t>(theta2 - phi))\</a:t>
-            </a:r>
-          </a:p>
-          <a:p>
-            <a:r>
-              <a:rPr lang="en-US" sz="2000" dirty="0"/>
-              <a:t>        * </a:t>
-            </a:r>
-            <a:r>
-              <a:rPr lang="en-US" sz="2000" dirty="0" err="1"/>
-              <a:t>np.cos</a:t>
-            </a:r>
-            <a:r>
-              <a:rPr lang="en-US" sz="2000" dirty="0"/>
-              <a:t>(phi) / (mass1 + mass2)\</a:t>
-            </a:r>
-          </a:p>
-          <a:p>
-            <a:r>
-              <a:rPr lang="en-US" sz="2000" dirty="0"/>
-              <a:t>        + K * v1 * </a:t>
-            </a:r>
-            <a:r>
-              <a:rPr lang="en-US" sz="2000" dirty="0" err="1"/>
-              <a:t>np.sin</a:t>
-            </a:r>
-            <a:r>
-              <a:rPr lang="en-US" sz="2000" dirty="0"/>
-              <a:t>(theta1 - phi) * </a:t>
-            </a:r>
-            <a:r>
-              <a:rPr lang="en-US" sz="2000" dirty="0" err="1"/>
-              <a:t>np.cos</a:t>
-            </a:r>
-            <a:r>
-              <a:rPr lang="en-US" sz="2000" dirty="0"/>
-              <a:t>(phi + </a:t>
-            </a:r>
-            <a:r>
-              <a:rPr lang="en-US" sz="2000" dirty="0" err="1"/>
-              <a:t>np.pi</a:t>
-            </a:r>
-            <a:r>
-              <a:rPr lang="en-US" sz="2000" dirty="0"/>
-              <a:t> / 2)</a:t>
+              <a:t>скорости первой частицы</a:t>
             </a:r>
           </a:p>
           <a:p>
             <a:endParaRPr lang="en-US" sz="2000" dirty="0"/>
-          </a:p>
-          <a:p>
-            <a:r>
-              <a:rPr lang="en-US" sz="2000" dirty="0"/>
-              <a:t>        # </a:t>
-            </a:r>
-            <a:r>
-              <a:rPr lang="ru-RU" sz="2000" dirty="0"/>
-              <a:t>Пересчет </a:t>
-            </a:r>
-            <a:r>
-              <a:rPr lang="en-US" sz="2000" dirty="0"/>
-              <a:t>y-</a:t>
-            </a:r>
-            <a:r>
-              <a:rPr lang="ru-RU" sz="2000" dirty="0"/>
-              <a:t>компоненты скорости первой частицы</a:t>
-            </a:r>
-          </a:p>
-          <a:p>
-            <a:r>
-              <a:rPr lang="ru-RU" sz="2000" dirty="0"/>
-              <a:t>        </a:t>
-            </a:r>
-            <a:r>
-              <a:rPr lang="en-US" sz="2000" dirty="0"/>
-              <a:t>VY1 = v1 * </a:t>
-            </a:r>
-            <a:r>
-              <a:rPr lang="en-US" sz="2000" dirty="0" err="1"/>
-              <a:t>np.cos</a:t>
-            </a:r>
-            <a:r>
-              <a:rPr lang="en-US" sz="2000" dirty="0"/>
-              <a:t>(theta1 - phi) * (mass1 - K * mass2) \</a:t>
-            </a:r>
-          </a:p>
-          <a:p>
-            <a:r>
-              <a:rPr lang="en-US" sz="2000" dirty="0"/>
-              <a:t>        * </a:t>
-            </a:r>
-            <a:r>
-              <a:rPr lang="en-US" sz="2000" dirty="0" err="1"/>
-              <a:t>np.sin</a:t>
-            </a:r>
-            <a:r>
-              <a:rPr lang="en-US" sz="2000" dirty="0"/>
-              <a:t>(phi) / (mass1 + mass2) \</a:t>
-            </a:r>
-          </a:p>
-          <a:p>
-            <a:r>
-              <a:rPr lang="en-US" sz="2000" dirty="0"/>
-              <a:t>        + ((1 + K) * mass2 * v2 * </a:t>
-            </a:r>
-            <a:r>
-              <a:rPr lang="en-US" sz="2000" dirty="0" err="1"/>
-              <a:t>np.cos</a:t>
-            </a:r>
-            <a:r>
-              <a:rPr lang="en-US" sz="2000" dirty="0"/>
-              <a:t>(theta2 - phi)) \</a:t>
-            </a:r>
-          </a:p>
-          <a:p>
-            <a:r>
-              <a:rPr lang="en-US" sz="2000" dirty="0"/>
-              <a:t>        * </a:t>
-            </a:r>
-            <a:r>
-              <a:rPr lang="en-US" sz="2000" dirty="0" err="1"/>
-              <a:t>np.sin</a:t>
-            </a:r>
-            <a:r>
-              <a:rPr lang="en-US" sz="2000" dirty="0"/>
-              <a:t>(phi) / (mass1 + mass2) \</a:t>
-            </a:r>
-          </a:p>
-          <a:p>
-            <a:r>
-              <a:rPr lang="en-US" sz="2000" dirty="0"/>
-              <a:t>        + K * v1 * </a:t>
-            </a:r>
-            <a:r>
-              <a:rPr lang="en-US" sz="2000" dirty="0" err="1"/>
-              <a:t>np.sin</a:t>
-            </a:r>
-            <a:r>
-              <a:rPr lang="en-US" sz="2000" dirty="0"/>
-              <a:t>(theta1 - phi) * </a:t>
-            </a:r>
-            <a:r>
-              <a:rPr lang="en-US" sz="2000" dirty="0" err="1"/>
-              <a:t>np.sin</a:t>
-            </a:r>
-            <a:r>
-              <a:rPr lang="en-US" sz="2000" dirty="0"/>
-              <a:t>(phi + </a:t>
-            </a:r>
-            <a:r>
-              <a:rPr lang="en-US" sz="2000" dirty="0" err="1"/>
-              <a:t>np.pi</a:t>
-            </a:r>
-            <a:r>
-              <a:rPr lang="en-US" sz="2000" dirty="0"/>
-              <a:t> / 2)</a:t>
-            </a:r>
           </a:p>
         </p:txBody>
       </p:sp>
@@ -10554,7 +10535,7 @@
         </p:nvSpPr>
         <p:spPr>
           <a:xfrm>
-            <a:off x="4303776" y="580656"/>
+            <a:off x="5242560" y="313889"/>
             <a:ext cx="6096000" cy="646331"/>
           </a:xfrm>
           <a:prstGeom prst="rect">
@@ -10575,6 +10556,47 @@
           </a:p>
         </p:txBody>
       </p:sp>
+      <p:pic>
+        <p:nvPicPr>
+          <p:cNvPr id="3074" name="Picture 2" descr="C:\Users\ABaigashov\Desktop\Снимок.PNG"/>
+          <p:cNvPicPr>
+            <a:picLocks noChangeAspect="1" noChangeArrowheads="1"/>
+          </p:cNvPicPr>
+          <p:nvPr/>
+        </p:nvPicPr>
+        <p:blipFill>
+          <a:blip r:embed="rId2">
+            <a:extLst>
+              <a:ext uri="{28A0092B-C50C-407E-A947-70E740481C1C}">
+                <a14:useLocalDpi xmlns:a14="http://schemas.microsoft.com/office/drawing/2010/main" val="0"/>
+              </a:ext>
+            </a:extLst>
+          </a:blip>
+          <a:srcRect/>
+          <a:stretch>
+            <a:fillRect/>
+          </a:stretch>
+        </p:blipFill>
+        <p:spPr bwMode="auto">
+          <a:xfrm>
+            <a:off x="3014099" y="2145793"/>
+            <a:ext cx="7141837" cy="3272790"/>
+          </a:xfrm>
+          <a:prstGeom prst="rect">
+            <a:avLst/>
+          </a:prstGeom>
+          <a:noFill/>
+          <a:extLst>
+            <a:ext uri="{909E8E84-426E-40DD-AFC4-6F175D3DCCD1}">
+              <a14:hiddenFill xmlns:a14="http://schemas.microsoft.com/office/drawing/2010/main">
+                <a:solidFill>
+                  <a:srgbClr val="FFFFFF"/>
+                </a:solidFill>
+              </a14:hiddenFill>
+            </a:ext>
+          </a:extLst>
+        </p:spPr>
+      </p:pic>
     </p:spTree>
     <p:extLst>
       <p:ext uri="{BB962C8B-B14F-4D97-AF65-F5344CB8AC3E}">
@@ -10620,8 +10642,8 @@
         </p:nvSpPr>
         <p:spPr>
           <a:xfrm>
-            <a:off x="1255776" y="1322761"/>
-            <a:ext cx="10460736" cy="4370427"/>
+            <a:off x="3226435" y="1330572"/>
+            <a:ext cx="10460736" cy="369332"/>
           </a:xfrm>
           <a:prstGeom prst="rect">
             <a:avLst/>
@@ -10633,230 +10655,15 @@
           </a:bodyPr>
           <a:lstStyle/>
           <a:p>
-            <a:endParaRPr lang="en-US" dirty="0" smtClean="0"/>
-          </a:p>
-          <a:p>
-            <a:r>
-              <a:rPr lang="en-US" sz="2000" dirty="0" smtClean="0"/>
-              <a:t>        </a:t>
-            </a:r>
-            <a:r>
-              <a:rPr lang="en-US" sz="2000" dirty="0"/>
-              <a:t># </a:t>
-            </a:r>
-            <a:r>
-              <a:rPr lang="ru-RU" sz="2000" dirty="0"/>
-              <a:t>Пересчет </a:t>
-            </a:r>
-            <a:r>
-              <a:rPr lang="en-US" sz="2000" dirty="0"/>
-              <a:t>x-</a:t>
-            </a:r>
-            <a:r>
-              <a:rPr lang="ru-RU" sz="2000" dirty="0"/>
-              <a:t>компоненты скорости второй частицы</a:t>
-            </a:r>
-          </a:p>
-          <a:p>
-            <a:r>
-              <a:rPr lang="ru-RU" sz="2000" dirty="0"/>
-              <a:t>        </a:t>
-            </a:r>
-            <a:r>
-              <a:rPr lang="en-US" sz="2000" dirty="0"/>
-              <a:t>VX2 = v2 * </a:t>
-            </a:r>
-            <a:r>
-              <a:rPr lang="en-US" sz="2000" dirty="0" err="1"/>
-              <a:t>np.cos</a:t>
-            </a:r>
-            <a:r>
-              <a:rPr lang="en-US" sz="2000" dirty="0"/>
-              <a:t>(theta2 - phi) * (mass2 - K * mass1) \</a:t>
-            </a:r>
-          </a:p>
-          <a:p>
-            <a:r>
-              <a:rPr lang="en-US" sz="2000" dirty="0"/>
-              <a:t>        * </a:t>
-            </a:r>
-            <a:r>
-              <a:rPr lang="en-US" sz="2000" dirty="0" err="1"/>
-              <a:t>np.cos</a:t>
-            </a:r>
-            <a:r>
-              <a:rPr lang="en-US" sz="2000" dirty="0"/>
-              <a:t>(phi) / (mass1 + mass2)\</a:t>
-            </a:r>
-          </a:p>
-          <a:p>
-            <a:r>
-              <a:rPr lang="en-US" sz="2000" dirty="0"/>
-              <a:t>        + ((1 + K) * mass1 * v1 * </a:t>
-            </a:r>
-            <a:r>
-              <a:rPr lang="en-US" sz="2000" dirty="0" err="1"/>
-              <a:t>np.cos</a:t>
-            </a:r>
-            <a:r>
-              <a:rPr lang="en-US" sz="2000" dirty="0"/>
-              <a:t>(theta1 - phi)) \</a:t>
-            </a:r>
-          </a:p>
-          <a:p>
-            <a:r>
-              <a:rPr lang="en-US" sz="2000" dirty="0"/>
-              <a:t>        * </a:t>
-            </a:r>
-            <a:r>
-              <a:rPr lang="en-US" sz="2000" dirty="0" err="1"/>
-              <a:t>np.cos</a:t>
-            </a:r>
-            <a:r>
-              <a:rPr lang="en-US" sz="2000" dirty="0"/>
-              <a:t>(phi) / (mass1 + mass2)\</a:t>
-            </a:r>
-          </a:p>
-          <a:p>
-            <a:r>
-              <a:rPr lang="en-US" sz="2000" dirty="0"/>
-              <a:t>        + K * v2 * </a:t>
-            </a:r>
-            <a:r>
-              <a:rPr lang="en-US" sz="2000" dirty="0" err="1"/>
-              <a:t>np.sin</a:t>
-            </a:r>
-            <a:r>
-              <a:rPr lang="en-US" sz="2000" dirty="0"/>
-              <a:t>(theta2 - phi) * </a:t>
-            </a:r>
-            <a:r>
-              <a:rPr lang="en-US" sz="2000" dirty="0" err="1"/>
-              <a:t>np.cos</a:t>
-            </a:r>
-            <a:r>
-              <a:rPr lang="en-US" sz="2000" dirty="0"/>
-              <a:t>(phi + </a:t>
-            </a:r>
-            <a:r>
-              <a:rPr lang="en-US" sz="2000" dirty="0" err="1"/>
-              <a:t>np.pi</a:t>
-            </a:r>
-            <a:r>
-              <a:rPr lang="en-US" sz="2000" dirty="0"/>
-              <a:t> / 2)</a:t>
-            </a:r>
-          </a:p>
-          <a:p>
-            <a:endParaRPr lang="en-US" sz="2000" dirty="0"/>
-          </a:p>
-          <a:p>
-            <a:r>
-              <a:rPr lang="en-US" sz="2000" dirty="0"/>
-              <a:t>        # </a:t>
-            </a:r>
-            <a:r>
-              <a:rPr lang="ru-RU" sz="2000" dirty="0"/>
-              <a:t>Пересчет </a:t>
-            </a:r>
-            <a:r>
-              <a:rPr lang="en-US" sz="2000" dirty="0"/>
-              <a:t>y-</a:t>
-            </a:r>
-            <a:r>
-              <a:rPr lang="ru-RU" sz="2000" dirty="0"/>
-              <a:t>компоненты скорости второй частицы</a:t>
-            </a:r>
-          </a:p>
-          <a:p>
-            <a:r>
-              <a:rPr lang="ru-RU" sz="2000" dirty="0"/>
-              <a:t>        </a:t>
-            </a:r>
-            <a:r>
-              <a:rPr lang="en-US" sz="2000" dirty="0"/>
-              <a:t>VY2 = v2 * </a:t>
-            </a:r>
-            <a:r>
-              <a:rPr lang="en-US" sz="2000" dirty="0" err="1"/>
-              <a:t>np.cos</a:t>
-            </a:r>
-            <a:r>
-              <a:rPr lang="en-US" sz="2000" dirty="0"/>
-              <a:t>(theta2 - phi) * (mass2 - K * mass1) \</a:t>
-            </a:r>
-          </a:p>
-          <a:p>
-            <a:r>
-              <a:rPr lang="en-US" sz="2000" dirty="0"/>
-              <a:t>        * </a:t>
-            </a:r>
-            <a:r>
-              <a:rPr lang="en-US" sz="2000" dirty="0" err="1"/>
-              <a:t>np.sin</a:t>
-            </a:r>
-            <a:r>
-              <a:rPr lang="en-US" sz="2000" dirty="0"/>
-              <a:t>(phi) / (mass1 + mass2) \</a:t>
-            </a:r>
-          </a:p>
-          <a:p>
-            <a:r>
-              <a:rPr lang="en-US" sz="2000" dirty="0"/>
-              <a:t>        + ((1 + K) * mass1 * v1 * </a:t>
-            </a:r>
-            <a:r>
-              <a:rPr lang="en-US" sz="2000" dirty="0" err="1"/>
-              <a:t>np.cos</a:t>
-            </a:r>
-            <a:r>
-              <a:rPr lang="en-US" sz="2000" dirty="0"/>
-              <a:t>(theta1 - phi)) \</a:t>
-            </a:r>
-          </a:p>
-          <a:p>
-            <a:r>
-              <a:rPr lang="en-US" sz="2000" dirty="0"/>
-              <a:t>        * </a:t>
-            </a:r>
-            <a:r>
-              <a:rPr lang="en-US" sz="2000" dirty="0" err="1"/>
-              <a:t>np.sin</a:t>
-            </a:r>
-            <a:r>
-              <a:rPr lang="en-US" sz="2000" dirty="0"/>
-              <a:t>(phi) / (mass1 + mass2)\</a:t>
-            </a:r>
-          </a:p>
-          <a:p>
-            <a:r>
-              <a:rPr lang="en-US" sz="2000" dirty="0"/>
-              <a:t>        + K * v2 * </a:t>
-            </a:r>
-            <a:r>
-              <a:rPr lang="en-US" sz="2000" dirty="0" err="1"/>
-              <a:t>np.sin</a:t>
-            </a:r>
-            <a:r>
-              <a:rPr lang="en-US" sz="2000" dirty="0"/>
-              <a:t>(theta2 - phi) * </a:t>
-            </a:r>
-            <a:r>
-              <a:rPr lang="en-US" sz="2000" dirty="0" err="1"/>
-              <a:t>np.sin</a:t>
-            </a:r>
-            <a:r>
-              <a:rPr lang="en-US" sz="2000" dirty="0"/>
-              <a:t>(phi + </a:t>
-            </a:r>
-            <a:r>
-              <a:rPr lang="en-US" sz="2000" dirty="0" err="1"/>
-              <a:t>np.pi</a:t>
-            </a:r>
-            <a:r>
-              <a:rPr lang="en-US" sz="2000" dirty="0"/>
-              <a:t> / 2)</a:t>
-            </a:r>
+            <a:r>
+              <a:rPr lang="ru-RU" dirty="0"/>
+              <a:t>Пересчет компонентов скорости второй </a:t>
+            </a:r>
+            <a:r>
+              <a:rPr lang="ru-RU" dirty="0" smtClean="0"/>
+              <a:t>частицы</a:t>
+            </a:r>
+            <a:endParaRPr lang="ru-RU" dirty="0"/>
           </a:p>
         </p:txBody>
       </p:sp>
@@ -10888,6 +10695,47 @@
           </a:p>
         </p:txBody>
       </p:sp>
+      <p:pic>
+        <p:nvPicPr>
+          <p:cNvPr id="4098" name="Picture 2" descr="C:\Users\ABaigashov\Desktop\Снимок шар 2.PNG"/>
+          <p:cNvPicPr>
+            <a:picLocks noChangeAspect="1" noChangeArrowheads="1"/>
+          </p:cNvPicPr>
+          <p:nvPr/>
+        </p:nvPicPr>
+        <p:blipFill>
+          <a:blip r:embed="rId2">
+            <a:extLst>
+              <a:ext uri="{28A0092B-C50C-407E-A947-70E740481C1C}">
+                <a14:useLocalDpi xmlns:a14="http://schemas.microsoft.com/office/drawing/2010/main" val="0"/>
+              </a:ext>
+            </a:extLst>
+          </a:blip>
+          <a:srcRect/>
+          <a:stretch>
+            <a:fillRect/>
+          </a:stretch>
+        </p:blipFill>
+        <p:spPr bwMode="auto">
+          <a:xfrm>
+            <a:off x="3226435" y="2072258"/>
+            <a:ext cx="7173341" cy="3328112"/>
+          </a:xfrm>
+          <a:prstGeom prst="rect">
+            <a:avLst/>
+          </a:prstGeom>
+          <a:noFill/>
+          <a:extLst>
+            <a:ext uri="{909E8E84-426E-40DD-AFC4-6F175D3DCCD1}">
+              <a14:hiddenFill xmlns:a14="http://schemas.microsoft.com/office/drawing/2010/main">
+                <a:solidFill>
+                  <a:srgbClr val="FFFFFF"/>
+                </a:solidFill>
+              </a14:hiddenFill>
+            </a:ext>
+          </a:extLst>
+        </p:spPr>
+      </p:pic>
     </p:spTree>
     <p:extLst>
       <p:ext uri="{BB962C8B-B14F-4D97-AF65-F5344CB8AC3E}">
@@ -10909,6 +10757,69 @@
 </file>
 
 <file path=ppt/slides/slide8.xml><?xml version="1.0" encoding="utf-8"?>
+<p:sld xmlns:a="http://schemas.openxmlformats.org/drawingml/2006/main" xmlns:r="http://schemas.openxmlformats.org/officeDocument/2006/relationships" xmlns:p="http://schemas.openxmlformats.org/presentationml/2006/main">
+  <p:cSld>
+    <p:spTree>
+      <p:nvGrpSpPr>
+        <p:cNvPr id="1" name=""/>
+        <p:cNvGrpSpPr/>
+        <p:nvPr/>
+      </p:nvGrpSpPr>
+      <p:grpSpPr>
+        <a:xfrm>
+          <a:off x="0" y="0"/>
+          <a:ext cx="0" cy="0"/>
+          <a:chOff x="0" y="0"/>
+          <a:chExt cx="0" cy="0"/>
+        </a:xfrm>
+      </p:grpSpPr>
+      <p:sp>
+        <p:nvSpPr>
+          <p:cNvPr id="2" name="Прямоугольник 1"/>
+          <p:cNvSpPr/>
+          <p:nvPr/>
+        </p:nvSpPr>
+        <p:spPr>
+          <a:xfrm>
+            <a:off x="4349559" y="1915406"/>
+            <a:ext cx="4003019" cy="1569660"/>
+          </a:xfrm>
+          <a:prstGeom prst="rect">
+            <a:avLst/>
+          </a:prstGeom>
+        </p:spPr>
+        <p:txBody>
+          <a:bodyPr wrap="none">
+            <a:spAutoFit/>
+          </a:bodyPr>
+          <a:lstStyle/>
+          <a:p>
+            <a:r>
+              <a:rPr lang="en-US" sz="9600" dirty="0" smtClean="0"/>
+              <a:t>GIF</a:t>
+            </a:r>
+            <a:r>
+              <a:rPr lang="ru-RU" sz="9600" dirty="0" smtClean="0"/>
+              <a:t>-ка</a:t>
+            </a:r>
+            <a:endParaRPr lang="ru-RU" sz="9600" dirty="0"/>
+          </a:p>
+        </p:txBody>
+      </p:sp>
+    </p:spTree>
+    <p:extLst>
+      <p:ext uri="{BB962C8B-B14F-4D97-AF65-F5344CB8AC3E}">
+        <p14:creationId xmlns:p14="http://schemas.microsoft.com/office/powerpoint/2010/main" val="1708232261"/>
+      </p:ext>
+    </p:extLst>
+  </p:cSld>
+  <p:clrMapOvr>
+    <a:masterClrMapping/>
+  </p:clrMapOvr>
+</p:sld>
+</file>
+
+<file path=ppt/slides/slide9.xml><?xml version="1.0" encoding="utf-8"?>
 <p:sld xmlns:a="http://schemas.openxmlformats.org/drawingml/2006/main" xmlns:r="http://schemas.openxmlformats.org/officeDocument/2006/relationships" xmlns:p="http://schemas.openxmlformats.org/presentationml/2006/main">
   <p:cSld>
     <p:spTree>
